--- a/steen_mod5_pres.pptx
+++ b/steen_mod5_pres.pptx
@@ -10,12 +10,11 @@
     <p:sldId id="266" r:id="rId4"/>
     <p:sldId id="267" r:id="rId5"/>
     <p:sldId id="271" r:id="rId6"/>
-    <p:sldId id="273" r:id="rId7"/>
-    <p:sldId id="274" r:id="rId8"/>
-    <p:sldId id="275" r:id="rId9"/>
-    <p:sldId id="269" r:id="rId10"/>
-    <p:sldId id="270" r:id="rId11"/>
-    <p:sldId id="268" r:id="rId12"/>
+    <p:sldId id="274" r:id="rId7"/>
+    <p:sldId id="276" r:id="rId8"/>
+    <p:sldId id="269" r:id="rId9"/>
+    <p:sldId id="270" r:id="rId10"/>
+    <p:sldId id="268" r:id="rId11"/>
   </p:sldIdLst>
   <p:sldSz cx="12192000" cy="6858000"/>
   <p:notesSz cx="6858000" cy="9144000"/>
@@ -114,6 +113,11 @@
       </a:defRPr>
     </a:lvl9pPr>
   </p:defaultTextStyle>
+  <p:extLst>
+    <p:ext uri="{EFAFB233-063F-42B5-8137-9DF3F51BA10A}">
+      <p15:sldGuideLst xmlns:p15="http://schemas.microsoft.com/office/powerpoint/2012/main"/>
+    </p:ext>
+  </p:extLst>
 </p:presentation>
 </file>
 
@@ -3501,7 +3505,7 @@
           <a:p>
             <a:fld id="{BF1C7E3E-4813-47F6-89BD-27C9A6AD3C07}" type="datetimeFigureOut">
               <a:rPr lang="en-US" smtClean="0"/>
-              <a:t>2/7/2020</a:t>
+              <a:t>2/18/2020</a:t>
             </a:fld>
             <a:endParaRPr lang="en-US" dirty="0"/>
           </a:p>
@@ -3796,7 +3800,7 @@
           <a:p>
             <a:fld id="{BF1C7E3E-4813-47F6-89BD-27C9A6AD3C07}" type="datetimeFigureOut">
               <a:rPr lang="en-US" smtClean="0"/>
-              <a:t>2/7/2020</a:t>
+              <a:t>2/18/2020</a:t>
             </a:fld>
             <a:endParaRPr lang="en-US" dirty="0"/>
           </a:p>
@@ -4044,7 +4048,7 @@
           <a:p>
             <a:fld id="{BF1C7E3E-4813-47F6-89BD-27C9A6AD3C07}" type="datetimeFigureOut">
               <a:rPr lang="en-US" smtClean="0"/>
-              <a:t>2/7/2020</a:t>
+              <a:t>2/18/2020</a:t>
             </a:fld>
             <a:endParaRPr lang="en-US" dirty="0"/>
           </a:p>
@@ -4584,7 +4588,7 @@
           <a:p>
             <a:fld id="{BF1C7E3E-4813-47F6-89BD-27C9A6AD3C07}" type="datetimeFigureOut">
               <a:rPr lang="en-US" smtClean="0"/>
-              <a:t>2/7/2020</a:t>
+              <a:t>2/18/2020</a:t>
             </a:fld>
             <a:endParaRPr lang="en-US" dirty="0"/>
           </a:p>
@@ -4832,7 +4836,7 @@
           <a:p>
             <a:fld id="{BF1C7E3E-4813-47F6-89BD-27C9A6AD3C07}" type="datetimeFigureOut">
               <a:rPr lang="en-US" smtClean="0"/>
-              <a:t>2/7/2020</a:t>
+              <a:t>2/18/2020</a:t>
             </a:fld>
             <a:endParaRPr lang="en-US" dirty="0"/>
           </a:p>
@@ -5364,7 +5368,7 @@
           <a:p>
             <a:fld id="{BF1C7E3E-4813-47F6-89BD-27C9A6AD3C07}" type="datetimeFigureOut">
               <a:rPr lang="en-US" smtClean="0"/>
-              <a:t>2/7/2020</a:t>
+              <a:t>2/18/2020</a:t>
             </a:fld>
             <a:endParaRPr lang="en-US" dirty="0"/>
           </a:p>
@@ -5661,7 +5665,7 @@
           <a:p>
             <a:fld id="{BF1C7E3E-4813-47F6-89BD-27C9A6AD3C07}" type="datetimeFigureOut">
               <a:rPr lang="en-US" smtClean="0"/>
-              <a:t>2/7/2020</a:t>
+              <a:t>2/18/2020</a:t>
             </a:fld>
             <a:endParaRPr lang="en-US" dirty="0"/>
           </a:p>
@@ -5835,7 +5839,7 @@
           <a:p>
             <a:fld id="{BF1C7E3E-4813-47F6-89BD-27C9A6AD3C07}" type="datetimeFigureOut">
               <a:rPr lang="en-US" smtClean="0"/>
-              <a:t>2/7/2020</a:t>
+              <a:t>2/18/2020</a:t>
             </a:fld>
             <a:endParaRPr lang="en-US" dirty="0"/>
           </a:p>
@@ -6015,7 +6019,7 @@
           <a:p>
             <a:fld id="{BF1C7E3E-4813-47F6-89BD-27C9A6AD3C07}" type="datetimeFigureOut">
               <a:rPr lang="en-US" smtClean="0"/>
-              <a:t>2/7/2020</a:t>
+              <a:t>2/18/2020</a:t>
             </a:fld>
             <a:endParaRPr lang="en-US" dirty="0"/>
           </a:p>
@@ -6185,7 +6189,7 @@
           <a:p>
             <a:fld id="{BF1C7E3E-4813-47F6-89BD-27C9A6AD3C07}" type="datetimeFigureOut">
               <a:rPr lang="en-US" smtClean="0"/>
-              <a:t>2/7/2020</a:t>
+              <a:t>2/18/2020</a:t>
             </a:fld>
             <a:endParaRPr lang="en-US" dirty="0"/>
           </a:p>
@@ -6436,7 +6440,7 @@
           <a:p>
             <a:fld id="{BF1C7E3E-4813-47F6-89BD-27C9A6AD3C07}" type="datetimeFigureOut">
               <a:rPr lang="en-US" smtClean="0"/>
-              <a:t>2/7/2020</a:t>
+              <a:t>2/18/2020</a:t>
             </a:fld>
             <a:endParaRPr lang="en-US" dirty="0"/>
           </a:p>
@@ -6733,7 +6737,7 @@
           <a:p>
             <a:fld id="{BF1C7E3E-4813-47F6-89BD-27C9A6AD3C07}" type="datetimeFigureOut">
               <a:rPr lang="en-US" smtClean="0"/>
-              <a:t>2/7/2020</a:t>
+              <a:t>2/18/2020</a:t>
             </a:fld>
             <a:endParaRPr lang="en-US" dirty="0"/>
           </a:p>
@@ -7175,7 +7179,7 @@
           <a:p>
             <a:fld id="{BF1C7E3E-4813-47F6-89BD-27C9A6AD3C07}" type="datetimeFigureOut">
               <a:rPr lang="en-US" smtClean="0"/>
-              <a:t>2/7/2020</a:t>
+              <a:t>2/18/2020</a:t>
             </a:fld>
             <a:endParaRPr lang="en-US" dirty="0"/>
           </a:p>
@@ -7293,7 +7297,7 @@
           <a:p>
             <a:fld id="{BF1C7E3E-4813-47F6-89BD-27C9A6AD3C07}" type="datetimeFigureOut">
               <a:rPr lang="en-US" smtClean="0"/>
-              <a:t>2/7/2020</a:t>
+              <a:t>2/18/2020</a:t>
             </a:fld>
             <a:endParaRPr lang="en-US" dirty="0"/>
           </a:p>
@@ -7388,7 +7392,7 @@
           <a:p>
             <a:fld id="{BF1C7E3E-4813-47F6-89BD-27C9A6AD3C07}" type="datetimeFigureOut">
               <a:rPr lang="en-US" smtClean="0"/>
-              <a:t>2/7/2020</a:t>
+              <a:t>2/18/2020</a:t>
             </a:fld>
             <a:endParaRPr lang="en-US" dirty="0"/>
           </a:p>
@@ -7671,7 +7675,7 @@
           <a:p>
             <a:fld id="{BF1C7E3E-4813-47F6-89BD-27C9A6AD3C07}" type="datetimeFigureOut">
               <a:rPr lang="en-US" smtClean="0"/>
-              <a:t>2/7/2020</a:t>
+              <a:t>2/18/2020</a:t>
             </a:fld>
             <a:endParaRPr lang="en-US" dirty="0"/>
           </a:p>
@@ -7961,7 +7965,7 @@
           <a:p>
             <a:fld id="{BF1C7E3E-4813-47F6-89BD-27C9A6AD3C07}" type="datetimeFigureOut">
               <a:rPr lang="en-US" smtClean="0"/>
-              <a:t>2/7/2020</a:t>
+              <a:t>2/18/2020</a:t>
             </a:fld>
             <a:endParaRPr lang="en-US" dirty="0"/>
           </a:p>
@@ -8491,7 +8495,7 @@
           <a:p>
             <a:fld id="{BF1C7E3E-4813-47F6-89BD-27C9A6AD3C07}" type="datetimeFigureOut">
               <a:rPr lang="en-US" smtClean="0"/>
-              <a:t>2/7/2020</a:t>
+              <a:t>2/18/2020</a:t>
             </a:fld>
             <a:endParaRPr lang="en-US" dirty="0"/>
           </a:p>
@@ -9532,7 +9536,7 @@
             <a:pPr algn="l"/>
             <a:r>
               <a:rPr lang="en-US" sz="6200" dirty="0"/>
-              <a:t>Predicting Professional Soccer Match Results Using Machine Learning (ML) Algorithms</a:t>
+              <a:t>Improving Soccer Match Outcomes Using Machine Learning (ML) Algorithms</a:t>
             </a:r>
           </a:p>
         </p:txBody>
@@ -9649,743 +9653,6 @@
 </file>
 
 <file path=ppt/slides/slide10.xml><?xml version="1.0" encoding="utf-8"?>
-<p:sld xmlns:a="http://schemas.openxmlformats.org/drawingml/2006/main" xmlns:r="http://schemas.openxmlformats.org/officeDocument/2006/relationships" xmlns:p="http://schemas.openxmlformats.org/presentationml/2006/main">
-  <p:cSld>
-    <p:bg>
-      <p:bgPr>
-        <a:solidFill>
-          <a:schemeClr val="bg2"/>
-        </a:solidFill>
-        <a:effectLst/>
-      </p:bgPr>
-    </p:bg>
-    <p:spTree>
-      <p:nvGrpSpPr>
-        <p:cNvPr id="1" name=""/>
-        <p:cNvGrpSpPr/>
-        <p:nvPr/>
-      </p:nvGrpSpPr>
-      <p:grpSpPr>
-        <a:xfrm>
-          <a:off x="0" y="0"/>
-          <a:ext cx="0" cy="0"/>
-          <a:chOff x="0" y="0"/>
-          <a:chExt cx="0" cy="0"/>
-        </a:xfrm>
-      </p:grpSpPr>
-      <p:sp>
-        <p:nvSpPr>
-          <p:cNvPr id="8" name="Rectangle 7">
-            <a:extLst>
-              <a:ext uri="{FF2B5EF4-FFF2-40B4-BE49-F238E27FC236}">
-                <a16:creationId xmlns:a16="http://schemas.microsoft.com/office/drawing/2014/main" id="{F659138C-74A1-445B-848C-3608AE871A9F}"/>
-              </a:ext>
-              <a:ext uri="{C183D7F6-B498-43B3-948B-1728B52AA6E4}">
-                <adec:decorative xmlns:adec="http://schemas.microsoft.com/office/drawing/2017/decorative" val="1"/>
-              </a:ext>
-            </a:extLst>
-          </p:cNvPr>
-          <p:cNvSpPr>
-            <a:spLocks noGrp="1" noRot="1" noChangeAspect="1" noMove="1" noResize="1" noEditPoints="1" noAdjustHandles="1" noChangeArrowheads="1" noChangeShapeType="1" noTextEdit="1"/>
-          </p:cNvSpPr>
-          <p:nvPr>
-            <p:extLst>
-              <p:ext uri="{386F3935-93C4-4BCD-93E2-E3B085C9AB24}">
-                <p16:designElem xmlns:p16="http://schemas.microsoft.com/office/powerpoint/2015/main" val="1"/>
-              </p:ext>
-            </p:extLst>
-          </p:nvPr>
-        </p:nvSpPr>
-        <p:spPr>
-          <a:xfrm>
-            <a:off x="0" y="0"/>
-            <a:ext cx="12192000" cy="6858000"/>
-          </a:xfrm>
-          <a:prstGeom prst="rect">
-            <a:avLst/>
-          </a:prstGeom>
-          <a:solidFill>
-            <a:schemeClr val="bg1">
-              <a:lumMod val="75000"/>
-              <a:lumOff val="25000"/>
-            </a:schemeClr>
-          </a:solidFill>
-          <a:ln>
-            <a:noFill/>
-          </a:ln>
-        </p:spPr>
-        <p:style>
-          <a:lnRef idx="2">
-            <a:schemeClr val="accent1">
-              <a:shade val="50000"/>
-            </a:schemeClr>
-          </a:lnRef>
-          <a:fillRef idx="1002">
-            <a:schemeClr val="dk2"/>
-          </a:fillRef>
-          <a:effectRef idx="0">
-            <a:schemeClr val="accent1"/>
-          </a:effectRef>
-          <a:fontRef idx="minor">
-            <a:schemeClr val="lt1"/>
-          </a:fontRef>
-        </p:style>
-        <p:txBody>
-          <a:bodyPr rtlCol="0" anchor="ctr"/>
-          <a:lstStyle/>
-          <a:p>
-            <a:pPr algn="ctr"/>
-            <a:endParaRPr lang="en-US"/>
-          </a:p>
-        </p:txBody>
-      </p:sp>
-      <p:grpSp>
-        <p:nvGrpSpPr>
-          <p:cNvPr id="10" name="Group 9">
-            <a:extLst>
-              <a:ext uri="{FF2B5EF4-FFF2-40B4-BE49-F238E27FC236}">
-                <a16:creationId xmlns:a16="http://schemas.microsoft.com/office/drawing/2014/main" id="{7DFD7409-66D7-4C9C-B528-E79EB64A4D31}"/>
-              </a:ext>
-              <a:ext uri="{C183D7F6-B498-43B3-948B-1728B52AA6E4}">
-                <adec:decorative xmlns:adec="http://schemas.microsoft.com/office/drawing/2017/decorative" val="1"/>
-              </a:ext>
-            </a:extLst>
-          </p:cNvPr>
-          <p:cNvGrpSpPr>
-            <a:grpSpLocks noGrp="1" noUngrp="1" noRot="1" noChangeAspect="1" noMove="1" noResize="1"/>
-          </p:cNvGrpSpPr>
-          <p:nvPr>
-            <p:extLst>
-              <p:ext uri="{386F3935-93C4-4BCD-93E2-E3B085C9AB24}">
-                <p16:designElem xmlns:p16="http://schemas.microsoft.com/office/powerpoint/2015/main" val="1"/>
-              </p:ext>
-            </p:extLst>
-          </p:nvPr>
-        </p:nvGrpSpPr>
-        <p:grpSpPr>
-          <a:xfrm>
-            <a:off x="1087455" y="0"/>
-            <a:ext cx="5014912" cy="6862763"/>
-            <a:chOff x="2928938" y="-4763"/>
-            <a:chExt cx="5014912" cy="6862763"/>
-          </a:xfrm>
-        </p:grpSpPr>
-        <p:sp>
-          <p:nvSpPr>
-            <p:cNvPr id="11" name="Freeform 6">
-              <a:extLst>
-                <a:ext uri="{FF2B5EF4-FFF2-40B4-BE49-F238E27FC236}">
-                  <a16:creationId xmlns:a16="http://schemas.microsoft.com/office/drawing/2014/main" id="{87990EF0-5F6F-4FE3-AA65-8968AF2DF8A8}"/>
-                </a:ext>
-                <a:ext uri="{C183D7F6-B498-43B3-948B-1728B52AA6E4}">
-                  <adec:decorative xmlns:adec="http://schemas.microsoft.com/office/drawing/2017/decorative" val="1"/>
-                </a:ext>
-              </a:extLst>
-            </p:cNvPr>
-            <p:cNvSpPr/>
-            <p:nvPr>
-              <p:extLst>
-                <p:ext uri="{386F3935-93C4-4BCD-93E2-E3B085C9AB24}">
-                  <p16:designElem xmlns:p16="http://schemas.microsoft.com/office/powerpoint/2015/main" val="1"/>
-                </p:ext>
-              </p:extLst>
-            </p:nvPr>
-          </p:nvSpPr>
-          <p:spPr bwMode="auto">
-            <a:xfrm>
-              <a:off x="3367088" y="-4763"/>
-              <a:ext cx="1063625" cy="2782888"/>
-            </a:xfrm>
-            <a:custGeom>
-              <a:avLst/>
-              <a:gdLst/>
-              <a:ahLst/>
-              <a:cxnLst/>
-              <a:rect l="0" t="0" r="r" b="b"/>
-              <a:pathLst>
-                <a:path w="670" h="1753">
-                  <a:moveTo>
-                    <a:pt x="0" y="1696"/>
-                  </a:moveTo>
-                  <a:lnTo>
-                    <a:pt x="225" y="1753"/>
-                  </a:lnTo>
-                  <a:lnTo>
-                    <a:pt x="670" y="0"/>
-                  </a:lnTo>
-                  <a:lnTo>
-                    <a:pt x="430" y="0"/>
-                  </a:lnTo>
-                  <a:lnTo>
-                    <a:pt x="0" y="1696"/>
-                  </a:lnTo>
-                  <a:close/>
-                </a:path>
-              </a:pathLst>
-            </a:custGeom>
-            <a:solidFill>
-              <a:schemeClr val="accent1">
-                <a:lumMod val="75000"/>
-              </a:schemeClr>
-            </a:solidFill>
-            <a:ln>
-              <a:noFill/>
-            </a:ln>
-          </p:spPr>
-        </p:sp>
-        <p:sp>
-          <p:nvSpPr>
-            <p:cNvPr id="12" name="Freeform 7">
-              <a:extLst>
-                <a:ext uri="{FF2B5EF4-FFF2-40B4-BE49-F238E27FC236}">
-                  <a16:creationId xmlns:a16="http://schemas.microsoft.com/office/drawing/2014/main" id="{D78F7598-94C7-46E9-8B2A-CB44A0F25268}"/>
-                </a:ext>
-                <a:ext uri="{C183D7F6-B498-43B3-948B-1728B52AA6E4}">
-                  <adec:decorative xmlns:adec="http://schemas.microsoft.com/office/drawing/2017/decorative" val="1"/>
-                </a:ext>
-              </a:extLst>
-            </p:cNvPr>
-            <p:cNvSpPr/>
-            <p:nvPr>
-              <p:extLst>
-                <p:ext uri="{386F3935-93C4-4BCD-93E2-E3B085C9AB24}">
-                  <p16:designElem xmlns:p16="http://schemas.microsoft.com/office/powerpoint/2015/main" val="1"/>
-                </p:ext>
-              </p:extLst>
-            </p:nvPr>
-          </p:nvSpPr>
-          <p:spPr bwMode="auto">
-            <a:xfrm>
-              <a:off x="2928938" y="-4763"/>
-              <a:ext cx="1035050" cy="2673350"/>
-            </a:xfrm>
-            <a:custGeom>
-              <a:avLst/>
-              <a:gdLst/>
-              <a:ahLst/>
-              <a:cxnLst/>
-              <a:rect l="0" t="0" r="r" b="b"/>
-              <a:pathLst>
-                <a:path w="652" h="1684">
-                  <a:moveTo>
-                    <a:pt x="225" y="1684"/>
-                  </a:moveTo>
-                  <a:lnTo>
-                    <a:pt x="652" y="0"/>
-                  </a:lnTo>
-                  <a:lnTo>
-                    <a:pt x="411" y="0"/>
-                  </a:lnTo>
-                  <a:lnTo>
-                    <a:pt x="0" y="1627"/>
-                  </a:lnTo>
-                  <a:lnTo>
-                    <a:pt x="219" y="1681"/>
-                  </a:lnTo>
-                  <a:lnTo>
-                    <a:pt x="225" y="1684"/>
-                  </a:lnTo>
-                  <a:close/>
-                </a:path>
-              </a:pathLst>
-            </a:custGeom>
-            <a:solidFill>
-              <a:srgbClr val="595959"/>
-            </a:solidFill>
-            <a:ln>
-              <a:noFill/>
-            </a:ln>
-          </p:spPr>
-        </p:sp>
-        <p:sp>
-          <p:nvSpPr>
-            <p:cNvPr id="13" name="Freeform 12">
-              <a:extLst>
-                <a:ext uri="{FF2B5EF4-FFF2-40B4-BE49-F238E27FC236}">
-                  <a16:creationId xmlns:a16="http://schemas.microsoft.com/office/drawing/2014/main" id="{99D2CBB1-072D-4875-B7D7-CADB0ABF30EC}"/>
-                </a:ext>
-                <a:ext uri="{C183D7F6-B498-43B3-948B-1728B52AA6E4}">
-                  <adec:decorative xmlns:adec="http://schemas.microsoft.com/office/drawing/2017/decorative" val="1"/>
-                </a:ext>
-              </a:extLst>
-            </p:cNvPr>
-            <p:cNvSpPr/>
-            <p:nvPr>
-              <p:extLst>
-                <p:ext uri="{386F3935-93C4-4BCD-93E2-E3B085C9AB24}">
-                  <p16:designElem xmlns:p16="http://schemas.microsoft.com/office/powerpoint/2015/main" val="1"/>
-                </p:ext>
-              </p:extLst>
-            </p:nvPr>
-          </p:nvSpPr>
-          <p:spPr bwMode="auto">
-            <a:xfrm>
-              <a:off x="2928938" y="2582862"/>
-              <a:ext cx="2693987" cy="4275138"/>
-            </a:xfrm>
-            <a:custGeom>
-              <a:avLst/>
-              <a:gdLst/>
-              <a:ahLst/>
-              <a:cxnLst/>
-              <a:rect l="0" t="0" r="r" b="b"/>
-              <a:pathLst>
-                <a:path w="1697" h="2693">
-                  <a:moveTo>
-                    <a:pt x="0" y="0"/>
-                  </a:moveTo>
-                  <a:lnTo>
-                    <a:pt x="1622" y="2693"/>
-                  </a:lnTo>
-                  <a:lnTo>
-                    <a:pt x="1697" y="2693"/>
-                  </a:lnTo>
-                  <a:lnTo>
-                    <a:pt x="0" y="0"/>
-                  </a:lnTo>
-                  <a:close/>
-                </a:path>
-              </a:pathLst>
-            </a:custGeom>
-            <a:solidFill>
-              <a:srgbClr val="262626"/>
-            </a:solidFill>
-            <a:ln>
-              <a:noFill/>
-            </a:ln>
-          </p:spPr>
-        </p:sp>
-        <p:sp>
-          <p:nvSpPr>
-            <p:cNvPr id="14" name="Freeform 13">
-              <a:extLst>
-                <a:ext uri="{FF2B5EF4-FFF2-40B4-BE49-F238E27FC236}">
-                  <a16:creationId xmlns:a16="http://schemas.microsoft.com/office/drawing/2014/main" id="{58F600B4-EE22-4BA5-A764-9D80C335C3A6}"/>
-                </a:ext>
-                <a:ext uri="{C183D7F6-B498-43B3-948B-1728B52AA6E4}">
-                  <adec:decorative xmlns:adec="http://schemas.microsoft.com/office/drawing/2017/decorative" val="1"/>
-                </a:ext>
-              </a:extLst>
-            </p:cNvPr>
-            <p:cNvSpPr/>
-            <p:nvPr>
-              <p:extLst>
-                <p:ext uri="{386F3935-93C4-4BCD-93E2-E3B085C9AB24}">
-                  <p16:designElem xmlns:p16="http://schemas.microsoft.com/office/powerpoint/2015/main" val="1"/>
-                </p:ext>
-              </p:extLst>
-            </p:nvPr>
-          </p:nvSpPr>
-          <p:spPr bwMode="auto">
-            <a:xfrm>
-              <a:off x="3371850" y="2692400"/>
-              <a:ext cx="3332162" cy="4165600"/>
-            </a:xfrm>
-            <a:custGeom>
-              <a:avLst/>
-              <a:gdLst/>
-              <a:ahLst/>
-              <a:cxnLst/>
-              <a:rect l="0" t="0" r="r" b="b"/>
-              <a:pathLst>
-                <a:path w="2099" h="2624">
-                  <a:moveTo>
-                    <a:pt x="2099" y="2624"/>
-                  </a:moveTo>
-                  <a:lnTo>
-                    <a:pt x="0" y="0"/>
-                  </a:lnTo>
-                  <a:lnTo>
-                    <a:pt x="2021" y="2624"/>
-                  </a:lnTo>
-                  <a:lnTo>
-                    <a:pt x="2099" y="2624"/>
-                  </a:lnTo>
-                  <a:close/>
-                </a:path>
-              </a:pathLst>
-            </a:custGeom>
-            <a:solidFill>
-              <a:schemeClr val="accent1">
-                <a:lumMod val="50000"/>
-              </a:schemeClr>
-            </a:solidFill>
-            <a:ln>
-              <a:noFill/>
-            </a:ln>
-          </p:spPr>
-        </p:sp>
-        <p:sp>
-          <p:nvSpPr>
-            <p:cNvPr id="15" name="Freeform 14">
-              <a:extLst>
-                <a:ext uri="{FF2B5EF4-FFF2-40B4-BE49-F238E27FC236}">
-                  <a16:creationId xmlns:a16="http://schemas.microsoft.com/office/drawing/2014/main" id="{1E8DAD02-2B30-48A9-ACE0-2E9193091875}"/>
-                </a:ext>
-                <a:ext uri="{C183D7F6-B498-43B3-948B-1728B52AA6E4}">
-                  <adec:decorative xmlns:adec="http://schemas.microsoft.com/office/drawing/2017/decorative" val="1"/>
-                </a:ext>
-              </a:extLst>
-            </p:cNvPr>
-            <p:cNvSpPr/>
-            <p:nvPr>
-              <p:extLst>
-                <p:ext uri="{386F3935-93C4-4BCD-93E2-E3B085C9AB24}">
-                  <p16:designElem xmlns:p16="http://schemas.microsoft.com/office/powerpoint/2015/main" val="1"/>
-                </p:ext>
-              </p:extLst>
-            </p:nvPr>
-          </p:nvSpPr>
-          <p:spPr bwMode="auto">
-            <a:xfrm>
-              <a:off x="3367088" y="2687637"/>
-              <a:ext cx="4576762" cy="4170363"/>
-            </a:xfrm>
-            <a:custGeom>
-              <a:avLst/>
-              <a:gdLst/>
-              <a:ahLst/>
-              <a:cxnLst/>
-              <a:rect l="0" t="0" r="r" b="b"/>
-              <a:pathLst>
-                <a:path w="2883" h="2627">
-                  <a:moveTo>
-                    <a:pt x="0" y="0"/>
-                  </a:moveTo>
-                  <a:lnTo>
-                    <a:pt x="3" y="3"/>
-                  </a:lnTo>
-                  <a:lnTo>
-                    <a:pt x="2102" y="2627"/>
-                  </a:lnTo>
-                  <a:lnTo>
-                    <a:pt x="2883" y="2627"/>
-                  </a:lnTo>
-                  <a:lnTo>
-                    <a:pt x="225" y="57"/>
-                  </a:lnTo>
-                  <a:lnTo>
-                    <a:pt x="0" y="0"/>
-                  </a:lnTo>
-                  <a:close/>
-                </a:path>
-              </a:pathLst>
-            </a:custGeom>
-            <a:solidFill>
-              <a:schemeClr val="accent1">
-                <a:lumMod val="75000"/>
-              </a:schemeClr>
-            </a:solidFill>
-            <a:ln>
-              <a:noFill/>
-            </a:ln>
-          </p:spPr>
-        </p:sp>
-        <p:sp>
-          <p:nvSpPr>
-            <p:cNvPr id="16" name="Freeform 15">
-              <a:extLst>
-                <a:ext uri="{FF2B5EF4-FFF2-40B4-BE49-F238E27FC236}">
-                  <a16:creationId xmlns:a16="http://schemas.microsoft.com/office/drawing/2014/main" id="{F8F76B12-142C-41AF-B239-F414ABCFA261}"/>
-                </a:ext>
-                <a:ext uri="{C183D7F6-B498-43B3-948B-1728B52AA6E4}">
-                  <adec:decorative xmlns:adec="http://schemas.microsoft.com/office/drawing/2017/decorative" val="1"/>
-                </a:ext>
-              </a:extLst>
-            </p:cNvPr>
-            <p:cNvSpPr/>
-            <p:nvPr>
-              <p:extLst>
-                <p:ext uri="{386F3935-93C4-4BCD-93E2-E3B085C9AB24}">
-                  <p16:designElem xmlns:p16="http://schemas.microsoft.com/office/powerpoint/2015/main" val="1"/>
-                </p:ext>
-              </p:extLst>
-            </p:nvPr>
-          </p:nvSpPr>
-          <p:spPr bwMode="auto">
-            <a:xfrm>
-              <a:off x="2928938" y="2578100"/>
-              <a:ext cx="3584575" cy="4279900"/>
-            </a:xfrm>
-            <a:custGeom>
-              <a:avLst/>
-              <a:gdLst/>
-              <a:ahLst/>
-              <a:cxnLst/>
-              <a:rect l="0" t="0" r="r" b="b"/>
-              <a:pathLst>
-                <a:path w="2258" h="2696">
-                  <a:moveTo>
-                    <a:pt x="2258" y="2696"/>
-                  </a:moveTo>
-                  <a:lnTo>
-                    <a:pt x="264" y="111"/>
-                  </a:lnTo>
-                  <a:lnTo>
-                    <a:pt x="228" y="60"/>
-                  </a:lnTo>
-                  <a:lnTo>
-                    <a:pt x="225" y="57"/>
-                  </a:lnTo>
-                  <a:lnTo>
-                    <a:pt x="0" y="0"/>
-                  </a:lnTo>
-                  <a:lnTo>
-                    <a:pt x="0" y="3"/>
-                  </a:lnTo>
-                  <a:lnTo>
-                    <a:pt x="1697" y="2696"/>
-                  </a:lnTo>
-                  <a:lnTo>
-                    <a:pt x="2258" y="2696"/>
-                  </a:lnTo>
-                  <a:close/>
-                </a:path>
-              </a:pathLst>
-            </a:custGeom>
-            <a:solidFill>
-              <a:srgbClr val="404040"/>
-            </a:solidFill>
-            <a:ln>
-              <a:noFill/>
-            </a:ln>
-          </p:spPr>
-        </p:sp>
-      </p:grpSp>
-      <p:sp useBgFill="1">
-        <p:nvSpPr>
-          <p:cNvPr id="18" name="Rectangle 17">
-            <a:extLst>
-              <a:ext uri="{FF2B5EF4-FFF2-40B4-BE49-F238E27FC236}">
-                <a16:creationId xmlns:a16="http://schemas.microsoft.com/office/drawing/2014/main" id="{225F4217-4021-45A0-812B-398F9A7A93F9}"/>
-              </a:ext>
-              <a:ext uri="{C183D7F6-B498-43B3-948B-1728B52AA6E4}">
-                <adec:decorative xmlns:adec="http://schemas.microsoft.com/office/drawing/2017/decorative" val="1"/>
-              </a:ext>
-            </a:extLst>
-          </p:cNvPr>
-          <p:cNvSpPr>
-            <a:spLocks noGrp="1" noRot="1" noChangeAspect="1" noMove="1" noResize="1" noEditPoints="1" noAdjustHandles="1" noChangeArrowheads="1" noChangeShapeType="1" noTextEdit="1"/>
-          </p:cNvSpPr>
-          <p:nvPr>
-            <p:extLst>
-              <p:ext uri="{386F3935-93C4-4BCD-93E2-E3B085C9AB24}">
-                <p16:designElem xmlns:p16="http://schemas.microsoft.com/office/powerpoint/2015/main" val="1"/>
-              </p:ext>
-            </p:extLst>
-          </p:nvPr>
-        </p:nvSpPr>
-        <p:spPr>
-          <a:xfrm>
-            <a:off x="648929" y="667808"/>
-            <a:ext cx="10894142" cy="5580592"/>
-          </a:xfrm>
-          <a:prstGeom prst="rect">
-            <a:avLst/>
-          </a:prstGeom>
-          <a:ln w="3175" cap="sq">
-            <a:solidFill>
-              <a:schemeClr val="bg1">
-                <a:lumMod val="65000"/>
-              </a:schemeClr>
-            </a:solidFill>
-            <a:miter lim="800000"/>
-          </a:ln>
-          <a:effectLst>
-            <a:outerShdw blurRad="63500" algn="ctr" rotWithShape="0">
-              <a:prstClr val="black">
-                <a:alpha val="40000"/>
-              </a:prstClr>
-            </a:outerShdw>
-          </a:effectLst>
-        </p:spPr>
-        <p:style>
-          <a:lnRef idx="2">
-            <a:schemeClr val="accent1">
-              <a:shade val="50000"/>
-            </a:schemeClr>
-          </a:lnRef>
-          <a:fillRef idx="1">
-            <a:schemeClr val="accent1"/>
-          </a:fillRef>
-          <a:effectRef idx="0">
-            <a:schemeClr val="accent1"/>
-          </a:effectRef>
-          <a:fontRef idx="minor">
-            <a:schemeClr val="lt1"/>
-          </a:fontRef>
-        </p:style>
-        <p:txBody>
-          <a:bodyPr rtlCol="0" anchor="ctr"/>
-          <a:lstStyle/>
-          <a:p>
-            <a:pPr algn="ctr"/>
-            <a:endParaRPr lang="en-US"/>
-          </a:p>
-        </p:txBody>
-      </p:sp>
-      <p:sp>
-        <p:nvSpPr>
-          <p:cNvPr id="2" name="Title 1">
-            <a:extLst>
-              <a:ext uri="{FF2B5EF4-FFF2-40B4-BE49-F238E27FC236}">
-                <a16:creationId xmlns:a16="http://schemas.microsoft.com/office/drawing/2014/main" id="{A9400F89-107C-4C72-BE49-ED051F5A37EE}"/>
-              </a:ext>
-            </a:extLst>
-          </p:cNvPr>
-          <p:cNvSpPr>
-            <a:spLocks noGrp="1"/>
-          </p:cNvSpPr>
-          <p:nvPr>
-            <p:ph type="title"/>
-          </p:nvPr>
-        </p:nvSpPr>
-        <p:spPr>
-          <a:xfrm>
-            <a:off x="1189702" y="1261872"/>
-            <a:ext cx="3145536" cy="4334256"/>
-          </a:xfrm>
-        </p:spPr>
-        <p:txBody>
-          <a:bodyPr>
-            <a:normAutofit/>
-          </a:bodyPr>
-          <a:lstStyle/>
-          <a:p>
-            <a:pPr algn="r"/>
-            <a:r>
-              <a:rPr lang="en-US" sz="3600" dirty="0"/>
-              <a:t>Future Work</a:t>
-            </a:r>
-          </a:p>
-        </p:txBody>
-      </p:sp>
-      <p:cxnSp>
-        <p:nvCxnSpPr>
-          <p:cNvPr id="20" name="Straight Connector 19">
-            <a:extLst>
-              <a:ext uri="{FF2B5EF4-FFF2-40B4-BE49-F238E27FC236}">
-                <a16:creationId xmlns:a16="http://schemas.microsoft.com/office/drawing/2014/main" id="{486F4EBC-E415-40E4-A8BA-BA66F0B632CB}"/>
-              </a:ext>
-              <a:ext uri="{C183D7F6-B498-43B3-948B-1728B52AA6E4}">
-                <adec:decorative xmlns:adec="http://schemas.microsoft.com/office/drawing/2017/decorative" val="1"/>
-              </a:ext>
-            </a:extLst>
-          </p:cNvPr>
-          <p:cNvCxnSpPr>
-            <a:cxnSpLocks noGrp="1" noRot="1" noChangeAspect="1" noMove="1" noResize="1" noEditPoints="1" noAdjustHandles="1" noChangeArrowheads="1" noChangeShapeType="1"/>
-          </p:cNvCxnSpPr>
-          <p:nvPr>
-            <p:extLst>
-              <p:ext uri="{386F3935-93C4-4BCD-93E2-E3B085C9AB24}">
-                <p16:designElem xmlns:p16="http://schemas.microsoft.com/office/powerpoint/2015/main" val="1"/>
-              </p:ext>
-            </p:extLst>
-          </p:nvPr>
-        </p:nvCxnSpPr>
-        <p:spPr>
-          <a:xfrm>
-            <a:off x="4654295" y="1920240"/>
-            <a:ext cx="0" cy="3017520"/>
-          </a:xfrm>
-          <a:prstGeom prst="line">
-            <a:avLst/>
-          </a:prstGeom>
-          <a:ln w="15875">
-            <a:solidFill>
-              <a:schemeClr val="tx1"/>
-            </a:solidFill>
-          </a:ln>
-        </p:spPr>
-        <p:style>
-          <a:lnRef idx="1">
-            <a:schemeClr val="accent1"/>
-          </a:lnRef>
-          <a:fillRef idx="0">
-            <a:schemeClr val="accent1"/>
-          </a:fillRef>
-          <a:effectRef idx="0">
-            <a:schemeClr val="accent1"/>
-          </a:effectRef>
-          <a:fontRef idx="minor">
-            <a:schemeClr val="tx1"/>
-          </a:fontRef>
-        </p:style>
-      </p:cxnSp>
-      <p:sp>
-        <p:nvSpPr>
-          <p:cNvPr id="3" name="Content Placeholder 2">
-            <a:extLst>
-              <a:ext uri="{FF2B5EF4-FFF2-40B4-BE49-F238E27FC236}">
-                <a16:creationId xmlns:a16="http://schemas.microsoft.com/office/drawing/2014/main" id="{2D321BB8-D312-4C25-9D6A-DE0BE76EDB5F}"/>
-              </a:ext>
-            </a:extLst>
-          </p:cNvPr>
-          <p:cNvSpPr>
-            <a:spLocks noGrp="1"/>
-          </p:cNvSpPr>
-          <p:nvPr>
-            <p:ph idx="1"/>
-          </p:nvPr>
-        </p:nvSpPr>
-        <p:spPr>
-          <a:xfrm>
-            <a:off x="5007932" y="1261873"/>
-            <a:ext cx="5951013" cy="4449422"/>
-          </a:xfrm>
-        </p:spPr>
-        <p:txBody>
-          <a:bodyPr>
-            <a:normAutofit/>
-          </a:bodyPr>
-          <a:lstStyle/>
-          <a:p>
-            <a:r>
-              <a:rPr lang="en-US" sz="2000" dirty="0"/>
-              <a:t>Test ML algorithms on larger datasets</a:t>
-            </a:r>
-          </a:p>
-          <a:p>
-            <a:pPr lvl="1"/>
-            <a:r>
-              <a:rPr lang="en-US" sz="1600" dirty="0"/>
-              <a:t>Additional leagues, longer time periods</a:t>
-            </a:r>
-          </a:p>
-          <a:p>
-            <a:pPr lvl="1"/>
-            <a:endParaRPr lang="en-US" sz="1600" dirty="0"/>
-          </a:p>
-          <a:p>
-            <a:r>
-              <a:rPr lang="en-US" sz="2000" dirty="0"/>
-              <a:t>Use neural networks to try to improve prediction accuracies</a:t>
-            </a:r>
-          </a:p>
-          <a:p>
-            <a:pPr lvl="1"/>
-            <a:endParaRPr lang="en-US" sz="1600" dirty="0"/>
-          </a:p>
-          <a:p>
-            <a:pPr lvl="1"/>
-            <a:endParaRPr lang="en-US" sz="1600" dirty="0"/>
-          </a:p>
-        </p:txBody>
-      </p:sp>
-    </p:spTree>
-    <p:extLst>
-      <p:ext uri="{BB962C8B-B14F-4D97-AF65-F5344CB8AC3E}">
-        <p14:creationId xmlns:p14="http://schemas.microsoft.com/office/powerpoint/2010/main" val="347037632"/>
-      </p:ext>
-    </p:extLst>
-  </p:cSld>
-  <p:clrMapOvr>
-    <a:overrideClrMapping bg1="dk1" tx1="lt1" bg2="dk2" tx2="lt2" accent1="accent1" accent2="accent2" accent3="accent3" accent4="accent4" accent5="accent5" accent6="accent6" hlink="hlink" folHlink="folHlink"/>
-  </p:clrMapOvr>
-</p:sld>
-</file>
-
-<file path=ppt/slides/slide11.xml><?xml version="1.0" encoding="utf-8"?>
 <p:sld xmlns:a="http://schemas.openxmlformats.org/drawingml/2006/main" xmlns:r="http://schemas.openxmlformats.org/officeDocument/2006/relationships" xmlns:p="http://schemas.openxmlformats.org/presentationml/2006/main">
   <p:cSld>
     <p:bg>
@@ -11887,9 +11154,7 @@
             </a:r>
           </a:p>
           <a:p>
-            <a:endParaRPr lang="en-US" dirty="0"/>
-          </a:p>
-          <a:p>
+            <a:pPr lvl="1"/>
             <a:r>
               <a:rPr lang="en-US" dirty="0"/>
               <a:t>High demand = High revenue for biggest clubs</a:t>
@@ -11903,6 +11168,9 @@
             </a:r>
           </a:p>
           <a:p>
+            <a:pPr marL="0" indent="0">
+              <a:buNone/>
+            </a:pPr>
             <a:endParaRPr lang="en-US" dirty="0"/>
           </a:p>
           <a:p>
@@ -11917,7 +11185,7 @@
           <a:p>
             <a:r>
               <a:rPr lang="en-US" dirty="0"/>
-              <a:t>Data science increasingly used to gain a competitive edge</a:t>
+              <a:t>Data science increasingly used to gain a competitive edge (… as you know!)</a:t>
             </a:r>
           </a:p>
           <a:p>
@@ -13672,9 +12940,22 @@
   <p:cSld>
     <p:bg>
       <p:bgPr>
-        <a:solidFill>
-          <a:schemeClr val="bg2"/>
-        </a:solidFill>
+        <a:blipFill rotWithShape="1">
+          <a:blip r:embed="rId2">
+            <a:duotone>
+              <a:schemeClr val="bg2">
+                <a:shade val="76000"/>
+                <a:satMod val="180000"/>
+              </a:schemeClr>
+              <a:schemeClr val="bg2">
+                <a:tint val="80000"/>
+                <a:satMod val="120000"/>
+                <a:lumMod val="180000"/>
+              </a:schemeClr>
+            </a:duotone>
+          </a:blip>
+          <a:stretch/>
+        </a:blipFill>
         <a:effectLst/>
       </p:bgPr>
     </p:bg>
@@ -13692,477 +12973,6 @@
           <a:chExt cx="0" cy="0"/>
         </a:xfrm>
       </p:grpSpPr>
-      <p:sp useBgFill="1">
-        <p:nvSpPr>
-          <p:cNvPr id="8" name="Rectangle 7">
-            <a:extLst>
-              <a:ext uri="{FF2B5EF4-FFF2-40B4-BE49-F238E27FC236}">
-                <a16:creationId xmlns:a16="http://schemas.microsoft.com/office/drawing/2014/main" id="{99CAC3B1-4879-424D-8F15-206277196159}"/>
-              </a:ext>
-              <a:ext uri="{C183D7F6-B498-43B3-948B-1728B52AA6E4}">
-                <adec:decorative xmlns:adec="http://schemas.microsoft.com/office/drawing/2017/decorative" val="1"/>
-              </a:ext>
-            </a:extLst>
-          </p:cNvPr>
-          <p:cNvSpPr>
-            <a:spLocks noGrp="1" noRot="1" noChangeAspect="1" noMove="1" noResize="1" noEditPoints="1" noAdjustHandles="1" noChangeArrowheads="1" noChangeShapeType="1" noTextEdit="1"/>
-          </p:cNvSpPr>
-          <p:nvPr>
-            <p:extLst>
-              <p:ext uri="{386F3935-93C4-4BCD-93E2-E3B085C9AB24}">
-                <p16:designElem xmlns:p16="http://schemas.microsoft.com/office/powerpoint/2015/main" val="1"/>
-              </p:ext>
-            </p:extLst>
-          </p:nvPr>
-        </p:nvSpPr>
-        <p:spPr>
-          <a:xfrm>
-            <a:off x="0" y="0"/>
-            <a:ext cx="12192000" cy="6858000"/>
-          </a:xfrm>
-          <a:prstGeom prst="rect">
-            <a:avLst/>
-          </a:prstGeom>
-          <a:ln>
-            <a:noFill/>
-          </a:ln>
-        </p:spPr>
-        <p:style>
-          <a:lnRef idx="2">
-            <a:schemeClr val="accent1">
-              <a:shade val="50000"/>
-            </a:schemeClr>
-          </a:lnRef>
-          <a:fillRef idx="1">
-            <a:schemeClr val="accent1"/>
-          </a:fillRef>
-          <a:effectRef idx="0">
-            <a:schemeClr val="accent1"/>
-          </a:effectRef>
-          <a:fontRef idx="minor">
-            <a:schemeClr val="lt1"/>
-          </a:fontRef>
-        </p:style>
-        <p:txBody>
-          <a:bodyPr rtlCol="0" anchor="ctr"/>
-          <a:lstStyle/>
-          <a:p>
-            <a:pPr algn="ctr"/>
-            <a:endParaRPr lang="en-US"/>
-          </a:p>
-        </p:txBody>
-      </p:sp>
-      <p:grpSp>
-        <p:nvGrpSpPr>
-          <p:cNvPr id="10" name="Group 9">
-            <a:extLst>
-              <a:ext uri="{FF2B5EF4-FFF2-40B4-BE49-F238E27FC236}">
-                <a16:creationId xmlns:a16="http://schemas.microsoft.com/office/drawing/2014/main" id="{4B8492CB-DFBA-4A82-9778-F21493DA36C1}"/>
-              </a:ext>
-              <a:ext uri="{C183D7F6-B498-43B3-948B-1728B52AA6E4}">
-                <adec:decorative xmlns:adec="http://schemas.microsoft.com/office/drawing/2017/decorative" val="1"/>
-              </a:ext>
-            </a:extLst>
-          </p:cNvPr>
-          <p:cNvGrpSpPr>
-            <a:grpSpLocks noGrp="1" noUngrp="1" noRot="1" noChangeAspect="1" noMove="1" noResize="1"/>
-          </p:cNvGrpSpPr>
-          <p:nvPr>
-            <p:extLst>
-              <p:ext uri="{386F3935-93C4-4BCD-93E2-E3B085C9AB24}">
-                <p16:designElem xmlns:p16="http://schemas.microsoft.com/office/powerpoint/2015/main" val="1"/>
-              </p:ext>
-            </p:extLst>
-          </p:nvPr>
-        </p:nvGrpSpPr>
-        <p:grpSpPr>
-          <a:xfrm flipH="1">
-            <a:off x="6526211" y="0"/>
-            <a:ext cx="5014912" cy="6862763"/>
-            <a:chOff x="2928938" y="-4763"/>
-            <a:chExt cx="5014912" cy="6862763"/>
-          </a:xfrm>
-        </p:grpSpPr>
-        <p:sp>
-          <p:nvSpPr>
-            <p:cNvPr id="11" name="Freeform 6">
-              <a:extLst>
-                <a:ext uri="{FF2B5EF4-FFF2-40B4-BE49-F238E27FC236}">
-                  <a16:creationId xmlns:a16="http://schemas.microsoft.com/office/drawing/2014/main" id="{E34CC1C8-EBDD-4AEA-83E6-B27575B62E2E}"/>
-                </a:ext>
-                <a:ext uri="{C183D7F6-B498-43B3-948B-1728B52AA6E4}">
-                  <adec:decorative xmlns:adec="http://schemas.microsoft.com/office/drawing/2017/decorative" val="1"/>
-                </a:ext>
-              </a:extLst>
-            </p:cNvPr>
-            <p:cNvSpPr/>
-            <p:nvPr>
-              <p:extLst>
-                <p:ext uri="{386F3935-93C4-4BCD-93E2-E3B085C9AB24}">
-                  <p16:designElem xmlns:p16="http://schemas.microsoft.com/office/powerpoint/2015/main" val="1"/>
-                </p:ext>
-              </p:extLst>
-            </p:nvPr>
-          </p:nvSpPr>
-          <p:spPr bwMode="auto">
-            <a:xfrm>
-              <a:off x="3367088" y="-4763"/>
-              <a:ext cx="1063625" cy="2782888"/>
-            </a:xfrm>
-            <a:custGeom>
-              <a:avLst/>
-              <a:gdLst/>
-              <a:ahLst/>
-              <a:cxnLst/>
-              <a:rect l="0" t="0" r="r" b="b"/>
-              <a:pathLst>
-                <a:path w="670" h="1753">
-                  <a:moveTo>
-                    <a:pt x="0" y="1696"/>
-                  </a:moveTo>
-                  <a:lnTo>
-                    <a:pt x="225" y="1753"/>
-                  </a:lnTo>
-                  <a:lnTo>
-                    <a:pt x="670" y="0"/>
-                  </a:lnTo>
-                  <a:lnTo>
-                    <a:pt x="430" y="0"/>
-                  </a:lnTo>
-                  <a:lnTo>
-                    <a:pt x="0" y="1696"/>
-                  </a:lnTo>
-                  <a:close/>
-                </a:path>
-              </a:pathLst>
-            </a:custGeom>
-            <a:solidFill>
-              <a:schemeClr val="accent1"/>
-            </a:solidFill>
-            <a:ln>
-              <a:noFill/>
-            </a:ln>
-          </p:spPr>
-        </p:sp>
-        <p:sp>
-          <p:nvSpPr>
-            <p:cNvPr id="12" name="Freeform 7">
-              <a:extLst>
-                <a:ext uri="{FF2B5EF4-FFF2-40B4-BE49-F238E27FC236}">
-                  <a16:creationId xmlns:a16="http://schemas.microsoft.com/office/drawing/2014/main" id="{D6B38644-B85D-4211-9526-5B4C2A662BF7}"/>
-                </a:ext>
-                <a:ext uri="{C183D7F6-B498-43B3-948B-1728B52AA6E4}">
-                  <adec:decorative xmlns:adec="http://schemas.microsoft.com/office/drawing/2017/decorative" val="1"/>
-                </a:ext>
-              </a:extLst>
-            </p:cNvPr>
-            <p:cNvSpPr/>
-            <p:nvPr>
-              <p:extLst>
-                <p:ext uri="{386F3935-93C4-4BCD-93E2-E3B085C9AB24}">
-                  <p16:designElem xmlns:p16="http://schemas.microsoft.com/office/powerpoint/2015/main" val="1"/>
-                </p:ext>
-              </p:extLst>
-            </p:nvPr>
-          </p:nvSpPr>
-          <p:spPr bwMode="auto">
-            <a:xfrm>
-              <a:off x="2928938" y="-4763"/>
-              <a:ext cx="1035050" cy="2673350"/>
-            </a:xfrm>
-            <a:custGeom>
-              <a:avLst/>
-              <a:gdLst/>
-              <a:ahLst/>
-              <a:cxnLst/>
-              <a:rect l="0" t="0" r="r" b="b"/>
-              <a:pathLst>
-                <a:path w="652" h="1684">
-                  <a:moveTo>
-                    <a:pt x="225" y="1684"/>
-                  </a:moveTo>
-                  <a:lnTo>
-                    <a:pt x="652" y="0"/>
-                  </a:lnTo>
-                  <a:lnTo>
-                    <a:pt x="411" y="0"/>
-                  </a:lnTo>
-                  <a:lnTo>
-                    <a:pt x="0" y="1627"/>
-                  </a:lnTo>
-                  <a:lnTo>
-                    <a:pt x="219" y="1681"/>
-                  </a:lnTo>
-                  <a:lnTo>
-                    <a:pt x="225" y="1684"/>
-                  </a:lnTo>
-                  <a:close/>
-                </a:path>
-              </a:pathLst>
-            </a:custGeom>
-            <a:solidFill>
-              <a:srgbClr val="595959"/>
-            </a:solidFill>
-            <a:ln>
-              <a:noFill/>
-            </a:ln>
-          </p:spPr>
-        </p:sp>
-        <p:sp>
-          <p:nvSpPr>
-            <p:cNvPr id="13" name="Freeform 12">
-              <a:extLst>
-                <a:ext uri="{FF2B5EF4-FFF2-40B4-BE49-F238E27FC236}">
-                  <a16:creationId xmlns:a16="http://schemas.microsoft.com/office/drawing/2014/main" id="{8A8B2820-6B8F-4C19-BFC5-D28EE44E54CB}"/>
-                </a:ext>
-                <a:ext uri="{C183D7F6-B498-43B3-948B-1728B52AA6E4}">
-                  <adec:decorative xmlns:adec="http://schemas.microsoft.com/office/drawing/2017/decorative" val="1"/>
-                </a:ext>
-              </a:extLst>
-            </p:cNvPr>
-            <p:cNvSpPr/>
-            <p:nvPr>
-              <p:extLst>
-                <p:ext uri="{386F3935-93C4-4BCD-93E2-E3B085C9AB24}">
-                  <p16:designElem xmlns:p16="http://schemas.microsoft.com/office/powerpoint/2015/main" val="1"/>
-                </p:ext>
-              </p:extLst>
-            </p:nvPr>
-          </p:nvSpPr>
-          <p:spPr bwMode="auto">
-            <a:xfrm>
-              <a:off x="2928938" y="2582862"/>
-              <a:ext cx="2693987" cy="4275138"/>
-            </a:xfrm>
-            <a:custGeom>
-              <a:avLst/>
-              <a:gdLst/>
-              <a:ahLst/>
-              <a:cxnLst/>
-              <a:rect l="0" t="0" r="r" b="b"/>
-              <a:pathLst>
-                <a:path w="1697" h="2693">
-                  <a:moveTo>
-                    <a:pt x="0" y="0"/>
-                  </a:moveTo>
-                  <a:lnTo>
-                    <a:pt x="1622" y="2693"/>
-                  </a:lnTo>
-                  <a:lnTo>
-                    <a:pt x="1697" y="2693"/>
-                  </a:lnTo>
-                  <a:lnTo>
-                    <a:pt x="0" y="0"/>
-                  </a:lnTo>
-                  <a:close/>
-                </a:path>
-              </a:pathLst>
-            </a:custGeom>
-            <a:solidFill>
-              <a:srgbClr val="262626"/>
-            </a:solidFill>
-            <a:ln>
-              <a:noFill/>
-            </a:ln>
-          </p:spPr>
-        </p:sp>
-        <p:sp>
-          <p:nvSpPr>
-            <p:cNvPr id="14" name="Freeform 13">
-              <a:extLst>
-                <a:ext uri="{FF2B5EF4-FFF2-40B4-BE49-F238E27FC236}">
-                  <a16:creationId xmlns:a16="http://schemas.microsoft.com/office/drawing/2014/main" id="{773528ED-4D37-4A77-A8CA-86B6221C5E82}"/>
-                </a:ext>
-                <a:ext uri="{C183D7F6-B498-43B3-948B-1728B52AA6E4}">
-                  <adec:decorative xmlns:adec="http://schemas.microsoft.com/office/drawing/2017/decorative" val="1"/>
-                </a:ext>
-              </a:extLst>
-            </p:cNvPr>
-            <p:cNvSpPr/>
-            <p:nvPr>
-              <p:extLst>
-                <p:ext uri="{386F3935-93C4-4BCD-93E2-E3B085C9AB24}">
-                  <p16:designElem xmlns:p16="http://schemas.microsoft.com/office/powerpoint/2015/main" val="1"/>
-                </p:ext>
-              </p:extLst>
-            </p:nvPr>
-          </p:nvSpPr>
-          <p:spPr bwMode="auto">
-            <a:xfrm>
-              <a:off x="3371850" y="2692400"/>
-              <a:ext cx="3332162" cy="4165600"/>
-            </a:xfrm>
-            <a:custGeom>
-              <a:avLst/>
-              <a:gdLst/>
-              <a:ahLst/>
-              <a:cxnLst/>
-              <a:rect l="0" t="0" r="r" b="b"/>
-              <a:pathLst>
-                <a:path w="2099" h="2624">
-                  <a:moveTo>
-                    <a:pt x="2099" y="2624"/>
-                  </a:moveTo>
-                  <a:lnTo>
-                    <a:pt x="0" y="0"/>
-                  </a:lnTo>
-                  <a:lnTo>
-                    <a:pt x="2021" y="2624"/>
-                  </a:lnTo>
-                  <a:lnTo>
-                    <a:pt x="2099" y="2624"/>
-                  </a:lnTo>
-                  <a:close/>
-                </a:path>
-              </a:pathLst>
-            </a:custGeom>
-            <a:solidFill>
-              <a:schemeClr val="accent1">
-                <a:lumMod val="50000"/>
-              </a:schemeClr>
-            </a:solidFill>
-            <a:ln>
-              <a:noFill/>
-            </a:ln>
-          </p:spPr>
-        </p:sp>
-        <p:sp>
-          <p:nvSpPr>
-            <p:cNvPr id="15" name="Freeform 14">
-              <a:extLst>
-                <a:ext uri="{FF2B5EF4-FFF2-40B4-BE49-F238E27FC236}">
-                  <a16:creationId xmlns:a16="http://schemas.microsoft.com/office/drawing/2014/main" id="{8A58A902-E944-4399-9A93-A91A6A82B166}"/>
-                </a:ext>
-                <a:ext uri="{C183D7F6-B498-43B3-948B-1728B52AA6E4}">
-                  <adec:decorative xmlns:adec="http://schemas.microsoft.com/office/drawing/2017/decorative" val="1"/>
-                </a:ext>
-              </a:extLst>
-            </p:cNvPr>
-            <p:cNvSpPr/>
-            <p:nvPr>
-              <p:extLst>
-                <p:ext uri="{386F3935-93C4-4BCD-93E2-E3B085C9AB24}">
-                  <p16:designElem xmlns:p16="http://schemas.microsoft.com/office/powerpoint/2015/main" val="1"/>
-                </p:ext>
-              </p:extLst>
-            </p:nvPr>
-          </p:nvSpPr>
-          <p:spPr bwMode="auto">
-            <a:xfrm>
-              <a:off x="3367088" y="2687637"/>
-              <a:ext cx="4576762" cy="4170363"/>
-            </a:xfrm>
-            <a:custGeom>
-              <a:avLst/>
-              <a:gdLst/>
-              <a:ahLst/>
-              <a:cxnLst/>
-              <a:rect l="0" t="0" r="r" b="b"/>
-              <a:pathLst>
-                <a:path w="2883" h="2627">
-                  <a:moveTo>
-                    <a:pt x="0" y="0"/>
-                  </a:moveTo>
-                  <a:lnTo>
-                    <a:pt x="3" y="3"/>
-                  </a:lnTo>
-                  <a:lnTo>
-                    <a:pt x="2102" y="2627"/>
-                  </a:lnTo>
-                  <a:lnTo>
-                    <a:pt x="2883" y="2627"/>
-                  </a:lnTo>
-                  <a:lnTo>
-                    <a:pt x="225" y="57"/>
-                  </a:lnTo>
-                  <a:lnTo>
-                    <a:pt x="0" y="0"/>
-                  </a:lnTo>
-                  <a:close/>
-                </a:path>
-              </a:pathLst>
-            </a:custGeom>
-            <a:solidFill>
-              <a:schemeClr val="accent1">
-                <a:lumMod val="75000"/>
-              </a:schemeClr>
-            </a:solidFill>
-            <a:ln>
-              <a:noFill/>
-            </a:ln>
-          </p:spPr>
-        </p:sp>
-        <p:sp>
-          <p:nvSpPr>
-            <p:cNvPr id="16" name="Freeform 15">
-              <a:extLst>
-                <a:ext uri="{FF2B5EF4-FFF2-40B4-BE49-F238E27FC236}">
-                  <a16:creationId xmlns:a16="http://schemas.microsoft.com/office/drawing/2014/main" id="{4EDB1155-2E8E-4FB8-AD42-101FE4383231}"/>
-                </a:ext>
-                <a:ext uri="{C183D7F6-B498-43B3-948B-1728B52AA6E4}">
-                  <adec:decorative xmlns:adec="http://schemas.microsoft.com/office/drawing/2017/decorative" val="1"/>
-                </a:ext>
-              </a:extLst>
-            </p:cNvPr>
-            <p:cNvSpPr/>
-            <p:nvPr>
-              <p:extLst>
-                <p:ext uri="{386F3935-93C4-4BCD-93E2-E3B085C9AB24}">
-                  <p16:designElem xmlns:p16="http://schemas.microsoft.com/office/powerpoint/2015/main" val="1"/>
-                </p:ext>
-              </p:extLst>
-            </p:nvPr>
-          </p:nvSpPr>
-          <p:spPr bwMode="auto">
-            <a:xfrm>
-              <a:off x="2928938" y="2578100"/>
-              <a:ext cx="3584575" cy="4279900"/>
-            </a:xfrm>
-            <a:custGeom>
-              <a:avLst/>
-              <a:gdLst/>
-              <a:ahLst/>
-              <a:cxnLst/>
-              <a:rect l="0" t="0" r="r" b="b"/>
-              <a:pathLst>
-                <a:path w="2258" h="2696">
-                  <a:moveTo>
-                    <a:pt x="2258" y="2696"/>
-                  </a:moveTo>
-                  <a:lnTo>
-                    <a:pt x="264" y="111"/>
-                  </a:lnTo>
-                  <a:lnTo>
-                    <a:pt x="228" y="60"/>
-                  </a:lnTo>
-                  <a:lnTo>
-                    <a:pt x="225" y="57"/>
-                  </a:lnTo>
-                  <a:lnTo>
-                    <a:pt x="0" y="0"/>
-                  </a:lnTo>
-                  <a:lnTo>
-                    <a:pt x="0" y="3"/>
-                  </a:lnTo>
-                  <a:lnTo>
-                    <a:pt x="1697" y="2696"/>
-                  </a:lnTo>
-                  <a:lnTo>
-                    <a:pt x="2258" y="2696"/>
-                  </a:lnTo>
-                  <a:close/>
-                </a:path>
-              </a:pathLst>
-            </a:custGeom>
-            <a:solidFill>
-              <a:srgbClr val="404040"/>
-            </a:solidFill>
-            <a:ln>
-              <a:noFill/>
-            </a:ln>
-          </p:spPr>
-        </p:sp>
-      </p:grpSp>
       <p:sp>
         <p:nvSpPr>
           <p:cNvPr id="2" name="Title 1">
@@ -14181,8 +12991,8 @@
         </p:nvSpPr>
         <p:spPr>
           <a:xfrm>
-            <a:off x="1018191" y="352425"/>
-            <a:ext cx="7411825" cy="1752599"/>
+            <a:off x="1341436" y="149306"/>
+            <a:ext cx="3333495" cy="1504335"/>
           </a:xfrm>
         </p:spPr>
         <p:txBody>
@@ -14191,9 +13001,8 @@
           </a:bodyPr>
           <a:lstStyle/>
           <a:p>
-            <a:pPr algn="l"/>
             <a:r>
-              <a:rPr lang="en-US" dirty="0"/>
+              <a:rPr lang="en-US" sz="2400" dirty="0"/>
               <a:t>Methods</a:t>
             </a:r>
           </a:p>
@@ -14217,8 +13026,8 @@
         </p:nvSpPr>
         <p:spPr>
           <a:xfrm>
-            <a:off x="1018190" y="1752600"/>
-            <a:ext cx="7243603" cy="3357367"/>
+            <a:off x="1140884" y="1981512"/>
+            <a:ext cx="4955116" cy="5193907"/>
           </a:xfrm>
         </p:spPr>
         <p:txBody>
@@ -14227,6 +13036,11 @@
           </a:bodyPr>
           <a:lstStyle/>
           <a:p>
+            <a:pPr>
+              <a:lnSpc>
+                <a:spcPct val="90000"/>
+              </a:lnSpc>
+            </a:pPr>
             <a:r>
               <a:rPr lang="en-US" sz="1800" u="sng" dirty="0"/>
               <a:t>Fit</a:t>
@@ -14245,34 +13059,50 @@
             </a:r>
           </a:p>
           <a:p>
-            <a:pPr lvl="1"/>
+            <a:pPr lvl="1">
+              <a:lnSpc>
+                <a:spcPct val="90000"/>
+              </a:lnSpc>
+            </a:pPr>
             <a:r>
-              <a:rPr lang="en-US" sz="1400" dirty="0"/>
+              <a:rPr lang="en-US" sz="1800" dirty="0"/>
               <a:t>75% of soccer matches</a:t>
             </a:r>
           </a:p>
           <a:p>
-            <a:pPr lvl="1"/>
+            <a:pPr lvl="1">
+              <a:lnSpc>
+                <a:spcPct val="90000"/>
+              </a:lnSpc>
+            </a:pPr>
             <a:r>
-              <a:rPr lang="en-US" sz="1400" dirty="0"/>
+              <a:rPr lang="en-US" sz="1800" dirty="0"/>
               <a:t>Algorithm </a:t>
             </a:r>
             <a:r>
-              <a:rPr lang="en-US" sz="1400" u="sng" dirty="0"/>
+              <a:rPr lang="en-US" sz="1800" u="sng" dirty="0"/>
               <a:t>‘learns</a:t>
             </a:r>
             <a:r>
-              <a:rPr lang="en-US" sz="1400" dirty="0"/>
+              <a:rPr lang="en-US" sz="1800" dirty="0"/>
               <a:t>’ from data</a:t>
             </a:r>
           </a:p>
           <a:p>
             <a:pPr marL="457200" lvl="1" indent="0">
+              <a:lnSpc>
+                <a:spcPct val="90000"/>
+              </a:lnSpc>
               <a:buNone/>
             </a:pPr>
-            <a:endParaRPr lang="en-US" sz="1400" dirty="0"/>
-          </a:p>
-          <a:p>
+            <a:endParaRPr lang="en-US" sz="1800" dirty="0"/>
+          </a:p>
+          <a:p>
+            <a:pPr>
+              <a:lnSpc>
+                <a:spcPct val="90000"/>
+              </a:lnSpc>
+            </a:pPr>
             <a:r>
               <a:rPr lang="en-US" sz="1800" dirty="0"/>
               <a:t>Use same algorithms to </a:t>
@@ -14295,30 +13125,46 @@
             </a:r>
           </a:p>
           <a:p>
-            <a:pPr lvl="1"/>
+            <a:pPr lvl="1">
+              <a:lnSpc>
+                <a:spcPct val="90000"/>
+              </a:lnSpc>
+            </a:pPr>
             <a:r>
-              <a:rPr lang="en-US" sz="1400" dirty="0"/>
+              <a:rPr lang="en-US" sz="1800" dirty="0"/>
               <a:t>25% of soccer matches</a:t>
             </a:r>
           </a:p>
           <a:p>
-            <a:pPr lvl="1"/>
+            <a:pPr lvl="1">
+              <a:lnSpc>
+                <a:spcPct val="90000"/>
+              </a:lnSpc>
+            </a:pPr>
             <a:r>
-              <a:rPr lang="en-US" sz="1400" u="sng" dirty="0"/>
+              <a:rPr lang="en-US" sz="1800" u="sng" dirty="0"/>
               <a:t>Evaluate</a:t>
             </a:r>
             <a:r>
-              <a:rPr lang="en-US" sz="1400" dirty="0"/>
+              <a:rPr lang="en-US" sz="1800" dirty="0"/>
               <a:t> algorithm performance</a:t>
             </a:r>
           </a:p>
           <a:p>
             <a:pPr marL="457200" lvl="1" indent="0">
+              <a:lnSpc>
+                <a:spcPct val="90000"/>
+              </a:lnSpc>
               <a:buNone/>
             </a:pPr>
-            <a:endParaRPr lang="en-US" sz="1400" dirty="0"/>
-          </a:p>
-          <a:p>
+            <a:endParaRPr lang="en-US" sz="1800" dirty="0"/>
+          </a:p>
+          <a:p>
+            <a:pPr>
+              <a:lnSpc>
+                <a:spcPct val="90000"/>
+              </a:lnSpc>
+            </a:pPr>
             <a:r>
               <a:rPr lang="en-US" sz="1800" dirty="0"/>
               <a:t>Evaluation Metric:</a:t>
@@ -14328,10 +13174,10 @@
       </p:sp>
       <p:pic>
         <p:nvPicPr>
-          <p:cNvPr id="7170" name="Picture 2" descr="Image result for classification accuracy equation">
+          <p:cNvPr id="1026" name="Picture 2">
             <a:extLst>
               <a:ext uri="{FF2B5EF4-FFF2-40B4-BE49-F238E27FC236}">
-                <a16:creationId xmlns:a16="http://schemas.microsoft.com/office/drawing/2014/main" id="{DB3D2DD6-34D9-41A2-9FAC-DDA14F94CF87}"/>
+                <a16:creationId xmlns:a16="http://schemas.microsoft.com/office/drawing/2014/main" id="{3B627CCF-7E79-426C-A993-5DD30C26D9ED}"/>
               </a:ext>
             </a:extLst>
           </p:cNvPr>
@@ -14340,49 +13186,52 @@
           </p:cNvPicPr>
           <p:nvPr/>
         </p:nvPicPr>
-        <p:blipFill rotWithShape="1">
-          <a:blip r:embed="rId2">
+        <p:blipFill>
+          <a:blip r:embed="rId3">
             <a:extLst>
               <a:ext uri="{28A0092B-C50C-407E-A947-70E740481C1C}">
                 <a14:useLocalDpi xmlns:a14="http://schemas.microsoft.com/office/drawing/2010/main" val="0"/>
               </a:ext>
             </a:extLst>
           </a:blip>
-          <a:srcRect l="16754" t="23565" r="16249" b="58889"/>
-          <a:stretch/>
+          <a:stretch>
+            <a:fillRect/>
+          </a:stretch>
         </p:blipFill>
         <p:spPr bwMode="auto">
           <a:xfrm>
-            <a:off x="1867342" y="5737771"/>
-            <a:ext cx="3519192" cy="691257"/>
+            <a:off x="5614458" y="703759"/>
+            <a:ext cx="6240990" cy="4415500"/>
           </a:xfrm>
           <a:prstGeom prst="roundRect">
             <a:avLst>
-              <a:gd name="adj" fmla="val 16667"/>
+              <a:gd name="adj" fmla="val 4380"/>
             </a:avLst>
           </a:prstGeom>
-          <a:ln>
-            <a:noFill/>
+          <a:noFill/>
+          <a:ln w="38100">
+            <a:gradFill flip="none" rotWithShape="1">
+              <a:gsLst>
+                <a:gs pos="0">
+                  <a:schemeClr val="bg2"/>
+                </a:gs>
+                <a:gs pos="100000">
+                  <a:schemeClr val="bg2">
+                    <a:lumMod val="75000"/>
+                  </a:schemeClr>
+                </a:gs>
+              </a:gsLst>
+              <a:lin ang="5400000" scaled="0"/>
+              <a:tileRect/>
+            </a:gradFill>
           </a:ln>
           <a:effectLst>
-            <a:outerShdw blurRad="76200" dist="38100" dir="7800000" algn="tl" rotWithShape="0">
+            <a:innerShdw blurRad="57150" dist="38100" dir="14460000">
               <a:srgbClr val="000000">
-                <a:alpha val="40000"/>
+                <a:alpha val="70000"/>
               </a:srgbClr>
-            </a:outerShdw>
+            </a:innerShdw>
           </a:effectLst>
-          <a:scene3d>
-            <a:camera prst="orthographicFront"/>
-            <a:lightRig rig="contrasting" dir="t">
-              <a:rot lat="0" lon="0" rev="4200000"/>
-            </a:lightRig>
-          </a:scene3d>
-          <a:sp3d prstMaterial="plastic">
-            <a:bevelT w="381000" h="114300" prst="relaxedInset"/>
-            <a:contourClr>
-              <a:srgbClr val="969696"/>
-            </a:contourClr>
-          </a:sp3d>
           <a:extLst>
             <a:ext uri="{909E8E84-426E-40DD-AFC4-6F175D3DCCD1}">
               <a14:hiddenFill xmlns:a14="http://schemas.microsoft.com/office/drawing/2010/main">
@@ -14408,8 +13257,8 @@
         </p:nvSpPr>
         <p:spPr>
           <a:xfrm>
-            <a:off x="3564635" y="4287070"/>
-            <a:ext cx="3817239" cy="646331"/>
+            <a:off x="3349878" y="5119259"/>
+            <a:ext cx="3817239" cy="723275"/>
           </a:xfrm>
           <a:prstGeom prst="rect">
             <a:avLst/>
@@ -14422,10 +13271,19 @@
           </a:bodyPr>
           <a:lstStyle/>
           <a:p>
-            <a:pPr algn="ctr"/>
+            <a:pPr algn="ctr">
+              <a:spcAft>
+                <a:spcPts val="600"/>
+              </a:spcAft>
+            </a:pPr>
             <a:endParaRPr lang="en-US" b="1" dirty="0"/>
           </a:p>
           <a:p>
+            <a:pPr>
+              <a:spcAft>
+                <a:spcPts val="600"/>
+              </a:spcAft>
+            </a:pPr>
             <a:r>
               <a:rPr lang="en-US" b="1" dirty="0"/>
               <a:t>Accuracy  </a:t>
@@ -14447,10 +13305,62 @@
       </p:sp>
       <p:sp>
         <p:nvSpPr>
-          <p:cNvPr id="5" name="TextBox 4">
+          <p:cNvPr id="6" name="Rectangle 5">
             <a:extLst>
               <a:ext uri="{FF2B5EF4-FFF2-40B4-BE49-F238E27FC236}">
-                <a16:creationId xmlns:a16="http://schemas.microsoft.com/office/drawing/2014/main" id="{DD1160F2-5006-450D-A168-18D4273767A6}"/>
+                <a16:creationId xmlns:a16="http://schemas.microsoft.com/office/drawing/2014/main" id="{0C3569EC-8E81-48F3-9AB4-6DDAD73B4068}"/>
+              </a:ext>
+            </a:extLst>
+          </p:cNvPr>
+          <p:cNvSpPr/>
+          <p:nvPr/>
+        </p:nvSpPr>
+        <p:spPr>
+          <a:xfrm>
+            <a:off x="7991475" y="2381250"/>
+            <a:ext cx="2771775" cy="2857500"/>
+          </a:xfrm>
+          <a:prstGeom prst="rect">
+            <a:avLst/>
+          </a:prstGeom>
+          <a:noFill/>
+          <a:ln w="38100">
+            <a:solidFill>
+              <a:srgbClr val="FF0000"/>
+            </a:solidFill>
+          </a:ln>
+        </p:spPr>
+        <p:style>
+          <a:lnRef idx="2">
+            <a:schemeClr val="accent1">
+              <a:shade val="50000"/>
+            </a:schemeClr>
+          </a:lnRef>
+          <a:fillRef idx="1">
+            <a:schemeClr val="accent1"/>
+          </a:fillRef>
+          <a:effectRef idx="0">
+            <a:schemeClr val="accent1"/>
+          </a:effectRef>
+          <a:fontRef idx="minor">
+            <a:schemeClr val="lt1"/>
+          </a:fontRef>
+        </p:style>
+        <p:txBody>
+          <a:bodyPr rtlCol="0" anchor="ctr"/>
+          <a:lstStyle/>
+          <a:p>
+            <a:pPr algn="ctr"/>
+            <a:endParaRPr lang="en-US"/>
+          </a:p>
+        </p:txBody>
+      </p:sp>
+      <p:sp>
+        <p:nvSpPr>
+          <p:cNvPr id="9" name="TextBox 8">
+            <a:extLst>
+              <a:ext uri="{FF2B5EF4-FFF2-40B4-BE49-F238E27FC236}">
+                <a16:creationId xmlns:a16="http://schemas.microsoft.com/office/drawing/2014/main" id="{F2C03B3A-44AF-4BA6-AF5A-82B664CE8463}"/>
               </a:ext>
             </a:extLst>
           </p:cNvPr>
@@ -14459,8 +13369,8 @@
         </p:nvSpPr>
         <p:spPr>
           <a:xfrm>
-            <a:off x="1552575" y="5305425"/>
-            <a:ext cx="4133850" cy="369332"/>
+            <a:off x="8581237" y="1796846"/>
+            <a:ext cx="1592250" cy="369332"/>
           </a:xfrm>
           <a:prstGeom prst="rect">
             <a:avLst/>
@@ -14473,56 +13383,17 @@
           </a:bodyPr>
           <a:lstStyle/>
           <a:p>
-            <a:pPr algn="ctr"/>
             <a:r>
-              <a:rPr lang="en-US" dirty="0"/>
-              <a:t>For a binary classification problem:</a:t>
+              <a:rPr lang="en-US" b="1" dirty="0">
+                <a:solidFill>
+                  <a:srgbClr val="FF0000"/>
+                </a:solidFill>
+              </a:rPr>
+              <a:t>56 % Accuracy</a:t>
             </a:r>
           </a:p>
         </p:txBody>
       </p:sp>
-      <p:cxnSp>
-        <p:nvCxnSpPr>
-          <p:cNvPr id="7" name="Straight Arrow Connector 6">
-            <a:extLst>
-              <a:ext uri="{FF2B5EF4-FFF2-40B4-BE49-F238E27FC236}">
-                <a16:creationId xmlns:a16="http://schemas.microsoft.com/office/drawing/2014/main" id="{027E1B97-F137-4B7E-80DA-035F9A5231FF}"/>
-              </a:ext>
-            </a:extLst>
-          </p:cNvPr>
-          <p:cNvCxnSpPr/>
-          <p:nvPr/>
-        </p:nvCxnSpPr>
-        <p:spPr>
-          <a:xfrm>
-            <a:off x="4000500" y="4971854"/>
-            <a:ext cx="0" cy="276225"/>
-          </a:xfrm>
-          <a:prstGeom prst="straightConnector1">
-            <a:avLst/>
-          </a:prstGeom>
-          <a:ln w="12700">
-            <a:solidFill>
-              <a:schemeClr val="tx1"/>
-            </a:solidFill>
-            <a:tailEnd type="triangle"/>
-          </a:ln>
-        </p:spPr>
-        <p:style>
-          <a:lnRef idx="1">
-            <a:schemeClr val="accent1"/>
-          </a:lnRef>
-          <a:fillRef idx="0">
-            <a:schemeClr val="accent1"/>
-          </a:fillRef>
-          <a:effectRef idx="0">
-            <a:schemeClr val="accent1"/>
-          </a:effectRef>
-          <a:fontRef idx="minor">
-            <a:schemeClr val="tx1"/>
-          </a:fontRef>
-        </p:style>
-      </p:cxnSp>
     </p:spTree>
     <p:extLst>
       <p:ext uri="{BB962C8B-B14F-4D97-AF65-F5344CB8AC3E}">
@@ -14531,7 +13402,7 @@
     </p:extLst>
   </p:cSld>
   <p:clrMapOvr>
-    <a:overrideClrMapping bg1="dk1" tx1="lt1" bg2="dk2" tx2="lt2" accent1="accent1" accent2="accent2" accent3="accent3" accent4="accent4" accent5="accent5" accent6="accent6" hlink="hlink" folHlink="folHlink"/>
+    <a:masterClrMapping/>
   </p:clrMapOvr>
 </p:sld>
 </file>
@@ -15566,10 +14437,10 @@
       </p:sp>
       <p:pic>
         <p:nvPicPr>
-          <p:cNvPr id="9218" name="Picture 2">
+          <p:cNvPr id="3074" name="Picture 2">
             <a:extLst>
               <a:ext uri="{FF2B5EF4-FFF2-40B4-BE49-F238E27FC236}">
-                <a16:creationId xmlns:a16="http://schemas.microsoft.com/office/drawing/2014/main" id="{364A002E-F870-4E75-9876-0725FF34BDAD}"/>
+                <a16:creationId xmlns:a16="http://schemas.microsoft.com/office/drawing/2014/main" id="{96FBD09C-4599-4BB1-AE3A-E124E4E9A202}"/>
               </a:ext>
             </a:extLst>
           </p:cNvPr>
@@ -15586,1101 +14457,15 @@
               </a:ext>
             </a:extLst>
           </a:blip>
+          <a:srcRect/>
           <a:stretch>
             <a:fillRect/>
           </a:stretch>
         </p:blipFill>
         <p:spPr bwMode="auto">
           <a:xfrm>
-            <a:off x="2410883" y="544735"/>
-            <a:ext cx="8153399" cy="5768530"/>
-          </a:xfrm>
-          <a:prstGeom prst="rect">
-            <a:avLst/>
-          </a:prstGeom>
-          <a:noFill/>
-          <a:extLst>
-            <a:ext uri="{909E8E84-426E-40DD-AFC4-6F175D3DCCD1}">
-              <a14:hiddenFill xmlns:a14="http://schemas.microsoft.com/office/drawing/2010/main">
-                <a:solidFill>
-                  <a:srgbClr val="FFFFFF"/>
-                </a:solidFill>
-              </a14:hiddenFill>
-            </a:ext>
-          </a:extLst>
-        </p:spPr>
-      </p:pic>
-    </p:spTree>
-    <p:extLst>
-      <p:ext uri="{BB962C8B-B14F-4D97-AF65-F5344CB8AC3E}">
-        <p14:creationId xmlns:p14="http://schemas.microsoft.com/office/powerpoint/2010/main" val="59293575"/>
-      </p:ext>
-    </p:extLst>
-  </p:cSld>
-  <p:clrMapOvr>
-    <a:masterClrMapping/>
-  </p:clrMapOvr>
-</p:sld>
-</file>
-
-<file path=ppt/slides/slide7.xml><?xml version="1.0" encoding="utf-8"?>
-<p:sld xmlns:a="http://schemas.openxmlformats.org/drawingml/2006/main" xmlns:r="http://schemas.openxmlformats.org/officeDocument/2006/relationships" xmlns:p="http://schemas.openxmlformats.org/presentationml/2006/main">
-  <p:cSld>
-    <p:bg>
-      <p:bgPr>
-        <a:blipFill rotWithShape="1">
-          <a:blip r:embed="rId2">
-            <a:duotone>
-              <a:schemeClr val="bg2">
-                <a:shade val="76000"/>
-                <a:satMod val="180000"/>
-              </a:schemeClr>
-              <a:schemeClr val="bg2">
-                <a:tint val="80000"/>
-                <a:satMod val="120000"/>
-                <a:lumMod val="180000"/>
-              </a:schemeClr>
-            </a:duotone>
-          </a:blip>
-          <a:stretch/>
-        </a:blipFill>
-        <a:effectLst/>
-      </p:bgPr>
-    </p:bg>
-    <p:spTree>
-      <p:nvGrpSpPr>
-        <p:cNvPr id="1" name=""/>
-        <p:cNvGrpSpPr/>
-        <p:nvPr/>
-      </p:nvGrpSpPr>
-      <p:grpSpPr>
-        <a:xfrm>
-          <a:off x="0" y="0"/>
-          <a:ext cx="0" cy="0"/>
-          <a:chOff x="0" y="0"/>
-          <a:chExt cx="0" cy="0"/>
-        </a:xfrm>
-      </p:grpSpPr>
-      <p:grpSp>
-        <p:nvGrpSpPr>
-          <p:cNvPr id="71" name="Group 70">
-            <a:extLst>
-              <a:ext uri="{FF2B5EF4-FFF2-40B4-BE49-F238E27FC236}">
-                <a16:creationId xmlns:a16="http://schemas.microsoft.com/office/drawing/2014/main" id="{089D35B1-0ED5-4358-8CAE-A9E49412AAA1}"/>
-              </a:ext>
-              <a:ext uri="{C183D7F6-B498-43B3-948B-1728B52AA6E4}">
-                <adec:decorative xmlns:adec="http://schemas.microsoft.com/office/drawing/2017/decorative" val="1"/>
-              </a:ext>
-            </a:extLst>
-          </p:cNvPr>
-          <p:cNvGrpSpPr>
-            <a:grpSpLocks noGrp="1" noUngrp="1" noRot="1" noChangeAspect="1" noMove="1" noResize="1"/>
-          </p:cNvGrpSpPr>
-          <p:nvPr>
-            <p:extLst>
-              <p:ext uri="{386F3935-93C4-4BCD-93E2-E3B085C9AB24}">
-                <p16:designElem xmlns:p16="http://schemas.microsoft.com/office/powerpoint/2015/main" val="1"/>
-              </p:ext>
-            </p:extLst>
-          </p:nvPr>
-        </p:nvGrpSpPr>
-        <p:grpSpPr>
-          <a:xfrm>
-            <a:off x="150812" y="0"/>
-            <a:ext cx="2436813" cy="6858001"/>
-            <a:chOff x="1320800" y="0"/>
-            <a:chExt cx="2436813" cy="6858001"/>
-          </a:xfrm>
-        </p:grpSpPr>
-        <p:sp>
-          <p:nvSpPr>
-            <p:cNvPr id="72" name="Freeform 6">
-              <a:extLst>
-                <a:ext uri="{FF2B5EF4-FFF2-40B4-BE49-F238E27FC236}">
-                  <a16:creationId xmlns:a16="http://schemas.microsoft.com/office/drawing/2014/main" id="{DDEF6545-5A42-469E-8778-86CA01CD461E}"/>
-                </a:ext>
-                <a:ext uri="{C183D7F6-B498-43B3-948B-1728B52AA6E4}">
-                  <adec:decorative xmlns:adec="http://schemas.microsoft.com/office/drawing/2017/decorative" val="1"/>
-                </a:ext>
-              </a:extLst>
-            </p:cNvPr>
-            <p:cNvSpPr/>
-            <p:nvPr>
-              <p:extLst>
-                <p:ext uri="{386F3935-93C4-4BCD-93E2-E3B085C9AB24}">
-                  <p16:designElem xmlns:p16="http://schemas.microsoft.com/office/powerpoint/2015/main" val="1"/>
-                </p:ext>
-              </p:extLst>
-            </p:nvPr>
-          </p:nvSpPr>
-          <p:spPr bwMode="auto">
-            <a:xfrm>
-              <a:off x="1627188" y="0"/>
-              <a:ext cx="1122363" cy="5329238"/>
-            </a:xfrm>
-            <a:custGeom>
-              <a:avLst/>
-              <a:gdLst/>
-              <a:ahLst/>
-              <a:cxnLst/>
-              <a:rect l="0" t="0" r="r" b="b"/>
-              <a:pathLst>
-                <a:path w="707" h="3357">
-                  <a:moveTo>
-                    <a:pt x="0" y="3330"/>
-                  </a:moveTo>
-                  <a:lnTo>
-                    <a:pt x="156" y="3357"/>
-                  </a:lnTo>
-                  <a:lnTo>
-                    <a:pt x="707" y="0"/>
-                  </a:lnTo>
-                  <a:lnTo>
-                    <a:pt x="547" y="0"/>
-                  </a:lnTo>
-                  <a:lnTo>
-                    <a:pt x="0" y="3330"/>
-                  </a:lnTo>
-                  <a:close/>
-                </a:path>
-              </a:pathLst>
-            </a:custGeom>
-            <a:solidFill>
-              <a:schemeClr val="accent1"/>
-            </a:solidFill>
-            <a:ln>
-              <a:noFill/>
-            </a:ln>
-          </p:spPr>
-        </p:sp>
-        <p:sp>
-          <p:nvSpPr>
-            <p:cNvPr id="73" name="Freeform 7">
-              <a:extLst>
-                <a:ext uri="{FF2B5EF4-FFF2-40B4-BE49-F238E27FC236}">
-                  <a16:creationId xmlns:a16="http://schemas.microsoft.com/office/drawing/2014/main" id="{3B08853F-842C-4D0A-9A89-D05CB3990377}"/>
-                </a:ext>
-                <a:ext uri="{C183D7F6-B498-43B3-948B-1728B52AA6E4}">
-                  <adec:decorative xmlns:adec="http://schemas.microsoft.com/office/drawing/2017/decorative" val="1"/>
-                </a:ext>
-              </a:extLst>
-            </p:cNvPr>
-            <p:cNvSpPr/>
-            <p:nvPr>
-              <p:extLst>
-                <p:ext uri="{386F3935-93C4-4BCD-93E2-E3B085C9AB24}">
-                  <p16:designElem xmlns:p16="http://schemas.microsoft.com/office/powerpoint/2015/main" val="1"/>
-                </p:ext>
-              </p:extLst>
-            </p:nvPr>
-          </p:nvSpPr>
-          <p:spPr bwMode="auto">
-            <a:xfrm>
-              <a:off x="1320800" y="0"/>
-              <a:ext cx="1117600" cy="5276850"/>
-            </a:xfrm>
-            <a:custGeom>
-              <a:avLst/>
-              <a:gdLst/>
-              <a:ahLst/>
-              <a:cxnLst/>
-              <a:rect l="0" t="0" r="r" b="b"/>
-              <a:pathLst>
-                <a:path w="704" h="3324">
-                  <a:moveTo>
-                    <a:pt x="704" y="0"/>
-                  </a:moveTo>
-                  <a:lnTo>
-                    <a:pt x="545" y="0"/>
-                  </a:lnTo>
-                  <a:lnTo>
-                    <a:pt x="0" y="3300"/>
-                  </a:lnTo>
-                  <a:lnTo>
-                    <a:pt x="157" y="3324"/>
-                  </a:lnTo>
-                  <a:lnTo>
-                    <a:pt x="704" y="0"/>
-                  </a:lnTo>
-                  <a:close/>
-                </a:path>
-              </a:pathLst>
-            </a:custGeom>
-            <a:solidFill>
-              <a:schemeClr val="tx1">
-                <a:lumMod val="65000"/>
-                <a:lumOff val="35000"/>
-              </a:schemeClr>
-            </a:solidFill>
-            <a:ln>
-              <a:noFill/>
-            </a:ln>
-          </p:spPr>
-        </p:sp>
-        <p:sp>
-          <p:nvSpPr>
-            <p:cNvPr id="74" name="Freeform 8">
-              <a:extLst>
-                <a:ext uri="{FF2B5EF4-FFF2-40B4-BE49-F238E27FC236}">
-                  <a16:creationId xmlns:a16="http://schemas.microsoft.com/office/drawing/2014/main" id="{A436FB18-2D01-4AAB-AD10-2D1208310FE4}"/>
-                </a:ext>
-                <a:ext uri="{C183D7F6-B498-43B3-948B-1728B52AA6E4}">
-                  <adec:decorative xmlns:adec="http://schemas.microsoft.com/office/drawing/2017/decorative" val="1"/>
-                </a:ext>
-              </a:extLst>
-            </p:cNvPr>
-            <p:cNvSpPr/>
-            <p:nvPr>
-              <p:extLst>
-                <p:ext uri="{386F3935-93C4-4BCD-93E2-E3B085C9AB24}">
-                  <p16:designElem xmlns:p16="http://schemas.microsoft.com/office/powerpoint/2015/main" val="1"/>
-                </p:ext>
-              </p:extLst>
-            </p:nvPr>
-          </p:nvSpPr>
-          <p:spPr bwMode="auto">
-            <a:xfrm>
-              <a:off x="1320800" y="5238750"/>
-              <a:ext cx="1228725" cy="1619250"/>
-            </a:xfrm>
-            <a:custGeom>
-              <a:avLst/>
-              <a:gdLst/>
-              <a:ahLst/>
-              <a:cxnLst/>
-              <a:rect l="0" t="0" r="r" b="b"/>
-              <a:pathLst>
-                <a:path w="774" h="1020">
-                  <a:moveTo>
-                    <a:pt x="0" y="0"/>
-                  </a:moveTo>
-                  <a:lnTo>
-                    <a:pt x="740" y="1020"/>
-                  </a:lnTo>
-                  <a:lnTo>
-                    <a:pt x="774" y="1020"/>
-                  </a:lnTo>
-                  <a:lnTo>
-                    <a:pt x="0" y="0"/>
-                  </a:lnTo>
-                  <a:close/>
-                </a:path>
-              </a:pathLst>
-            </a:custGeom>
-            <a:solidFill>
-              <a:schemeClr val="tx1">
-                <a:lumMod val="85000"/>
-                <a:lumOff val="15000"/>
-              </a:schemeClr>
-            </a:solidFill>
-            <a:ln>
-              <a:noFill/>
-            </a:ln>
-          </p:spPr>
-        </p:sp>
-        <p:sp>
-          <p:nvSpPr>
-            <p:cNvPr id="75" name="Freeform 9">
-              <a:extLst>
-                <a:ext uri="{FF2B5EF4-FFF2-40B4-BE49-F238E27FC236}">
-                  <a16:creationId xmlns:a16="http://schemas.microsoft.com/office/drawing/2014/main" id="{9EFB8341-7A7B-46E4-AF94-689147AD0567}"/>
-                </a:ext>
-                <a:ext uri="{C183D7F6-B498-43B3-948B-1728B52AA6E4}">
-                  <adec:decorative xmlns:adec="http://schemas.microsoft.com/office/drawing/2017/decorative" val="1"/>
-                </a:ext>
-              </a:extLst>
-            </p:cNvPr>
-            <p:cNvSpPr/>
-            <p:nvPr>
-              <p:extLst>
-                <p:ext uri="{386F3935-93C4-4BCD-93E2-E3B085C9AB24}">
-                  <p16:designElem xmlns:p16="http://schemas.microsoft.com/office/powerpoint/2015/main" val="1"/>
-                </p:ext>
-              </p:extLst>
-            </p:nvPr>
-          </p:nvSpPr>
-          <p:spPr bwMode="auto">
-            <a:xfrm>
-              <a:off x="1627188" y="5291138"/>
-              <a:ext cx="1495425" cy="1566863"/>
-            </a:xfrm>
-            <a:custGeom>
-              <a:avLst/>
-              <a:gdLst/>
-              <a:ahLst/>
-              <a:cxnLst/>
-              <a:rect l="0" t="0" r="r" b="b"/>
-              <a:pathLst>
-                <a:path w="942" h="987">
-                  <a:moveTo>
-                    <a:pt x="0" y="0"/>
-                  </a:moveTo>
-                  <a:lnTo>
-                    <a:pt x="909" y="987"/>
-                  </a:lnTo>
-                  <a:lnTo>
-                    <a:pt x="942" y="987"/>
-                  </a:lnTo>
-                  <a:lnTo>
-                    <a:pt x="0" y="0"/>
-                  </a:lnTo>
-                  <a:close/>
-                </a:path>
-              </a:pathLst>
-            </a:custGeom>
-            <a:solidFill>
-              <a:schemeClr val="accent1">
-                <a:lumMod val="50000"/>
-              </a:schemeClr>
-            </a:solidFill>
-            <a:ln>
-              <a:noFill/>
-            </a:ln>
-          </p:spPr>
-        </p:sp>
-        <p:sp>
-          <p:nvSpPr>
-            <p:cNvPr id="76" name="Freeform 10">
-              <a:extLst>
-                <a:ext uri="{FF2B5EF4-FFF2-40B4-BE49-F238E27FC236}">
-                  <a16:creationId xmlns:a16="http://schemas.microsoft.com/office/drawing/2014/main" id="{C4D84136-7804-4605-AC9F-238A3665EED7}"/>
-                </a:ext>
-                <a:ext uri="{C183D7F6-B498-43B3-948B-1728B52AA6E4}">
-                  <adec:decorative xmlns:adec="http://schemas.microsoft.com/office/drawing/2017/decorative" val="1"/>
-                </a:ext>
-              </a:extLst>
-            </p:cNvPr>
-            <p:cNvSpPr/>
-            <p:nvPr>
-              <p:extLst>
-                <p:ext uri="{386F3935-93C4-4BCD-93E2-E3B085C9AB24}">
-                  <p16:designElem xmlns:p16="http://schemas.microsoft.com/office/powerpoint/2015/main" val="1"/>
-                </p:ext>
-              </p:extLst>
-            </p:nvPr>
-          </p:nvSpPr>
-          <p:spPr bwMode="auto">
-            <a:xfrm>
-              <a:off x="1627188" y="5286375"/>
-              <a:ext cx="2130425" cy="1571625"/>
-            </a:xfrm>
-            <a:custGeom>
-              <a:avLst/>
-              <a:gdLst/>
-              <a:ahLst/>
-              <a:cxnLst/>
-              <a:rect l="0" t="0" r="r" b="b"/>
-              <a:pathLst>
-                <a:path w="1342" h="990">
-                  <a:moveTo>
-                    <a:pt x="0" y="3"/>
-                  </a:moveTo>
-                  <a:lnTo>
-                    <a:pt x="942" y="990"/>
-                  </a:lnTo>
-                  <a:lnTo>
-                    <a:pt x="1342" y="990"/>
-                  </a:lnTo>
-                  <a:lnTo>
-                    <a:pt x="156" y="27"/>
-                  </a:lnTo>
-                  <a:lnTo>
-                    <a:pt x="0" y="0"/>
-                  </a:lnTo>
-                  <a:lnTo>
-                    <a:pt x="0" y="3"/>
-                  </a:lnTo>
-                  <a:close/>
-                </a:path>
-              </a:pathLst>
-            </a:custGeom>
-            <a:solidFill>
-              <a:schemeClr val="accent1">
-                <a:lumMod val="75000"/>
-              </a:schemeClr>
-            </a:solidFill>
-            <a:ln>
-              <a:noFill/>
-            </a:ln>
-          </p:spPr>
-        </p:sp>
-        <p:sp>
-          <p:nvSpPr>
-            <p:cNvPr id="77" name="Freeform 11">
-              <a:extLst>
-                <a:ext uri="{FF2B5EF4-FFF2-40B4-BE49-F238E27FC236}">
-                  <a16:creationId xmlns:a16="http://schemas.microsoft.com/office/drawing/2014/main" id="{4EC6F81C-51C2-4A6F-8B94-562DA6736220}"/>
-                </a:ext>
-                <a:ext uri="{C183D7F6-B498-43B3-948B-1728B52AA6E4}">
-                  <adec:decorative xmlns:adec="http://schemas.microsoft.com/office/drawing/2017/decorative" val="1"/>
-                </a:ext>
-              </a:extLst>
-            </p:cNvPr>
-            <p:cNvSpPr/>
-            <p:nvPr>
-              <p:extLst>
-                <p:ext uri="{386F3935-93C4-4BCD-93E2-E3B085C9AB24}">
-                  <p16:designElem xmlns:p16="http://schemas.microsoft.com/office/powerpoint/2015/main" val="1"/>
-                </p:ext>
-              </p:extLst>
-            </p:nvPr>
-          </p:nvSpPr>
-          <p:spPr bwMode="auto">
-            <a:xfrm>
-              <a:off x="1320800" y="5238750"/>
-              <a:ext cx="1695450" cy="1619250"/>
-            </a:xfrm>
-            <a:custGeom>
-              <a:avLst/>
-              <a:gdLst/>
-              <a:ahLst/>
-              <a:cxnLst/>
-              <a:rect l="0" t="0" r="r" b="b"/>
-              <a:pathLst>
-                <a:path w="1068" h="1020">
-                  <a:moveTo>
-                    <a:pt x="1068" y="1020"/>
-                  </a:moveTo>
-                  <a:lnTo>
-                    <a:pt x="184" y="60"/>
-                  </a:lnTo>
-                  <a:lnTo>
-                    <a:pt x="154" y="27"/>
-                  </a:lnTo>
-                  <a:lnTo>
-                    <a:pt x="157" y="27"/>
-                  </a:lnTo>
-                  <a:lnTo>
-                    <a:pt x="157" y="24"/>
-                  </a:lnTo>
-                  <a:lnTo>
-                    <a:pt x="154" y="24"/>
-                  </a:lnTo>
-                  <a:lnTo>
-                    <a:pt x="0" y="0"/>
-                  </a:lnTo>
-                  <a:lnTo>
-                    <a:pt x="0" y="0"/>
-                  </a:lnTo>
-                  <a:lnTo>
-                    <a:pt x="774" y="1020"/>
-                  </a:lnTo>
-                  <a:lnTo>
-                    <a:pt x="1068" y="1020"/>
-                  </a:lnTo>
-                  <a:close/>
-                </a:path>
-              </a:pathLst>
-            </a:custGeom>
-            <a:solidFill>
-              <a:schemeClr val="tx1">
-                <a:lumMod val="75000"/>
-                <a:lumOff val="25000"/>
-              </a:schemeClr>
-            </a:solidFill>
-            <a:ln>
-              <a:noFill/>
-            </a:ln>
-          </p:spPr>
-        </p:sp>
-      </p:grpSp>
-      <p:grpSp>
-        <p:nvGrpSpPr>
-          <p:cNvPr id="79" name="Group 78">
-            <a:extLst>
-              <a:ext uri="{FF2B5EF4-FFF2-40B4-BE49-F238E27FC236}">
-                <a16:creationId xmlns:a16="http://schemas.microsoft.com/office/drawing/2014/main" id="{DD65B30C-427F-449E-B039-E288E85D8AFA}"/>
-              </a:ext>
-              <a:ext uri="{C183D7F6-B498-43B3-948B-1728B52AA6E4}">
-                <adec:decorative xmlns:adec="http://schemas.microsoft.com/office/drawing/2017/decorative" val="1"/>
-              </a:ext>
-            </a:extLst>
-          </p:cNvPr>
-          <p:cNvGrpSpPr>
-            <a:grpSpLocks noGrp="1" noUngrp="1" noRot="1" noChangeAspect="1" noMove="1" noResize="1"/>
-          </p:cNvGrpSpPr>
-          <p:nvPr>
-            <p:extLst>
-              <p:ext uri="{386F3935-93C4-4BCD-93E2-E3B085C9AB24}">
-                <p16:designElem xmlns:p16="http://schemas.microsoft.com/office/powerpoint/2015/main" val="1"/>
-              </p:ext>
-            </p:extLst>
-          </p:nvPr>
-        </p:nvGrpSpPr>
-        <p:grpSpPr>
-          <a:xfrm>
-            <a:off x="150812" y="0"/>
-            <a:ext cx="2436813" cy="6858001"/>
-            <a:chOff x="1320800" y="0"/>
-            <a:chExt cx="2436813" cy="6858001"/>
-          </a:xfrm>
-        </p:grpSpPr>
-        <p:sp>
-          <p:nvSpPr>
-            <p:cNvPr id="80" name="Freeform 6">
-              <a:extLst>
-                <a:ext uri="{FF2B5EF4-FFF2-40B4-BE49-F238E27FC236}">
-                  <a16:creationId xmlns:a16="http://schemas.microsoft.com/office/drawing/2014/main" id="{9F47D947-83F7-46E3-872B-0777122A0A28}"/>
-                </a:ext>
-                <a:ext uri="{C183D7F6-B498-43B3-948B-1728B52AA6E4}">
-                  <adec:decorative xmlns:adec="http://schemas.microsoft.com/office/drawing/2017/decorative" val="1"/>
-                </a:ext>
-              </a:extLst>
-            </p:cNvPr>
-            <p:cNvSpPr/>
-            <p:nvPr>
-              <p:extLst>
-                <p:ext uri="{386F3935-93C4-4BCD-93E2-E3B085C9AB24}">
-                  <p16:designElem xmlns:p16="http://schemas.microsoft.com/office/powerpoint/2015/main" val="1"/>
-                </p:ext>
-              </p:extLst>
-            </p:nvPr>
-          </p:nvSpPr>
-          <p:spPr bwMode="auto">
-            <a:xfrm>
-              <a:off x="1627188" y="0"/>
-              <a:ext cx="1122363" cy="5329238"/>
-            </a:xfrm>
-            <a:custGeom>
-              <a:avLst/>
-              <a:gdLst/>
-              <a:ahLst/>
-              <a:cxnLst/>
-              <a:rect l="0" t="0" r="r" b="b"/>
-              <a:pathLst>
-                <a:path w="707" h="3357">
-                  <a:moveTo>
-                    <a:pt x="0" y="3330"/>
-                  </a:moveTo>
-                  <a:lnTo>
-                    <a:pt x="156" y="3357"/>
-                  </a:lnTo>
-                  <a:lnTo>
-                    <a:pt x="707" y="0"/>
-                  </a:lnTo>
-                  <a:lnTo>
-                    <a:pt x="547" y="0"/>
-                  </a:lnTo>
-                  <a:lnTo>
-                    <a:pt x="0" y="3330"/>
-                  </a:lnTo>
-                  <a:close/>
-                </a:path>
-              </a:pathLst>
-            </a:custGeom>
-            <a:solidFill>
-              <a:schemeClr val="accent1"/>
-            </a:solidFill>
-            <a:ln>
-              <a:noFill/>
-            </a:ln>
-          </p:spPr>
-        </p:sp>
-        <p:sp>
-          <p:nvSpPr>
-            <p:cNvPr id="81" name="Freeform 7">
-              <a:extLst>
-                <a:ext uri="{FF2B5EF4-FFF2-40B4-BE49-F238E27FC236}">
-                  <a16:creationId xmlns:a16="http://schemas.microsoft.com/office/drawing/2014/main" id="{60C7B45B-6634-46FA-862D-B86F1C3C5064}"/>
-                </a:ext>
-                <a:ext uri="{C183D7F6-B498-43B3-948B-1728B52AA6E4}">
-                  <adec:decorative xmlns:adec="http://schemas.microsoft.com/office/drawing/2017/decorative" val="1"/>
-                </a:ext>
-              </a:extLst>
-            </p:cNvPr>
-            <p:cNvSpPr/>
-            <p:nvPr>
-              <p:extLst>
-                <p:ext uri="{386F3935-93C4-4BCD-93E2-E3B085C9AB24}">
-                  <p16:designElem xmlns:p16="http://schemas.microsoft.com/office/powerpoint/2015/main" val="1"/>
-                </p:ext>
-              </p:extLst>
-            </p:nvPr>
-          </p:nvSpPr>
-          <p:spPr bwMode="auto">
-            <a:xfrm>
-              <a:off x="1320800" y="0"/>
-              <a:ext cx="1117600" cy="5276850"/>
-            </a:xfrm>
-            <a:custGeom>
-              <a:avLst/>
-              <a:gdLst/>
-              <a:ahLst/>
-              <a:cxnLst/>
-              <a:rect l="0" t="0" r="r" b="b"/>
-              <a:pathLst>
-                <a:path w="704" h="3324">
-                  <a:moveTo>
-                    <a:pt x="704" y="0"/>
-                  </a:moveTo>
-                  <a:lnTo>
-                    <a:pt x="545" y="0"/>
-                  </a:lnTo>
-                  <a:lnTo>
-                    <a:pt x="0" y="3300"/>
-                  </a:lnTo>
-                  <a:lnTo>
-                    <a:pt x="157" y="3324"/>
-                  </a:lnTo>
-                  <a:lnTo>
-                    <a:pt x="704" y="0"/>
-                  </a:lnTo>
-                  <a:close/>
-                </a:path>
-              </a:pathLst>
-            </a:custGeom>
-            <a:solidFill>
-              <a:schemeClr val="tx1">
-                <a:lumMod val="65000"/>
-                <a:lumOff val="35000"/>
-              </a:schemeClr>
-            </a:solidFill>
-            <a:ln>
-              <a:noFill/>
-            </a:ln>
-          </p:spPr>
-        </p:sp>
-        <p:sp>
-          <p:nvSpPr>
-            <p:cNvPr id="82" name="Freeform 8">
-              <a:extLst>
-                <a:ext uri="{FF2B5EF4-FFF2-40B4-BE49-F238E27FC236}">
-                  <a16:creationId xmlns:a16="http://schemas.microsoft.com/office/drawing/2014/main" id="{C7504CC0-DD94-4ED9-ADC9-6FE7AEA33FF0}"/>
-                </a:ext>
-                <a:ext uri="{C183D7F6-B498-43B3-948B-1728B52AA6E4}">
-                  <adec:decorative xmlns:adec="http://schemas.microsoft.com/office/drawing/2017/decorative" val="1"/>
-                </a:ext>
-              </a:extLst>
-            </p:cNvPr>
-            <p:cNvSpPr/>
-            <p:nvPr>
-              <p:extLst>
-                <p:ext uri="{386F3935-93C4-4BCD-93E2-E3B085C9AB24}">
-                  <p16:designElem xmlns:p16="http://schemas.microsoft.com/office/powerpoint/2015/main" val="1"/>
-                </p:ext>
-              </p:extLst>
-            </p:nvPr>
-          </p:nvSpPr>
-          <p:spPr bwMode="auto">
-            <a:xfrm>
-              <a:off x="1320800" y="5238750"/>
-              <a:ext cx="1228725" cy="1619250"/>
-            </a:xfrm>
-            <a:custGeom>
-              <a:avLst/>
-              <a:gdLst/>
-              <a:ahLst/>
-              <a:cxnLst/>
-              <a:rect l="0" t="0" r="r" b="b"/>
-              <a:pathLst>
-                <a:path w="774" h="1020">
-                  <a:moveTo>
-                    <a:pt x="0" y="0"/>
-                  </a:moveTo>
-                  <a:lnTo>
-                    <a:pt x="740" y="1020"/>
-                  </a:lnTo>
-                  <a:lnTo>
-                    <a:pt x="774" y="1020"/>
-                  </a:lnTo>
-                  <a:lnTo>
-                    <a:pt x="0" y="0"/>
-                  </a:lnTo>
-                  <a:close/>
-                </a:path>
-              </a:pathLst>
-            </a:custGeom>
-            <a:solidFill>
-              <a:schemeClr val="tx1">
-                <a:lumMod val="85000"/>
-                <a:lumOff val="15000"/>
-              </a:schemeClr>
-            </a:solidFill>
-            <a:ln>
-              <a:noFill/>
-            </a:ln>
-          </p:spPr>
-        </p:sp>
-        <p:sp>
-          <p:nvSpPr>
-            <p:cNvPr id="83" name="Freeform 9">
-              <a:extLst>
-                <a:ext uri="{FF2B5EF4-FFF2-40B4-BE49-F238E27FC236}">
-                  <a16:creationId xmlns:a16="http://schemas.microsoft.com/office/drawing/2014/main" id="{64268326-B6DD-4E00-9788-6C319279AC7C}"/>
-                </a:ext>
-                <a:ext uri="{C183D7F6-B498-43B3-948B-1728B52AA6E4}">
-                  <adec:decorative xmlns:adec="http://schemas.microsoft.com/office/drawing/2017/decorative" val="1"/>
-                </a:ext>
-              </a:extLst>
-            </p:cNvPr>
-            <p:cNvSpPr/>
-            <p:nvPr>
-              <p:extLst>
-                <p:ext uri="{386F3935-93C4-4BCD-93E2-E3B085C9AB24}">
-                  <p16:designElem xmlns:p16="http://schemas.microsoft.com/office/powerpoint/2015/main" val="1"/>
-                </p:ext>
-              </p:extLst>
-            </p:nvPr>
-          </p:nvSpPr>
-          <p:spPr bwMode="auto">
-            <a:xfrm>
-              <a:off x="1627188" y="5291138"/>
-              <a:ext cx="1495425" cy="1566863"/>
-            </a:xfrm>
-            <a:custGeom>
-              <a:avLst/>
-              <a:gdLst/>
-              <a:ahLst/>
-              <a:cxnLst/>
-              <a:rect l="0" t="0" r="r" b="b"/>
-              <a:pathLst>
-                <a:path w="942" h="987">
-                  <a:moveTo>
-                    <a:pt x="0" y="0"/>
-                  </a:moveTo>
-                  <a:lnTo>
-                    <a:pt x="909" y="987"/>
-                  </a:lnTo>
-                  <a:lnTo>
-                    <a:pt x="942" y="987"/>
-                  </a:lnTo>
-                  <a:lnTo>
-                    <a:pt x="0" y="0"/>
-                  </a:lnTo>
-                  <a:close/>
-                </a:path>
-              </a:pathLst>
-            </a:custGeom>
-            <a:solidFill>
-              <a:schemeClr val="accent1">
-                <a:lumMod val="50000"/>
-              </a:schemeClr>
-            </a:solidFill>
-            <a:ln>
-              <a:noFill/>
-            </a:ln>
-          </p:spPr>
-        </p:sp>
-        <p:sp>
-          <p:nvSpPr>
-            <p:cNvPr id="84" name="Freeform 10">
-              <a:extLst>
-                <a:ext uri="{FF2B5EF4-FFF2-40B4-BE49-F238E27FC236}">
-                  <a16:creationId xmlns:a16="http://schemas.microsoft.com/office/drawing/2014/main" id="{92C7B3DE-DB23-4AAC-B142-C803C0C0A154}"/>
-                </a:ext>
-                <a:ext uri="{C183D7F6-B498-43B3-948B-1728B52AA6E4}">
-                  <adec:decorative xmlns:adec="http://schemas.microsoft.com/office/drawing/2017/decorative" val="1"/>
-                </a:ext>
-              </a:extLst>
-            </p:cNvPr>
-            <p:cNvSpPr/>
-            <p:nvPr>
-              <p:extLst>
-                <p:ext uri="{386F3935-93C4-4BCD-93E2-E3B085C9AB24}">
-                  <p16:designElem xmlns:p16="http://schemas.microsoft.com/office/powerpoint/2015/main" val="1"/>
-                </p:ext>
-              </p:extLst>
-            </p:nvPr>
-          </p:nvSpPr>
-          <p:spPr bwMode="auto">
-            <a:xfrm>
-              <a:off x="1627188" y="5286375"/>
-              <a:ext cx="2130425" cy="1571625"/>
-            </a:xfrm>
-            <a:custGeom>
-              <a:avLst/>
-              <a:gdLst/>
-              <a:ahLst/>
-              <a:cxnLst/>
-              <a:rect l="0" t="0" r="r" b="b"/>
-              <a:pathLst>
-                <a:path w="1342" h="990">
-                  <a:moveTo>
-                    <a:pt x="0" y="3"/>
-                  </a:moveTo>
-                  <a:lnTo>
-                    <a:pt x="942" y="990"/>
-                  </a:lnTo>
-                  <a:lnTo>
-                    <a:pt x="1342" y="990"/>
-                  </a:lnTo>
-                  <a:lnTo>
-                    <a:pt x="156" y="27"/>
-                  </a:lnTo>
-                  <a:lnTo>
-                    <a:pt x="0" y="0"/>
-                  </a:lnTo>
-                  <a:lnTo>
-                    <a:pt x="0" y="3"/>
-                  </a:lnTo>
-                  <a:close/>
-                </a:path>
-              </a:pathLst>
-            </a:custGeom>
-            <a:solidFill>
-              <a:schemeClr val="accent1">
-                <a:lumMod val="75000"/>
-              </a:schemeClr>
-            </a:solidFill>
-            <a:ln>
-              <a:noFill/>
-            </a:ln>
-          </p:spPr>
-        </p:sp>
-        <p:sp>
-          <p:nvSpPr>
-            <p:cNvPr id="85" name="Freeform 11">
-              <a:extLst>
-                <a:ext uri="{FF2B5EF4-FFF2-40B4-BE49-F238E27FC236}">
-                  <a16:creationId xmlns:a16="http://schemas.microsoft.com/office/drawing/2014/main" id="{1EEF04DC-4E0D-4127-A98D-EA81C3B2DE3D}"/>
-                </a:ext>
-                <a:ext uri="{C183D7F6-B498-43B3-948B-1728B52AA6E4}">
-                  <adec:decorative xmlns:adec="http://schemas.microsoft.com/office/drawing/2017/decorative" val="1"/>
-                </a:ext>
-              </a:extLst>
-            </p:cNvPr>
-            <p:cNvSpPr/>
-            <p:nvPr>
-              <p:extLst>
-                <p:ext uri="{386F3935-93C4-4BCD-93E2-E3B085C9AB24}">
-                  <p16:designElem xmlns:p16="http://schemas.microsoft.com/office/powerpoint/2015/main" val="1"/>
-                </p:ext>
-              </p:extLst>
-            </p:nvPr>
-          </p:nvSpPr>
-          <p:spPr bwMode="auto">
-            <a:xfrm>
-              <a:off x="1320800" y="5238750"/>
-              <a:ext cx="1695450" cy="1619250"/>
-            </a:xfrm>
-            <a:custGeom>
-              <a:avLst/>
-              <a:gdLst/>
-              <a:ahLst/>
-              <a:cxnLst/>
-              <a:rect l="0" t="0" r="r" b="b"/>
-              <a:pathLst>
-                <a:path w="1068" h="1020">
-                  <a:moveTo>
-                    <a:pt x="1068" y="1020"/>
-                  </a:moveTo>
-                  <a:lnTo>
-                    <a:pt x="184" y="60"/>
-                  </a:lnTo>
-                  <a:lnTo>
-                    <a:pt x="154" y="27"/>
-                  </a:lnTo>
-                  <a:lnTo>
-                    <a:pt x="157" y="27"/>
-                  </a:lnTo>
-                  <a:lnTo>
-                    <a:pt x="157" y="24"/>
-                  </a:lnTo>
-                  <a:lnTo>
-                    <a:pt x="154" y="24"/>
-                  </a:lnTo>
-                  <a:lnTo>
-                    <a:pt x="0" y="0"/>
-                  </a:lnTo>
-                  <a:lnTo>
-                    <a:pt x="0" y="0"/>
-                  </a:lnTo>
-                  <a:lnTo>
-                    <a:pt x="774" y="1020"/>
-                  </a:lnTo>
-                  <a:lnTo>
-                    <a:pt x="1068" y="1020"/>
-                  </a:lnTo>
-                  <a:close/>
-                </a:path>
-              </a:pathLst>
-            </a:custGeom>
-            <a:solidFill>
-              <a:schemeClr val="tx1">
-                <a:lumMod val="75000"/>
-                <a:lumOff val="25000"/>
-              </a:schemeClr>
-            </a:solidFill>
-            <a:ln>
-              <a:noFill/>
-            </a:ln>
-          </p:spPr>
-        </p:sp>
-      </p:grpSp>
-      <p:sp>
-        <p:nvSpPr>
-          <p:cNvPr id="87" name="Freeform: Shape 86">
-            <a:extLst>
-              <a:ext uri="{FF2B5EF4-FFF2-40B4-BE49-F238E27FC236}">
-                <a16:creationId xmlns:a16="http://schemas.microsoft.com/office/drawing/2014/main" id="{084966D2-3C9B-4F47-8231-1DEC33D3BDFE}"/>
-              </a:ext>
-              <a:ext uri="{C183D7F6-B498-43B3-948B-1728B52AA6E4}">
-                <adec:decorative xmlns:adec="http://schemas.microsoft.com/office/drawing/2017/decorative" val="1"/>
-              </a:ext>
-            </a:extLst>
-          </p:cNvPr>
-          <p:cNvSpPr>
-            <a:spLocks noGrp="1" noRot="1" noChangeAspect="1" noMove="1" noResize="1" noEditPoints="1" noAdjustHandles="1" noChangeArrowheads="1" noChangeShapeType="1" noTextEdit="1"/>
-          </p:cNvSpPr>
-          <p:nvPr>
-            <p:extLst>
-              <p:ext uri="{386F3935-93C4-4BCD-93E2-E3B085C9AB24}">
-                <p16:designElem xmlns:p16="http://schemas.microsoft.com/office/powerpoint/2015/main" val="1"/>
-              </p:ext>
-            </p:extLst>
-          </p:nvPr>
-        </p:nvSpPr>
-        <p:spPr>
-          <a:xfrm>
-            <a:off x="796066" y="321734"/>
-            <a:ext cx="11074201" cy="6214533"/>
-          </a:xfrm>
-          <a:custGeom>
-            <a:avLst/>
-            <a:gdLst>
-              <a:gd name="connsiteX0" fmla="*/ 815396 w 11074201"/>
-              <a:gd name="connsiteY0" fmla="*/ 0 h 6214533"/>
-              <a:gd name="connsiteX1" fmla="*/ 11074201 w 11074201"/>
-              <a:gd name="connsiteY1" fmla="*/ 0 h 6214533"/>
-              <a:gd name="connsiteX2" fmla="*/ 11074201 w 11074201"/>
-              <a:gd name="connsiteY2" fmla="*/ 6214533 h 6214533"/>
-              <a:gd name="connsiteX3" fmla="*/ 1498193 w 11074201"/>
-              <a:gd name="connsiteY3" fmla="*/ 6214533 h 6214533"/>
-              <a:gd name="connsiteX4" fmla="*/ 0 w 11074201"/>
-              <a:gd name="connsiteY4" fmla="*/ 4992543 h 6214533"/>
-              <a:gd name="connsiteX5" fmla="*/ 433971 w 11074201"/>
-              <a:gd name="connsiteY5" fmla="*/ 2335405 h 6214533"/>
-            </a:gdLst>
-            <a:ahLst/>
-            <a:cxnLst>
-              <a:cxn ang="0">
-                <a:pos x="connsiteX0" y="connsiteY0"/>
-              </a:cxn>
-              <a:cxn ang="0">
-                <a:pos x="connsiteX1" y="connsiteY1"/>
-              </a:cxn>
-              <a:cxn ang="0">
-                <a:pos x="connsiteX2" y="connsiteY2"/>
-              </a:cxn>
-              <a:cxn ang="0">
-                <a:pos x="connsiteX3" y="connsiteY3"/>
-              </a:cxn>
-              <a:cxn ang="0">
-                <a:pos x="connsiteX4" y="connsiteY4"/>
-              </a:cxn>
-              <a:cxn ang="0">
-                <a:pos x="connsiteX5" y="connsiteY5"/>
-              </a:cxn>
-            </a:cxnLst>
-            <a:rect l="l" t="t" r="r" b="b"/>
-            <a:pathLst>
-              <a:path w="11074201" h="6214533">
-                <a:moveTo>
-                  <a:pt x="815396" y="0"/>
-                </a:moveTo>
-                <a:lnTo>
-                  <a:pt x="11074201" y="0"/>
-                </a:lnTo>
-                <a:lnTo>
-                  <a:pt x="11074201" y="6214533"/>
-                </a:lnTo>
-                <a:lnTo>
-                  <a:pt x="1498193" y="6214533"/>
-                </a:lnTo>
-                <a:lnTo>
-                  <a:pt x="0" y="4992543"/>
-                </a:lnTo>
-                <a:cubicBezTo>
-                  <a:pt x="141071" y="4106831"/>
-                  <a:pt x="287521" y="3221118"/>
-                  <a:pt x="433971" y="2335405"/>
-                </a:cubicBezTo>
-                <a:close/>
-              </a:path>
-            </a:pathLst>
-          </a:custGeom>
-          <a:solidFill>
-            <a:srgbClr val="FFFFFF"/>
-          </a:solidFill>
-          <a:ln w="38100">
-            <a:gradFill flip="none" rotWithShape="1">
-              <a:gsLst>
-                <a:gs pos="0">
-                  <a:schemeClr val="bg2"/>
-                </a:gs>
-                <a:gs pos="100000">
-                  <a:schemeClr val="bg2">
-                    <a:lumMod val="75000"/>
-                  </a:schemeClr>
-                </a:gs>
-              </a:gsLst>
-              <a:lin ang="5400000" scaled="1"/>
-              <a:tileRect/>
-            </a:gradFill>
-          </a:ln>
-          <a:effectLst>
-            <a:innerShdw blurRad="57150" dist="38100" dir="14460000">
-              <a:prstClr val="black">
-                <a:alpha val="70000"/>
-              </a:prstClr>
-            </a:innerShdw>
-          </a:effectLst>
-        </p:spPr>
-        <p:style>
-          <a:lnRef idx="2">
-            <a:schemeClr val="accent1">
-              <a:shade val="50000"/>
-            </a:schemeClr>
-          </a:lnRef>
-          <a:fillRef idx="1">
-            <a:schemeClr val="accent1"/>
-          </a:fillRef>
-          <a:effectRef idx="0">
-            <a:schemeClr val="accent1"/>
-          </a:effectRef>
-          <a:fontRef idx="minor">
-            <a:schemeClr val="lt1"/>
-          </a:fontRef>
-        </p:style>
-        <p:txBody>
-          <a:bodyPr rtlCol="0" anchor="ctr"/>
-          <a:lstStyle/>
-          <a:p>
-            <a:pPr algn="ctr"/>
-            <a:endParaRPr lang="en-US"/>
-          </a:p>
-        </p:txBody>
-      </p:sp>
-      <p:pic>
-        <p:nvPicPr>
-          <p:cNvPr id="10242" name="Picture 2">
-            <a:extLst>
-              <a:ext uri="{FF2B5EF4-FFF2-40B4-BE49-F238E27FC236}">
-                <a16:creationId xmlns:a16="http://schemas.microsoft.com/office/drawing/2014/main" id="{EE43C1FF-F948-4E39-B1B8-AF5A8EC7210C}"/>
-              </a:ext>
-            </a:extLst>
-          </p:cNvPr>
-          <p:cNvPicPr>
-            <a:picLocks noChangeAspect="1" noChangeArrowheads="1"/>
-          </p:cNvPicPr>
-          <p:nvPr/>
-        </p:nvPicPr>
-        <p:blipFill>
-          <a:blip r:embed="rId3">
-            <a:extLst>
-              <a:ext uri="{28A0092B-C50C-407E-A947-70E740481C1C}">
-                <a14:useLocalDpi xmlns:a14="http://schemas.microsoft.com/office/drawing/2010/main" val="0"/>
-              </a:ext>
-            </a:extLst>
-          </a:blip>
-          <a:stretch>
-            <a:fillRect/>
-          </a:stretch>
-        </p:blipFill>
-        <p:spPr bwMode="auto">
-          <a:xfrm>
-            <a:off x="2926491" y="383178"/>
-            <a:ext cx="7001889" cy="6091644"/>
+            <a:off x="2662237" y="438808"/>
+            <a:ext cx="6867525" cy="5980383"/>
           </a:xfrm>
           <a:prstGeom prst="rect">
             <a:avLst/>
@@ -16711,14 +14496,14 @@
         </p:nvSpPr>
         <p:spPr>
           <a:xfrm>
-            <a:off x="4181475" y="965200"/>
-            <a:ext cx="1599565" cy="1584960"/>
+            <a:off x="3892880" y="1017813"/>
+            <a:ext cx="1579665" cy="1545091"/>
           </a:xfrm>
           <a:prstGeom prst="rect">
             <a:avLst/>
           </a:prstGeom>
           <a:noFill/>
-          <a:ln w="25400">
+          <a:ln w="38100">
             <a:solidFill>
               <a:srgbClr val="FF0000"/>
             </a:solidFill>
@@ -16763,14 +14548,118 @@
         </p:nvSpPr>
         <p:spPr>
           <a:xfrm>
-            <a:off x="5781041" y="2550160"/>
-            <a:ext cx="1575724" cy="1584960"/>
+            <a:off x="5472545" y="2555475"/>
+            <a:ext cx="1530928" cy="1545092"/>
           </a:xfrm>
           <a:prstGeom prst="rect">
             <a:avLst/>
           </a:prstGeom>
           <a:noFill/>
-          <a:ln w="25400">
+          <a:ln w="38100">
+            <a:solidFill>
+              <a:srgbClr val="0070C0"/>
+            </a:solidFill>
+          </a:ln>
+        </p:spPr>
+        <p:style>
+          <a:lnRef idx="2">
+            <a:schemeClr val="accent1">
+              <a:shade val="50000"/>
+            </a:schemeClr>
+          </a:lnRef>
+          <a:fillRef idx="1">
+            <a:schemeClr val="accent1"/>
+          </a:fillRef>
+          <a:effectRef idx="0">
+            <a:schemeClr val="accent1"/>
+          </a:effectRef>
+          <a:fontRef idx="minor">
+            <a:schemeClr val="lt1"/>
+          </a:fontRef>
+        </p:style>
+        <p:txBody>
+          <a:bodyPr rtlCol="0" anchor="ctr"/>
+          <a:lstStyle/>
+          <a:p>
+            <a:pPr algn="ctr"/>
+            <a:endParaRPr lang="en-US"/>
+          </a:p>
+        </p:txBody>
+      </p:sp>
+      <p:sp>
+        <p:nvSpPr>
+          <p:cNvPr id="22" name="Rectangle 21">
+            <a:extLst>
+              <a:ext uri="{FF2B5EF4-FFF2-40B4-BE49-F238E27FC236}">
+                <a16:creationId xmlns:a16="http://schemas.microsoft.com/office/drawing/2014/main" id="{9DB5F463-E7EE-46E7-B22E-321BFAAB15B9}"/>
+              </a:ext>
+            </a:extLst>
+          </p:cNvPr>
+          <p:cNvSpPr/>
+          <p:nvPr/>
+        </p:nvSpPr>
+        <p:spPr>
+          <a:xfrm>
+            <a:off x="6998613" y="4135120"/>
+            <a:ext cx="1568444" cy="1541779"/>
+          </a:xfrm>
+          <a:prstGeom prst="rect">
+            <a:avLst/>
+          </a:prstGeom>
+          <a:noFill/>
+          <a:ln w="38100">
+            <a:solidFill>
+              <a:srgbClr val="7030A0"/>
+            </a:solidFill>
+          </a:ln>
+        </p:spPr>
+        <p:style>
+          <a:lnRef idx="2">
+            <a:schemeClr val="accent1">
+              <a:shade val="50000"/>
+            </a:schemeClr>
+          </a:lnRef>
+          <a:fillRef idx="1">
+            <a:schemeClr val="accent1"/>
+          </a:fillRef>
+          <a:effectRef idx="0">
+            <a:schemeClr val="accent1"/>
+          </a:effectRef>
+          <a:fontRef idx="minor">
+            <a:schemeClr val="lt1"/>
+          </a:fontRef>
+        </p:style>
+        <p:txBody>
+          <a:bodyPr rtlCol="0" anchor="ctr"/>
+          <a:lstStyle/>
+          <a:p>
+            <a:pPr algn="ctr"/>
+            <a:endParaRPr lang="en-US"/>
+          </a:p>
+        </p:txBody>
+      </p:sp>
+      <p:sp>
+        <p:nvSpPr>
+          <p:cNvPr id="24" name="Rectangle 23">
+            <a:extLst>
+              <a:ext uri="{FF2B5EF4-FFF2-40B4-BE49-F238E27FC236}">
+                <a16:creationId xmlns:a16="http://schemas.microsoft.com/office/drawing/2014/main" id="{B80388D4-A83F-4C9F-A523-8BCDEEF79DED}"/>
+              </a:ext>
+            </a:extLst>
+          </p:cNvPr>
+          <p:cNvSpPr/>
+          <p:nvPr/>
+        </p:nvSpPr>
+        <p:spPr>
+          <a:xfrm>
+            <a:off x="3009073" y="1613215"/>
+            <a:ext cx="871683" cy="374535"/>
+          </a:xfrm>
+          <a:prstGeom prst="rect">
+            <a:avLst/>
+          </a:prstGeom>
+          <a:noFill/>
+          <a:ln w="38100">
             <a:solidFill>
               <a:srgbClr val="FF0000"/>
             </a:solidFill>
@@ -16803,10 +14692,10 @@
       </p:sp>
       <p:sp>
         <p:nvSpPr>
-          <p:cNvPr id="22" name="Rectangle 21">
+          <p:cNvPr id="25" name="Rectangle 24">
             <a:extLst>
               <a:ext uri="{FF2B5EF4-FFF2-40B4-BE49-F238E27FC236}">
-                <a16:creationId xmlns:a16="http://schemas.microsoft.com/office/drawing/2014/main" id="{9DB5F463-E7EE-46E7-B22E-321BFAAB15B9}"/>
+                <a16:creationId xmlns:a16="http://schemas.microsoft.com/office/drawing/2014/main" id="{597F73B1-1EA8-4A35-A962-9242E7CC298F}"/>
               </a:ext>
             </a:extLst>
           </p:cNvPr>
@@ -16815,14 +14704,118 @@
         </p:nvSpPr>
         <p:spPr>
           <a:xfrm>
-            <a:off x="7380605" y="4128105"/>
-            <a:ext cx="1575725" cy="1584960"/>
+            <a:off x="3021197" y="3170700"/>
+            <a:ext cx="871683" cy="374535"/>
           </a:xfrm>
           <a:prstGeom prst="rect">
             <a:avLst/>
           </a:prstGeom>
           <a:noFill/>
-          <a:ln w="25400">
+          <a:ln w="38100">
+            <a:solidFill>
+              <a:srgbClr val="0070C0"/>
+            </a:solidFill>
+          </a:ln>
+        </p:spPr>
+        <p:style>
+          <a:lnRef idx="2">
+            <a:schemeClr val="accent1">
+              <a:shade val="50000"/>
+            </a:schemeClr>
+          </a:lnRef>
+          <a:fillRef idx="1">
+            <a:schemeClr val="accent1"/>
+          </a:fillRef>
+          <a:effectRef idx="0">
+            <a:schemeClr val="accent1"/>
+          </a:effectRef>
+          <a:fontRef idx="minor">
+            <a:schemeClr val="lt1"/>
+          </a:fontRef>
+        </p:style>
+        <p:txBody>
+          <a:bodyPr rtlCol="0" anchor="ctr"/>
+          <a:lstStyle/>
+          <a:p>
+            <a:pPr algn="ctr"/>
+            <a:endParaRPr lang="en-US"/>
+          </a:p>
+        </p:txBody>
+      </p:sp>
+      <p:sp>
+        <p:nvSpPr>
+          <p:cNvPr id="26" name="Rectangle 25">
+            <a:extLst>
+              <a:ext uri="{FF2B5EF4-FFF2-40B4-BE49-F238E27FC236}">
+                <a16:creationId xmlns:a16="http://schemas.microsoft.com/office/drawing/2014/main" id="{9B60C132-3761-4978-8A76-CE92BF8D0CB6}"/>
+              </a:ext>
+            </a:extLst>
+          </p:cNvPr>
+          <p:cNvSpPr/>
+          <p:nvPr/>
+        </p:nvSpPr>
+        <p:spPr>
+          <a:xfrm>
+            <a:off x="5788064" y="5669751"/>
+            <a:ext cx="871683" cy="374535"/>
+          </a:xfrm>
+          <a:prstGeom prst="rect">
+            <a:avLst/>
+          </a:prstGeom>
+          <a:noFill/>
+          <a:ln w="38100">
+            <a:solidFill>
+              <a:srgbClr val="0070C0"/>
+            </a:solidFill>
+          </a:ln>
+        </p:spPr>
+        <p:style>
+          <a:lnRef idx="2">
+            <a:schemeClr val="accent1">
+              <a:shade val="50000"/>
+            </a:schemeClr>
+          </a:lnRef>
+          <a:fillRef idx="1">
+            <a:schemeClr val="accent1"/>
+          </a:fillRef>
+          <a:effectRef idx="0">
+            <a:schemeClr val="accent1"/>
+          </a:effectRef>
+          <a:fontRef idx="minor">
+            <a:schemeClr val="lt1"/>
+          </a:fontRef>
+        </p:style>
+        <p:txBody>
+          <a:bodyPr rtlCol="0" anchor="ctr"/>
+          <a:lstStyle/>
+          <a:p>
+            <a:pPr algn="ctr"/>
+            <a:endParaRPr lang="en-US"/>
+          </a:p>
+        </p:txBody>
+      </p:sp>
+      <p:sp>
+        <p:nvSpPr>
+          <p:cNvPr id="27" name="Rectangle 26">
+            <a:extLst>
+              <a:ext uri="{FF2B5EF4-FFF2-40B4-BE49-F238E27FC236}">
+                <a16:creationId xmlns:a16="http://schemas.microsoft.com/office/drawing/2014/main" id="{A2B0FDD6-0F55-4D61-AF70-0972584CA9AF}"/>
+              </a:ext>
+            </a:extLst>
+          </p:cNvPr>
+          <p:cNvSpPr/>
+          <p:nvPr/>
+        </p:nvSpPr>
+        <p:spPr>
+          <a:xfrm>
+            <a:off x="4246870" y="5662870"/>
+            <a:ext cx="871683" cy="374535"/>
+          </a:xfrm>
+          <a:prstGeom prst="rect">
+            <a:avLst/>
+          </a:prstGeom>
+          <a:noFill/>
+          <a:ln w="38100">
             <a:solidFill>
               <a:srgbClr val="FF0000"/>
             </a:solidFill>
@@ -16853,510 +14846,31 @@
           </a:p>
         </p:txBody>
       </p:sp>
-    </p:spTree>
-    <p:extLst>
-      <p:ext uri="{BB962C8B-B14F-4D97-AF65-F5344CB8AC3E}">
-        <p14:creationId xmlns:p14="http://schemas.microsoft.com/office/powerpoint/2010/main" val="2832864886"/>
-      </p:ext>
-    </p:extLst>
-  </p:cSld>
-  <p:clrMapOvr>
-    <a:masterClrMapping/>
-  </p:clrMapOvr>
-</p:sld>
-</file>
-
-<file path=ppt/slides/slide8.xml><?xml version="1.0" encoding="utf-8"?>
-<p:sld xmlns:a="http://schemas.openxmlformats.org/drawingml/2006/main" xmlns:r="http://schemas.openxmlformats.org/officeDocument/2006/relationships" xmlns:p="http://schemas.openxmlformats.org/presentationml/2006/main">
-  <p:cSld>
-    <p:bg>
-      <p:bgPr>
-        <a:blipFill rotWithShape="1">
-          <a:blip r:embed="rId2">
-            <a:duotone>
-              <a:schemeClr val="bg2">
-                <a:shade val="76000"/>
-                <a:satMod val="180000"/>
-              </a:schemeClr>
-              <a:schemeClr val="bg2">
-                <a:tint val="80000"/>
-                <a:satMod val="120000"/>
-                <a:lumMod val="180000"/>
-              </a:schemeClr>
-            </a:duotone>
-          </a:blip>
-          <a:stretch/>
-        </a:blipFill>
-        <a:effectLst/>
-      </p:bgPr>
-    </p:bg>
-    <p:spTree>
-      <p:nvGrpSpPr>
-        <p:cNvPr id="1" name=""/>
-        <p:cNvGrpSpPr/>
-        <p:nvPr/>
-      </p:nvGrpSpPr>
-      <p:grpSpPr>
-        <a:xfrm>
-          <a:off x="0" y="0"/>
-          <a:ext cx="0" cy="0"/>
-          <a:chOff x="0" y="0"/>
-          <a:chExt cx="0" cy="0"/>
-        </a:xfrm>
-      </p:grpSpPr>
-      <p:grpSp>
-        <p:nvGrpSpPr>
-          <p:cNvPr id="71" name="Group 70">
+      <p:sp>
+        <p:nvSpPr>
+          <p:cNvPr id="28" name="Rectangle 27">
             <a:extLst>
               <a:ext uri="{FF2B5EF4-FFF2-40B4-BE49-F238E27FC236}">
-                <a16:creationId xmlns:a16="http://schemas.microsoft.com/office/drawing/2014/main" id="{25363578-2A8C-4658-87B5-C5912F542358}"/>
-              </a:ext>
-              <a:ext uri="{C183D7F6-B498-43B3-948B-1728B52AA6E4}">
-                <adec:decorative xmlns:adec="http://schemas.microsoft.com/office/drawing/2017/decorative" val="1"/>
+                <a16:creationId xmlns:a16="http://schemas.microsoft.com/office/drawing/2014/main" id="{35189007-4317-40F7-A687-15B82FF3EFA2}"/>
               </a:ext>
             </a:extLst>
           </p:cNvPr>
-          <p:cNvGrpSpPr>
-            <a:grpSpLocks noGrp="1" noUngrp="1" noRot="1" noChangeAspect="1" noMove="1" noResize="1"/>
-          </p:cNvGrpSpPr>
-          <p:nvPr>
-            <p:extLst>
-              <p:ext uri="{386F3935-93C4-4BCD-93E2-E3B085C9AB24}">
-                <p16:designElem xmlns:p16="http://schemas.microsoft.com/office/powerpoint/2015/main" val="1"/>
-              </p:ext>
-            </p:extLst>
-          </p:nvPr>
-        </p:nvGrpSpPr>
-        <p:grpSpPr>
-          <a:xfrm>
-            <a:off x="546100" y="-4763"/>
-            <a:ext cx="5014912" cy="6862763"/>
-            <a:chOff x="2928938" y="-4763"/>
-            <a:chExt cx="5014912" cy="6862763"/>
-          </a:xfrm>
-        </p:grpSpPr>
-        <p:sp>
-          <p:nvSpPr>
-            <p:cNvPr id="72" name="Freeform 6">
-              <a:extLst>
-                <a:ext uri="{FF2B5EF4-FFF2-40B4-BE49-F238E27FC236}">
-                  <a16:creationId xmlns:a16="http://schemas.microsoft.com/office/drawing/2014/main" id="{E218F359-143F-4C4D-89E0-5264C1C848BB}"/>
-                </a:ext>
-                <a:ext uri="{C183D7F6-B498-43B3-948B-1728B52AA6E4}">
-                  <adec:decorative xmlns:adec="http://schemas.microsoft.com/office/drawing/2017/decorative" val="1"/>
-                </a:ext>
-              </a:extLst>
-            </p:cNvPr>
-            <p:cNvSpPr/>
-            <p:nvPr>
-              <p:extLst>
-                <p:ext uri="{386F3935-93C4-4BCD-93E2-E3B085C9AB24}">
-                  <p16:designElem xmlns:p16="http://schemas.microsoft.com/office/powerpoint/2015/main" val="1"/>
-                </p:ext>
-              </p:extLst>
-            </p:nvPr>
-          </p:nvSpPr>
-          <p:spPr bwMode="auto">
-            <a:xfrm>
-              <a:off x="3367088" y="-4763"/>
-              <a:ext cx="1063625" cy="2782888"/>
-            </a:xfrm>
-            <a:custGeom>
-              <a:avLst/>
-              <a:gdLst/>
-              <a:ahLst/>
-              <a:cxnLst/>
-              <a:rect l="0" t="0" r="r" b="b"/>
-              <a:pathLst>
-                <a:path w="670" h="1753">
-                  <a:moveTo>
-                    <a:pt x="0" y="1696"/>
-                  </a:moveTo>
-                  <a:lnTo>
-                    <a:pt x="225" y="1753"/>
-                  </a:lnTo>
-                  <a:lnTo>
-                    <a:pt x="670" y="0"/>
-                  </a:lnTo>
-                  <a:lnTo>
-                    <a:pt x="430" y="0"/>
-                  </a:lnTo>
-                  <a:lnTo>
-                    <a:pt x="0" y="1696"/>
-                  </a:lnTo>
-                  <a:close/>
-                </a:path>
-              </a:pathLst>
-            </a:custGeom>
-            <a:solidFill>
-              <a:schemeClr val="accent1"/>
-            </a:solidFill>
-            <a:ln>
-              <a:noFill/>
-            </a:ln>
-          </p:spPr>
-        </p:sp>
-        <p:sp>
-          <p:nvSpPr>
-            <p:cNvPr id="73" name="Freeform 7">
-              <a:extLst>
-                <a:ext uri="{FF2B5EF4-FFF2-40B4-BE49-F238E27FC236}">
-                  <a16:creationId xmlns:a16="http://schemas.microsoft.com/office/drawing/2014/main" id="{62ADA4B7-AAC9-4634-808E-1FFA83601A99}"/>
-                </a:ext>
-                <a:ext uri="{C183D7F6-B498-43B3-948B-1728B52AA6E4}">
-                  <adec:decorative xmlns:adec="http://schemas.microsoft.com/office/drawing/2017/decorative" val="1"/>
-                </a:ext>
-              </a:extLst>
-            </p:cNvPr>
-            <p:cNvSpPr/>
-            <p:nvPr>
-              <p:extLst>
-                <p:ext uri="{386F3935-93C4-4BCD-93E2-E3B085C9AB24}">
-                  <p16:designElem xmlns:p16="http://schemas.microsoft.com/office/powerpoint/2015/main" val="1"/>
-                </p:ext>
-              </p:extLst>
-            </p:nvPr>
-          </p:nvSpPr>
-          <p:spPr bwMode="auto">
-            <a:xfrm>
-              <a:off x="2928938" y="-4763"/>
-              <a:ext cx="1035050" cy="2673350"/>
-            </a:xfrm>
-            <a:custGeom>
-              <a:avLst/>
-              <a:gdLst/>
-              <a:ahLst/>
-              <a:cxnLst/>
-              <a:rect l="0" t="0" r="r" b="b"/>
-              <a:pathLst>
-                <a:path w="652" h="1684">
-                  <a:moveTo>
-                    <a:pt x="225" y="1684"/>
-                  </a:moveTo>
-                  <a:lnTo>
-                    <a:pt x="652" y="0"/>
-                  </a:lnTo>
-                  <a:lnTo>
-                    <a:pt x="411" y="0"/>
-                  </a:lnTo>
-                  <a:lnTo>
-                    <a:pt x="0" y="1627"/>
-                  </a:lnTo>
-                  <a:lnTo>
-                    <a:pt x="219" y="1681"/>
-                  </a:lnTo>
-                  <a:lnTo>
-                    <a:pt x="225" y="1684"/>
-                  </a:lnTo>
-                  <a:close/>
-                </a:path>
-              </a:pathLst>
-            </a:custGeom>
-            <a:solidFill>
-              <a:schemeClr val="tx1">
-                <a:lumMod val="65000"/>
-                <a:lumOff val="35000"/>
-              </a:schemeClr>
-            </a:solidFill>
-            <a:ln>
-              <a:noFill/>
-            </a:ln>
-          </p:spPr>
-        </p:sp>
-        <p:sp>
-          <p:nvSpPr>
-            <p:cNvPr id="74" name="Freeform 9">
-              <a:extLst>
-                <a:ext uri="{FF2B5EF4-FFF2-40B4-BE49-F238E27FC236}">
-                  <a16:creationId xmlns:a16="http://schemas.microsoft.com/office/drawing/2014/main" id="{32EDB2D2-BC10-4870-9DC7-868590D46C27}"/>
-                </a:ext>
-                <a:ext uri="{C183D7F6-B498-43B3-948B-1728B52AA6E4}">
-                  <adec:decorative xmlns:adec="http://schemas.microsoft.com/office/drawing/2017/decorative" val="1"/>
-                </a:ext>
-              </a:extLst>
-            </p:cNvPr>
-            <p:cNvSpPr/>
-            <p:nvPr>
-              <p:extLst>
-                <p:ext uri="{386F3935-93C4-4BCD-93E2-E3B085C9AB24}">
-                  <p16:designElem xmlns:p16="http://schemas.microsoft.com/office/powerpoint/2015/main" val="1"/>
-                </p:ext>
-              </p:extLst>
-            </p:nvPr>
-          </p:nvSpPr>
-          <p:spPr bwMode="auto">
-            <a:xfrm>
-              <a:off x="2928938" y="2582862"/>
-              <a:ext cx="2693987" cy="4275138"/>
-            </a:xfrm>
-            <a:custGeom>
-              <a:avLst/>
-              <a:gdLst/>
-              <a:ahLst/>
-              <a:cxnLst/>
-              <a:rect l="0" t="0" r="r" b="b"/>
-              <a:pathLst>
-                <a:path w="1697" h="2693">
-                  <a:moveTo>
-                    <a:pt x="0" y="0"/>
-                  </a:moveTo>
-                  <a:lnTo>
-                    <a:pt x="1622" y="2693"/>
-                  </a:lnTo>
-                  <a:lnTo>
-                    <a:pt x="1697" y="2693"/>
-                  </a:lnTo>
-                  <a:lnTo>
-                    <a:pt x="0" y="0"/>
-                  </a:lnTo>
-                  <a:close/>
-                </a:path>
-              </a:pathLst>
-            </a:custGeom>
-            <a:solidFill>
-              <a:schemeClr val="tx1">
-                <a:lumMod val="85000"/>
-                <a:lumOff val="15000"/>
-              </a:schemeClr>
-            </a:solidFill>
-            <a:ln>
-              <a:noFill/>
-            </a:ln>
-          </p:spPr>
-        </p:sp>
-        <p:sp>
-          <p:nvSpPr>
-            <p:cNvPr id="75" name="Freeform 10">
-              <a:extLst>
-                <a:ext uri="{FF2B5EF4-FFF2-40B4-BE49-F238E27FC236}">
-                  <a16:creationId xmlns:a16="http://schemas.microsoft.com/office/drawing/2014/main" id="{293A2EC2-7274-4905-8DAF-A2D403034B06}"/>
-                </a:ext>
-                <a:ext uri="{C183D7F6-B498-43B3-948B-1728B52AA6E4}">
-                  <adec:decorative xmlns:adec="http://schemas.microsoft.com/office/drawing/2017/decorative" val="1"/>
-                </a:ext>
-              </a:extLst>
-            </p:cNvPr>
-            <p:cNvSpPr/>
-            <p:nvPr>
-              <p:extLst>
-                <p:ext uri="{386F3935-93C4-4BCD-93E2-E3B085C9AB24}">
-                  <p16:designElem xmlns:p16="http://schemas.microsoft.com/office/powerpoint/2015/main" val="1"/>
-                </p:ext>
-              </p:extLst>
-            </p:nvPr>
-          </p:nvSpPr>
-          <p:spPr bwMode="auto">
-            <a:xfrm>
-              <a:off x="3371850" y="2692400"/>
-              <a:ext cx="3332162" cy="4165600"/>
-            </a:xfrm>
-            <a:custGeom>
-              <a:avLst/>
-              <a:gdLst/>
-              <a:ahLst/>
-              <a:cxnLst/>
-              <a:rect l="0" t="0" r="r" b="b"/>
-              <a:pathLst>
-                <a:path w="2099" h="2624">
-                  <a:moveTo>
-                    <a:pt x="2099" y="2624"/>
-                  </a:moveTo>
-                  <a:lnTo>
-                    <a:pt x="0" y="0"/>
-                  </a:lnTo>
-                  <a:lnTo>
-                    <a:pt x="2021" y="2624"/>
-                  </a:lnTo>
-                  <a:lnTo>
-                    <a:pt x="2099" y="2624"/>
-                  </a:lnTo>
-                  <a:close/>
-                </a:path>
-              </a:pathLst>
-            </a:custGeom>
-            <a:solidFill>
-              <a:schemeClr val="accent1">
-                <a:lumMod val="50000"/>
-              </a:schemeClr>
-            </a:solidFill>
-            <a:ln>
-              <a:noFill/>
-            </a:ln>
-          </p:spPr>
-        </p:sp>
-        <p:sp>
-          <p:nvSpPr>
-            <p:cNvPr id="76" name="Freeform 11">
-              <a:extLst>
-                <a:ext uri="{FF2B5EF4-FFF2-40B4-BE49-F238E27FC236}">
-                  <a16:creationId xmlns:a16="http://schemas.microsoft.com/office/drawing/2014/main" id="{676BE7D1-3188-44D8-8A0A-51164D0AB847}"/>
-                </a:ext>
-                <a:ext uri="{C183D7F6-B498-43B3-948B-1728B52AA6E4}">
-                  <adec:decorative xmlns:adec="http://schemas.microsoft.com/office/drawing/2017/decorative" val="1"/>
-                </a:ext>
-              </a:extLst>
-            </p:cNvPr>
-            <p:cNvSpPr/>
-            <p:nvPr>
-              <p:extLst>
-                <p:ext uri="{386F3935-93C4-4BCD-93E2-E3B085C9AB24}">
-                  <p16:designElem xmlns:p16="http://schemas.microsoft.com/office/powerpoint/2015/main" val="1"/>
-                </p:ext>
-              </p:extLst>
-            </p:nvPr>
-          </p:nvSpPr>
-          <p:spPr bwMode="auto">
-            <a:xfrm>
-              <a:off x="3367088" y="2687637"/>
-              <a:ext cx="4576762" cy="4170363"/>
-            </a:xfrm>
-            <a:custGeom>
-              <a:avLst/>
-              <a:gdLst/>
-              <a:ahLst/>
-              <a:cxnLst/>
-              <a:rect l="0" t="0" r="r" b="b"/>
-              <a:pathLst>
-                <a:path w="2883" h="2627">
-                  <a:moveTo>
-                    <a:pt x="0" y="0"/>
-                  </a:moveTo>
-                  <a:lnTo>
-                    <a:pt x="3" y="3"/>
-                  </a:lnTo>
-                  <a:lnTo>
-                    <a:pt x="2102" y="2627"/>
-                  </a:lnTo>
-                  <a:lnTo>
-                    <a:pt x="2883" y="2627"/>
-                  </a:lnTo>
-                  <a:lnTo>
-                    <a:pt x="225" y="57"/>
-                  </a:lnTo>
-                  <a:lnTo>
-                    <a:pt x="0" y="0"/>
-                  </a:lnTo>
-                  <a:close/>
-                </a:path>
-              </a:pathLst>
-            </a:custGeom>
-            <a:solidFill>
-              <a:schemeClr val="accent1">
-                <a:lumMod val="75000"/>
-              </a:schemeClr>
-            </a:solidFill>
-            <a:ln>
-              <a:noFill/>
-            </a:ln>
-          </p:spPr>
-        </p:sp>
-        <p:sp>
-          <p:nvSpPr>
-            <p:cNvPr id="77" name="Freeform 12">
-              <a:extLst>
-                <a:ext uri="{FF2B5EF4-FFF2-40B4-BE49-F238E27FC236}">
-                  <a16:creationId xmlns:a16="http://schemas.microsoft.com/office/drawing/2014/main" id="{2045A432-8539-4E56-9560-4B67D252076D}"/>
-                </a:ext>
-                <a:ext uri="{C183D7F6-B498-43B3-948B-1728B52AA6E4}">
-                  <adec:decorative xmlns:adec="http://schemas.microsoft.com/office/drawing/2017/decorative" val="1"/>
-                </a:ext>
-              </a:extLst>
-            </p:cNvPr>
-            <p:cNvSpPr/>
-            <p:nvPr>
-              <p:extLst>
-                <p:ext uri="{386F3935-93C4-4BCD-93E2-E3B085C9AB24}">
-                  <p16:designElem xmlns:p16="http://schemas.microsoft.com/office/powerpoint/2015/main" val="1"/>
-                </p:ext>
-              </p:extLst>
-            </p:nvPr>
-          </p:nvSpPr>
-          <p:spPr bwMode="auto">
-            <a:xfrm>
-              <a:off x="2928938" y="2578100"/>
-              <a:ext cx="3584575" cy="4279900"/>
-            </a:xfrm>
-            <a:custGeom>
-              <a:avLst/>
-              <a:gdLst/>
-              <a:ahLst/>
-              <a:cxnLst/>
-              <a:rect l="0" t="0" r="r" b="b"/>
-              <a:pathLst>
-                <a:path w="2258" h="2696">
-                  <a:moveTo>
-                    <a:pt x="2258" y="2696"/>
-                  </a:moveTo>
-                  <a:lnTo>
-                    <a:pt x="264" y="111"/>
-                  </a:lnTo>
-                  <a:lnTo>
-                    <a:pt x="228" y="60"/>
-                  </a:lnTo>
-                  <a:lnTo>
-                    <a:pt x="225" y="57"/>
-                  </a:lnTo>
-                  <a:lnTo>
-                    <a:pt x="0" y="0"/>
-                  </a:lnTo>
-                  <a:lnTo>
-                    <a:pt x="0" y="3"/>
-                  </a:lnTo>
-                  <a:lnTo>
-                    <a:pt x="1697" y="2696"/>
-                  </a:lnTo>
-                  <a:lnTo>
-                    <a:pt x="2258" y="2696"/>
-                  </a:lnTo>
-                  <a:close/>
-                </a:path>
-              </a:pathLst>
-            </a:custGeom>
-            <a:solidFill>
-              <a:schemeClr val="tx1">
-                <a:lumMod val="75000"/>
-                <a:lumOff val="25000"/>
-              </a:schemeClr>
-            </a:solidFill>
-            <a:ln>
-              <a:noFill/>
-            </a:ln>
-          </p:spPr>
-        </p:sp>
-      </p:grpSp>
-      <p:sp useBgFill="1">
-        <p:nvSpPr>
-          <p:cNvPr id="79" name="Rectangle 78">
-            <a:extLst>
-              <a:ext uri="{FF2B5EF4-FFF2-40B4-BE49-F238E27FC236}">
-                <a16:creationId xmlns:a16="http://schemas.microsoft.com/office/drawing/2014/main" id="{984EBD3F-67EF-44C7-B884-6983D06E0E89}"/>
-              </a:ext>
-              <a:ext uri="{C183D7F6-B498-43B3-948B-1728B52AA6E4}">
-                <adec:decorative xmlns:adec="http://schemas.microsoft.com/office/drawing/2017/decorative" val="1"/>
-              </a:ext>
-            </a:extLst>
-          </p:cNvPr>
-          <p:cNvSpPr>
-            <a:spLocks noGrp="1" noRot="1" noChangeAspect="1" noMove="1" noResize="1" noEditPoints="1" noAdjustHandles="1" noChangeArrowheads="1" noChangeShapeType="1" noTextEdit="1"/>
-          </p:cNvSpPr>
-          <p:nvPr>
-            <p:extLst>
-              <p:ext uri="{386F3935-93C4-4BCD-93E2-E3B085C9AB24}">
-                <p16:designElem xmlns:p16="http://schemas.microsoft.com/office/powerpoint/2015/main" val="1"/>
-              </p:ext>
-            </p:extLst>
-          </p:nvPr>
+          <p:cNvSpPr/>
+          <p:nvPr/>
         </p:nvSpPr>
         <p:spPr>
           <a:xfrm>
-            <a:off x="0" y="0"/>
-            <a:ext cx="12192000" cy="6858000"/>
+            <a:off x="3021197" y="4702785"/>
+            <a:ext cx="871683" cy="374535"/>
           </a:xfrm>
           <a:prstGeom prst="rect">
             <a:avLst/>
           </a:prstGeom>
-          <a:ln>
-            <a:noFill/>
+          <a:noFill/>
+          <a:ln w="38100">
+            <a:solidFill>
+              <a:srgbClr val="7030A0"/>
+            </a:solidFill>
           </a:ln>
         </p:spPr>
         <p:style>
@@ -17386,519 +14900,30 @@
       </p:sp>
       <p:sp>
         <p:nvSpPr>
-          <p:cNvPr id="4" name="Title 3">
+          <p:cNvPr id="29" name="Rectangle 28">
             <a:extLst>
               <a:ext uri="{FF2B5EF4-FFF2-40B4-BE49-F238E27FC236}">
-                <a16:creationId xmlns:a16="http://schemas.microsoft.com/office/drawing/2014/main" id="{6092DD87-23D7-4580-A2D6-FA612F7D91EC}"/>
+                <a16:creationId xmlns:a16="http://schemas.microsoft.com/office/drawing/2014/main" id="{0E42543A-BB7A-415F-BF76-6CA4CF2A3989}"/>
               </a:ext>
             </a:extLst>
           </p:cNvPr>
-          <p:cNvSpPr>
-            <a:spLocks noGrp="1"/>
-          </p:cNvSpPr>
-          <p:nvPr>
-            <p:ph type="title"/>
-          </p:nvPr>
+          <p:cNvSpPr/>
+          <p:nvPr/>
         </p:nvSpPr>
         <p:spPr>
           <a:xfrm>
-            <a:off x="8041742" y="648930"/>
-            <a:ext cx="3461281" cy="3347337"/>
+            <a:off x="7351029" y="5676899"/>
+            <a:ext cx="871683" cy="374535"/>
           </a:xfrm>
-        </p:spPr>
-        <p:txBody>
-          <a:bodyPr vert="horz" lIns="91440" tIns="45720" rIns="91440" bIns="45720" rtlCol="0" anchor="b">
-            <a:normAutofit/>
-          </a:bodyPr>
-          <a:lstStyle/>
-          <a:p>
-            <a:pPr algn="r"/>
-            <a:r>
-              <a:rPr lang="en-US" sz="4800"/>
-              <a:t>Feature Importance</a:t>
-            </a:r>
-          </a:p>
-        </p:txBody>
-      </p:sp>
-      <p:grpSp>
-        <p:nvGrpSpPr>
-          <p:cNvPr id="81" name="Group 80">
-            <a:extLst>
-              <a:ext uri="{FF2B5EF4-FFF2-40B4-BE49-F238E27FC236}">
-                <a16:creationId xmlns:a16="http://schemas.microsoft.com/office/drawing/2014/main" id="{B04EA309-75FB-47C1-A6DE-0641E88285DD}"/>
-              </a:ext>
-              <a:ext uri="{C183D7F6-B498-43B3-948B-1728B52AA6E4}">
-                <adec:decorative xmlns:adec="http://schemas.microsoft.com/office/drawing/2017/decorative" val="1"/>
-              </a:ext>
-            </a:extLst>
-          </p:cNvPr>
-          <p:cNvGrpSpPr>
-            <a:grpSpLocks noGrp="1" noUngrp="1" noRot="1" noChangeAspect="1" noMove="1" noResize="1"/>
-          </p:cNvGrpSpPr>
-          <p:nvPr>
-            <p:extLst>
-              <p:ext uri="{386F3935-93C4-4BCD-93E2-E3B085C9AB24}">
-                <p16:designElem xmlns:p16="http://schemas.microsoft.com/office/powerpoint/2015/main" val="1"/>
-              </p:ext>
-            </p:extLst>
-          </p:nvPr>
-        </p:nvGrpSpPr>
-        <p:grpSpPr>
-          <a:xfrm>
-            <a:off x="886714" y="-4763"/>
-            <a:ext cx="5014912" cy="6862763"/>
-            <a:chOff x="2928938" y="-4763"/>
-            <a:chExt cx="5014912" cy="6862763"/>
-          </a:xfrm>
-        </p:grpSpPr>
-        <p:sp>
-          <p:nvSpPr>
-            <p:cNvPr id="82" name="Freeform 6">
-              <a:extLst>
-                <a:ext uri="{FF2B5EF4-FFF2-40B4-BE49-F238E27FC236}">
-                  <a16:creationId xmlns:a16="http://schemas.microsoft.com/office/drawing/2014/main" id="{46C35B8F-F012-4EB6-9A40-14AC47D52F1D}"/>
-                </a:ext>
-                <a:ext uri="{C183D7F6-B498-43B3-948B-1728B52AA6E4}">
-                  <adec:decorative xmlns:adec="http://schemas.microsoft.com/office/drawing/2017/decorative" val="1"/>
-                </a:ext>
-              </a:extLst>
-            </p:cNvPr>
-            <p:cNvSpPr/>
-            <p:nvPr>
-              <p:extLst>
-                <p:ext uri="{386F3935-93C4-4BCD-93E2-E3B085C9AB24}">
-                  <p16:designElem xmlns:p16="http://schemas.microsoft.com/office/powerpoint/2015/main" val="1"/>
-                </p:ext>
-              </p:extLst>
-            </p:nvPr>
-          </p:nvSpPr>
-          <p:spPr bwMode="auto">
-            <a:xfrm>
-              <a:off x="3367088" y="-4763"/>
-              <a:ext cx="1063625" cy="2782888"/>
-            </a:xfrm>
-            <a:custGeom>
-              <a:avLst/>
-              <a:gdLst/>
-              <a:ahLst/>
-              <a:cxnLst/>
-              <a:rect l="0" t="0" r="r" b="b"/>
-              <a:pathLst>
-                <a:path w="670" h="1753">
-                  <a:moveTo>
-                    <a:pt x="0" y="1696"/>
-                  </a:moveTo>
-                  <a:lnTo>
-                    <a:pt x="225" y="1753"/>
-                  </a:lnTo>
-                  <a:lnTo>
-                    <a:pt x="670" y="0"/>
-                  </a:lnTo>
-                  <a:lnTo>
-                    <a:pt x="430" y="0"/>
-                  </a:lnTo>
-                  <a:lnTo>
-                    <a:pt x="0" y="1696"/>
-                  </a:lnTo>
-                  <a:close/>
-                </a:path>
-              </a:pathLst>
-            </a:custGeom>
+          <a:prstGeom prst="rect">
+            <a:avLst/>
+          </a:prstGeom>
+          <a:noFill/>
+          <a:ln w="38100">
             <a:solidFill>
-              <a:schemeClr val="accent1"/>
+              <a:srgbClr val="7030A0"/>
             </a:solidFill>
-            <a:ln>
-              <a:noFill/>
-            </a:ln>
-          </p:spPr>
-        </p:sp>
-        <p:sp>
-          <p:nvSpPr>
-            <p:cNvPr id="83" name="Freeform 7">
-              <a:extLst>
-                <a:ext uri="{FF2B5EF4-FFF2-40B4-BE49-F238E27FC236}">
-                  <a16:creationId xmlns:a16="http://schemas.microsoft.com/office/drawing/2014/main" id="{86B5E619-B0C5-46FF-83E1-4B39600A8B24}"/>
-                </a:ext>
-                <a:ext uri="{C183D7F6-B498-43B3-948B-1728B52AA6E4}">
-                  <adec:decorative xmlns:adec="http://schemas.microsoft.com/office/drawing/2017/decorative" val="1"/>
-                </a:ext>
-              </a:extLst>
-            </p:cNvPr>
-            <p:cNvSpPr/>
-            <p:nvPr>
-              <p:extLst>
-                <p:ext uri="{386F3935-93C4-4BCD-93E2-E3B085C9AB24}">
-                  <p16:designElem xmlns:p16="http://schemas.microsoft.com/office/powerpoint/2015/main" val="1"/>
-                </p:ext>
-              </p:extLst>
-            </p:nvPr>
-          </p:nvSpPr>
-          <p:spPr bwMode="auto">
-            <a:xfrm>
-              <a:off x="2928938" y="-4763"/>
-              <a:ext cx="1035050" cy="2673350"/>
-            </a:xfrm>
-            <a:custGeom>
-              <a:avLst/>
-              <a:gdLst/>
-              <a:ahLst/>
-              <a:cxnLst/>
-              <a:rect l="0" t="0" r="r" b="b"/>
-              <a:pathLst>
-                <a:path w="652" h="1684">
-                  <a:moveTo>
-                    <a:pt x="225" y="1684"/>
-                  </a:moveTo>
-                  <a:lnTo>
-                    <a:pt x="652" y="0"/>
-                  </a:lnTo>
-                  <a:lnTo>
-                    <a:pt x="411" y="0"/>
-                  </a:lnTo>
-                  <a:lnTo>
-                    <a:pt x="0" y="1627"/>
-                  </a:lnTo>
-                  <a:lnTo>
-                    <a:pt x="219" y="1681"/>
-                  </a:lnTo>
-                  <a:lnTo>
-                    <a:pt x="225" y="1684"/>
-                  </a:lnTo>
-                  <a:close/>
-                </a:path>
-              </a:pathLst>
-            </a:custGeom>
-            <a:solidFill>
-              <a:schemeClr val="tx1">
-                <a:lumMod val="65000"/>
-                <a:lumOff val="35000"/>
-              </a:schemeClr>
-            </a:solidFill>
-            <a:ln>
-              <a:noFill/>
-            </a:ln>
-          </p:spPr>
-        </p:sp>
-        <p:sp>
-          <p:nvSpPr>
-            <p:cNvPr id="84" name="Freeform 25">
-              <a:extLst>
-                <a:ext uri="{FF2B5EF4-FFF2-40B4-BE49-F238E27FC236}">
-                  <a16:creationId xmlns:a16="http://schemas.microsoft.com/office/drawing/2014/main" id="{8FED7728-C4A5-4FEC-8B1F-B1847A9AB93C}"/>
-                </a:ext>
-                <a:ext uri="{C183D7F6-B498-43B3-948B-1728B52AA6E4}">
-                  <adec:decorative xmlns:adec="http://schemas.microsoft.com/office/drawing/2017/decorative" val="1"/>
-                </a:ext>
-              </a:extLst>
-            </p:cNvPr>
-            <p:cNvSpPr/>
-            <p:nvPr>
-              <p:extLst>
-                <p:ext uri="{386F3935-93C4-4BCD-93E2-E3B085C9AB24}">
-                  <p16:designElem xmlns:p16="http://schemas.microsoft.com/office/powerpoint/2015/main" val="1"/>
-                </p:ext>
-              </p:extLst>
-            </p:nvPr>
-          </p:nvSpPr>
-          <p:spPr bwMode="auto">
-            <a:xfrm>
-              <a:off x="2928938" y="2582862"/>
-              <a:ext cx="2693987" cy="4275138"/>
-            </a:xfrm>
-            <a:custGeom>
-              <a:avLst/>
-              <a:gdLst/>
-              <a:ahLst/>
-              <a:cxnLst/>
-              <a:rect l="0" t="0" r="r" b="b"/>
-              <a:pathLst>
-                <a:path w="1697" h="2693">
-                  <a:moveTo>
-                    <a:pt x="0" y="0"/>
-                  </a:moveTo>
-                  <a:lnTo>
-                    <a:pt x="1622" y="2693"/>
-                  </a:lnTo>
-                  <a:lnTo>
-                    <a:pt x="1697" y="2693"/>
-                  </a:lnTo>
-                  <a:lnTo>
-                    <a:pt x="0" y="0"/>
-                  </a:lnTo>
-                  <a:close/>
-                </a:path>
-              </a:pathLst>
-            </a:custGeom>
-            <a:solidFill>
-              <a:schemeClr val="tx1">
-                <a:lumMod val="85000"/>
-                <a:lumOff val="15000"/>
-              </a:schemeClr>
-            </a:solidFill>
-            <a:ln>
-              <a:noFill/>
-            </a:ln>
-          </p:spPr>
-        </p:sp>
-        <p:sp>
-          <p:nvSpPr>
-            <p:cNvPr id="85" name="Freeform 26">
-              <a:extLst>
-                <a:ext uri="{FF2B5EF4-FFF2-40B4-BE49-F238E27FC236}">
-                  <a16:creationId xmlns:a16="http://schemas.microsoft.com/office/drawing/2014/main" id="{3B9EAFCC-013A-4E5C-8D5D-DE083A1BD1DD}"/>
-                </a:ext>
-                <a:ext uri="{C183D7F6-B498-43B3-948B-1728B52AA6E4}">
-                  <adec:decorative xmlns:adec="http://schemas.microsoft.com/office/drawing/2017/decorative" val="1"/>
-                </a:ext>
-              </a:extLst>
-            </p:cNvPr>
-            <p:cNvSpPr/>
-            <p:nvPr>
-              <p:extLst>
-                <p:ext uri="{386F3935-93C4-4BCD-93E2-E3B085C9AB24}">
-                  <p16:designElem xmlns:p16="http://schemas.microsoft.com/office/powerpoint/2015/main" val="1"/>
-                </p:ext>
-              </p:extLst>
-            </p:nvPr>
-          </p:nvSpPr>
-          <p:spPr bwMode="auto">
-            <a:xfrm>
-              <a:off x="3371850" y="2692400"/>
-              <a:ext cx="3332162" cy="4165600"/>
-            </a:xfrm>
-            <a:custGeom>
-              <a:avLst/>
-              <a:gdLst/>
-              <a:ahLst/>
-              <a:cxnLst/>
-              <a:rect l="0" t="0" r="r" b="b"/>
-              <a:pathLst>
-                <a:path w="2099" h="2624">
-                  <a:moveTo>
-                    <a:pt x="2099" y="2624"/>
-                  </a:moveTo>
-                  <a:lnTo>
-                    <a:pt x="0" y="0"/>
-                  </a:lnTo>
-                  <a:lnTo>
-                    <a:pt x="2021" y="2624"/>
-                  </a:lnTo>
-                  <a:lnTo>
-                    <a:pt x="2099" y="2624"/>
-                  </a:lnTo>
-                  <a:close/>
-                </a:path>
-              </a:pathLst>
-            </a:custGeom>
-            <a:solidFill>
-              <a:schemeClr val="accent1">
-                <a:lumMod val="50000"/>
-              </a:schemeClr>
-            </a:solidFill>
-            <a:ln>
-              <a:noFill/>
-            </a:ln>
-          </p:spPr>
-        </p:sp>
-        <p:sp>
-          <p:nvSpPr>
-            <p:cNvPr id="86" name="Freeform 27">
-              <a:extLst>
-                <a:ext uri="{FF2B5EF4-FFF2-40B4-BE49-F238E27FC236}">
-                  <a16:creationId xmlns:a16="http://schemas.microsoft.com/office/drawing/2014/main" id="{B902B53C-309D-40B8-AAEC-7A08AEB09BD9}"/>
-                </a:ext>
-                <a:ext uri="{C183D7F6-B498-43B3-948B-1728B52AA6E4}">
-                  <adec:decorative xmlns:adec="http://schemas.microsoft.com/office/drawing/2017/decorative" val="1"/>
-                </a:ext>
-              </a:extLst>
-            </p:cNvPr>
-            <p:cNvSpPr/>
-            <p:nvPr>
-              <p:extLst>
-                <p:ext uri="{386F3935-93C4-4BCD-93E2-E3B085C9AB24}">
-                  <p16:designElem xmlns:p16="http://schemas.microsoft.com/office/powerpoint/2015/main" val="1"/>
-                </p:ext>
-              </p:extLst>
-            </p:nvPr>
-          </p:nvSpPr>
-          <p:spPr bwMode="auto">
-            <a:xfrm>
-              <a:off x="3367088" y="2687637"/>
-              <a:ext cx="4576762" cy="4170363"/>
-            </a:xfrm>
-            <a:custGeom>
-              <a:avLst/>
-              <a:gdLst/>
-              <a:ahLst/>
-              <a:cxnLst/>
-              <a:rect l="0" t="0" r="r" b="b"/>
-              <a:pathLst>
-                <a:path w="2883" h="2627">
-                  <a:moveTo>
-                    <a:pt x="0" y="0"/>
-                  </a:moveTo>
-                  <a:lnTo>
-                    <a:pt x="3" y="3"/>
-                  </a:lnTo>
-                  <a:lnTo>
-                    <a:pt x="2102" y="2627"/>
-                  </a:lnTo>
-                  <a:lnTo>
-                    <a:pt x="2883" y="2627"/>
-                  </a:lnTo>
-                  <a:lnTo>
-                    <a:pt x="225" y="57"/>
-                  </a:lnTo>
-                  <a:lnTo>
-                    <a:pt x="0" y="0"/>
-                  </a:lnTo>
-                  <a:close/>
-                </a:path>
-              </a:pathLst>
-            </a:custGeom>
-            <a:solidFill>
-              <a:schemeClr val="accent1">
-                <a:lumMod val="75000"/>
-              </a:schemeClr>
-            </a:solidFill>
-            <a:ln>
-              <a:noFill/>
-            </a:ln>
-          </p:spPr>
-        </p:sp>
-        <p:sp>
-          <p:nvSpPr>
-            <p:cNvPr id="87" name="Freeform 28">
-              <a:extLst>
-                <a:ext uri="{FF2B5EF4-FFF2-40B4-BE49-F238E27FC236}">
-                  <a16:creationId xmlns:a16="http://schemas.microsoft.com/office/drawing/2014/main" id="{AAA81E4B-E270-4490-BDD4-668078C7D740}"/>
-                </a:ext>
-                <a:ext uri="{C183D7F6-B498-43B3-948B-1728B52AA6E4}">
-                  <adec:decorative xmlns:adec="http://schemas.microsoft.com/office/drawing/2017/decorative" val="1"/>
-                </a:ext>
-              </a:extLst>
-            </p:cNvPr>
-            <p:cNvSpPr/>
-            <p:nvPr>
-              <p:extLst>
-                <p:ext uri="{386F3935-93C4-4BCD-93E2-E3B085C9AB24}">
-                  <p16:designElem xmlns:p16="http://schemas.microsoft.com/office/powerpoint/2015/main" val="1"/>
-                </p:ext>
-              </p:extLst>
-            </p:nvPr>
-          </p:nvSpPr>
-          <p:spPr bwMode="auto">
-            <a:xfrm>
-              <a:off x="2928938" y="2578100"/>
-              <a:ext cx="3584575" cy="4279900"/>
-            </a:xfrm>
-            <a:custGeom>
-              <a:avLst/>
-              <a:gdLst/>
-              <a:ahLst/>
-              <a:cxnLst/>
-              <a:rect l="0" t="0" r="r" b="b"/>
-              <a:pathLst>
-                <a:path w="2258" h="2696">
-                  <a:moveTo>
-                    <a:pt x="2258" y="2696"/>
-                  </a:moveTo>
-                  <a:lnTo>
-                    <a:pt x="264" y="111"/>
-                  </a:lnTo>
-                  <a:lnTo>
-                    <a:pt x="228" y="60"/>
-                  </a:lnTo>
-                  <a:lnTo>
-                    <a:pt x="225" y="57"/>
-                  </a:lnTo>
-                  <a:lnTo>
-                    <a:pt x="0" y="0"/>
-                  </a:lnTo>
-                  <a:lnTo>
-                    <a:pt x="0" y="3"/>
-                  </a:lnTo>
-                  <a:lnTo>
-                    <a:pt x="1697" y="2696"/>
-                  </a:lnTo>
-                  <a:lnTo>
-                    <a:pt x="2258" y="2696"/>
-                  </a:lnTo>
-                  <a:close/>
-                </a:path>
-              </a:pathLst>
-            </a:custGeom>
-            <a:solidFill>
-              <a:schemeClr val="tx1">
-                <a:lumMod val="75000"/>
-                <a:lumOff val="25000"/>
-              </a:schemeClr>
-            </a:solidFill>
-            <a:ln>
-              <a:noFill/>
-            </a:ln>
-          </p:spPr>
-        </p:sp>
-      </p:grpSp>
-      <p:sp>
-        <p:nvSpPr>
-          <p:cNvPr id="89" name="Rounded Rectangle 16">
-            <a:extLst>
-              <a:ext uri="{FF2B5EF4-FFF2-40B4-BE49-F238E27FC236}">
-                <a16:creationId xmlns:a16="http://schemas.microsoft.com/office/drawing/2014/main" id="{B498D191-2892-49ED-9A61-B92F9F21870E}"/>
-              </a:ext>
-              <a:ext uri="{C183D7F6-B498-43B3-948B-1728B52AA6E4}">
-                <adec:decorative xmlns:adec="http://schemas.microsoft.com/office/drawing/2017/decorative" val="1"/>
-              </a:ext>
-            </a:extLst>
-          </p:cNvPr>
-          <p:cNvSpPr>
-            <a:spLocks noGrp="1" noRot="1" noChangeAspect="1" noMove="1" noResize="1" noEditPoints="1" noAdjustHandles="1" noChangeArrowheads="1" noChangeShapeType="1" noTextEdit="1"/>
-          </p:cNvSpPr>
-          <p:nvPr>
-            <p:extLst>
-              <p:ext uri="{386F3935-93C4-4BCD-93E2-E3B085C9AB24}">
-                <p16:designElem xmlns:p16="http://schemas.microsoft.com/office/powerpoint/2015/main" val="1"/>
-              </p:ext>
-            </p:extLst>
-          </p:nvPr>
-        </p:nvSpPr>
-        <p:spPr>
-          <a:xfrm>
-            <a:off x="656693" y="648931"/>
-            <a:ext cx="6854433" cy="5231964"/>
-          </a:xfrm>
-          <a:prstGeom prst="roundRect">
-            <a:avLst>
-              <a:gd name="adj" fmla="val 4834"/>
-            </a:avLst>
-          </a:prstGeom>
-          <a:solidFill>
-            <a:schemeClr val="bg1"/>
-          </a:solidFill>
-          <a:ln w="38100">
-            <a:gradFill flip="none" rotWithShape="1">
-              <a:gsLst>
-                <a:gs pos="0">
-                  <a:schemeClr val="bg2"/>
-                </a:gs>
-                <a:gs pos="100000">
-                  <a:schemeClr val="bg2">
-                    <a:lumMod val="75000"/>
-                  </a:schemeClr>
-                </a:gs>
-              </a:gsLst>
-              <a:lin ang="5400000" scaled="0"/>
-              <a:tileRect/>
-            </a:gradFill>
           </a:ln>
-          <a:effectLst>
-            <a:innerShdw blurRad="57150" dist="38100" dir="14460000">
-              <a:srgbClr val="000000">
-                <a:alpha val="70000"/>
-              </a:srgbClr>
-            </a:innerShdw>
-          </a:effectLst>
         </p:spPr>
         <p:style>
           <a:lnRef idx="2">
@@ -17925,12 +14950,618 @@
           </a:p>
         </p:txBody>
       </p:sp>
+    </p:spTree>
+    <p:extLst>
+      <p:ext uri="{BB962C8B-B14F-4D97-AF65-F5344CB8AC3E}">
+        <p14:creationId xmlns:p14="http://schemas.microsoft.com/office/powerpoint/2010/main" val="2832864886"/>
+      </p:ext>
+    </p:extLst>
+  </p:cSld>
+  <p:clrMapOvr>
+    <a:masterClrMapping/>
+  </p:clrMapOvr>
+  <p:timing>
+    <p:tnLst>
+      <p:par>
+        <p:cTn id="1" dur="indefinite" restart="never" nodeType="tmRoot">
+          <p:childTnLst>
+            <p:seq concurrent="1" nextAc="seek">
+              <p:cTn id="2" dur="indefinite" nodeType="mainSeq">
+                <p:childTnLst>
+                  <p:par>
+                    <p:cTn id="3" fill="hold">
+                      <p:stCondLst>
+                        <p:cond delay="indefinite"/>
+                      </p:stCondLst>
+                      <p:childTnLst>
+                        <p:par>
+                          <p:cTn id="4" fill="hold">
+                            <p:stCondLst>
+                              <p:cond delay="0"/>
+                            </p:stCondLst>
+                            <p:childTnLst>
+                              <p:par>
+                                <p:cTn id="5" presetID="1" presetClass="entr" presetSubtype="0" fill="hold" grpId="0" nodeType="clickEffect">
+                                  <p:stCondLst>
+                                    <p:cond delay="0"/>
+                                  </p:stCondLst>
+                                  <p:childTnLst>
+                                    <p:set>
+                                      <p:cBhvr>
+                                        <p:cTn id="6" dur="1" fill="hold">
+                                          <p:stCondLst>
+                                            <p:cond delay="0"/>
+                                          </p:stCondLst>
+                                        </p:cTn>
+                                        <p:tgtEl>
+                                          <p:spTgt spid="4"/>
+                                        </p:tgtEl>
+                                        <p:attrNameLst>
+                                          <p:attrName>style.visibility</p:attrName>
+                                        </p:attrNameLst>
+                                      </p:cBhvr>
+                                      <p:to>
+                                        <p:strVal val="visible"/>
+                                      </p:to>
+                                    </p:set>
+                                  </p:childTnLst>
+                                </p:cTn>
+                              </p:par>
+                              <p:par>
+                                <p:cTn id="7" presetID="1" presetClass="entr" presetSubtype="0" fill="hold" grpId="0" nodeType="withEffect">
+                                  <p:stCondLst>
+                                    <p:cond delay="0"/>
+                                  </p:stCondLst>
+                                  <p:childTnLst>
+                                    <p:set>
+                                      <p:cBhvr>
+                                        <p:cTn id="8" dur="1" fill="hold">
+                                          <p:stCondLst>
+                                            <p:cond delay="0"/>
+                                          </p:stCondLst>
+                                        </p:cTn>
+                                        <p:tgtEl>
+                                          <p:spTgt spid="24"/>
+                                        </p:tgtEl>
+                                        <p:attrNameLst>
+                                          <p:attrName>style.visibility</p:attrName>
+                                        </p:attrNameLst>
+                                      </p:cBhvr>
+                                      <p:to>
+                                        <p:strVal val="visible"/>
+                                      </p:to>
+                                    </p:set>
+                                  </p:childTnLst>
+                                </p:cTn>
+                              </p:par>
+                              <p:par>
+                                <p:cTn id="9" presetID="1" presetClass="entr" presetSubtype="0" fill="hold" grpId="0" nodeType="withEffect">
+                                  <p:stCondLst>
+                                    <p:cond delay="0"/>
+                                  </p:stCondLst>
+                                  <p:childTnLst>
+                                    <p:set>
+                                      <p:cBhvr>
+                                        <p:cTn id="10" dur="1" fill="hold">
+                                          <p:stCondLst>
+                                            <p:cond delay="0"/>
+                                          </p:stCondLst>
+                                        </p:cTn>
+                                        <p:tgtEl>
+                                          <p:spTgt spid="27"/>
+                                        </p:tgtEl>
+                                        <p:attrNameLst>
+                                          <p:attrName>style.visibility</p:attrName>
+                                        </p:attrNameLst>
+                                      </p:cBhvr>
+                                      <p:to>
+                                        <p:strVal val="visible"/>
+                                      </p:to>
+                                    </p:set>
+                                  </p:childTnLst>
+                                </p:cTn>
+                              </p:par>
+                            </p:childTnLst>
+                          </p:cTn>
+                        </p:par>
+                      </p:childTnLst>
+                    </p:cTn>
+                  </p:par>
+                  <p:par>
+                    <p:cTn id="11" fill="hold">
+                      <p:stCondLst>
+                        <p:cond delay="indefinite"/>
+                      </p:stCondLst>
+                      <p:childTnLst>
+                        <p:par>
+                          <p:cTn id="12" fill="hold">
+                            <p:stCondLst>
+                              <p:cond delay="0"/>
+                            </p:stCondLst>
+                            <p:childTnLst>
+                              <p:par>
+                                <p:cTn id="13" presetID="1" presetClass="exit" presetSubtype="0" fill="hold" grpId="1" nodeType="clickEffect">
+                                  <p:stCondLst>
+                                    <p:cond delay="0"/>
+                                  </p:stCondLst>
+                                  <p:childTnLst>
+                                    <p:set>
+                                      <p:cBhvr>
+                                        <p:cTn id="14" dur="1" fill="hold">
+                                          <p:stCondLst>
+                                            <p:cond delay="0"/>
+                                          </p:stCondLst>
+                                        </p:cTn>
+                                        <p:tgtEl>
+                                          <p:spTgt spid="4"/>
+                                        </p:tgtEl>
+                                        <p:attrNameLst>
+                                          <p:attrName>style.visibility</p:attrName>
+                                        </p:attrNameLst>
+                                      </p:cBhvr>
+                                      <p:to>
+                                        <p:strVal val="hidden"/>
+                                      </p:to>
+                                    </p:set>
+                                  </p:childTnLst>
+                                </p:cTn>
+                              </p:par>
+                              <p:par>
+                                <p:cTn id="15" presetID="1" presetClass="exit" presetSubtype="0" fill="hold" grpId="1" nodeType="withEffect">
+                                  <p:stCondLst>
+                                    <p:cond delay="0"/>
+                                  </p:stCondLst>
+                                  <p:childTnLst>
+                                    <p:set>
+                                      <p:cBhvr>
+                                        <p:cTn id="16" dur="1" fill="hold">
+                                          <p:stCondLst>
+                                            <p:cond delay="0"/>
+                                          </p:stCondLst>
+                                        </p:cTn>
+                                        <p:tgtEl>
+                                          <p:spTgt spid="24"/>
+                                        </p:tgtEl>
+                                        <p:attrNameLst>
+                                          <p:attrName>style.visibility</p:attrName>
+                                        </p:attrNameLst>
+                                      </p:cBhvr>
+                                      <p:to>
+                                        <p:strVal val="hidden"/>
+                                      </p:to>
+                                    </p:set>
+                                  </p:childTnLst>
+                                </p:cTn>
+                              </p:par>
+                              <p:par>
+                                <p:cTn id="17" presetID="1" presetClass="exit" presetSubtype="0" fill="hold" grpId="1" nodeType="withEffect">
+                                  <p:stCondLst>
+                                    <p:cond delay="0"/>
+                                  </p:stCondLst>
+                                  <p:childTnLst>
+                                    <p:set>
+                                      <p:cBhvr>
+                                        <p:cTn id="18" dur="1" fill="hold">
+                                          <p:stCondLst>
+                                            <p:cond delay="0"/>
+                                          </p:stCondLst>
+                                        </p:cTn>
+                                        <p:tgtEl>
+                                          <p:spTgt spid="27"/>
+                                        </p:tgtEl>
+                                        <p:attrNameLst>
+                                          <p:attrName>style.visibility</p:attrName>
+                                        </p:attrNameLst>
+                                      </p:cBhvr>
+                                      <p:to>
+                                        <p:strVal val="hidden"/>
+                                      </p:to>
+                                    </p:set>
+                                  </p:childTnLst>
+                                </p:cTn>
+                              </p:par>
+                            </p:childTnLst>
+                          </p:cTn>
+                        </p:par>
+                      </p:childTnLst>
+                    </p:cTn>
+                  </p:par>
+                  <p:par>
+                    <p:cTn id="19" fill="hold">
+                      <p:stCondLst>
+                        <p:cond delay="indefinite"/>
+                      </p:stCondLst>
+                      <p:childTnLst>
+                        <p:par>
+                          <p:cTn id="20" fill="hold">
+                            <p:stCondLst>
+                              <p:cond delay="0"/>
+                            </p:stCondLst>
+                            <p:childTnLst>
+                              <p:par>
+                                <p:cTn id="21" presetID="1" presetClass="entr" presetSubtype="0" fill="hold" grpId="0" nodeType="clickEffect">
+                                  <p:stCondLst>
+                                    <p:cond delay="0"/>
+                                  </p:stCondLst>
+                                  <p:childTnLst>
+                                    <p:set>
+                                      <p:cBhvr>
+                                        <p:cTn id="22" dur="1" fill="hold">
+                                          <p:stCondLst>
+                                            <p:cond delay="0"/>
+                                          </p:stCondLst>
+                                        </p:cTn>
+                                        <p:tgtEl>
+                                          <p:spTgt spid="25"/>
+                                        </p:tgtEl>
+                                        <p:attrNameLst>
+                                          <p:attrName>style.visibility</p:attrName>
+                                        </p:attrNameLst>
+                                      </p:cBhvr>
+                                      <p:to>
+                                        <p:strVal val="visible"/>
+                                      </p:to>
+                                    </p:set>
+                                  </p:childTnLst>
+                                </p:cTn>
+                              </p:par>
+                              <p:par>
+                                <p:cTn id="23" presetID="1" presetClass="entr" presetSubtype="0" fill="hold" grpId="0" nodeType="withEffect">
+                                  <p:stCondLst>
+                                    <p:cond delay="0"/>
+                                  </p:stCondLst>
+                                  <p:childTnLst>
+                                    <p:set>
+                                      <p:cBhvr>
+                                        <p:cTn id="24" dur="1" fill="hold">
+                                          <p:stCondLst>
+                                            <p:cond delay="0"/>
+                                          </p:stCondLst>
+                                        </p:cTn>
+                                        <p:tgtEl>
+                                          <p:spTgt spid="21"/>
+                                        </p:tgtEl>
+                                        <p:attrNameLst>
+                                          <p:attrName>style.visibility</p:attrName>
+                                        </p:attrNameLst>
+                                      </p:cBhvr>
+                                      <p:to>
+                                        <p:strVal val="visible"/>
+                                      </p:to>
+                                    </p:set>
+                                  </p:childTnLst>
+                                </p:cTn>
+                              </p:par>
+                              <p:par>
+                                <p:cTn id="25" presetID="1" presetClass="entr" presetSubtype="0" fill="hold" grpId="0" nodeType="withEffect">
+                                  <p:stCondLst>
+                                    <p:cond delay="0"/>
+                                  </p:stCondLst>
+                                  <p:childTnLst>
+                                    <p:set>
+                                      <p:cBhvr>
+                                        <p:cTn id="26" dur="1" fill="hold">
+                                          <p:stCondLst>
+                                            <p:cond delay="0"/>
+                                          </p:stCondLst>
+                                        </p:cTn>
+                                        <p:tgtEl>
+                                          <p:spTgt spid="26"/>
+                                        </p:tgtEl>
+                                        <p:attrNameLst>
+                                          <p:attrName>style.visibility</p:attrName>
+                                        </p:attrNameLst>
+                                      </p:cBhvr>
+                                      <p:to>
+                                        <p:strVal val="visible"/>
+                                      </p:to>
+                                    </p:set>
+                                  </p:childTnLst>
+                                </p:cTn>
+                              </p:par>
+                            </p:childTnLst>
+                          </p:cTn>
+                        </p:par>
+                      </p:childTnLst>
+                    </p:cTn>
+                  </p:par>
+                  <p:par>
+                    <p:cTn id="27" fill="hold">
+                      <p:stCondLst>
+                        <p:cond delay="indefinite"/>
+                      </p:stCondLst>
+                      <p:childTnLst>
+                        <p:par>
+                          <p:cTn id="28" fill="hold">
+                            <p:stCondLst>
+                              <p:cond delay="0"/>
+                            </p:stCondLst>
+                            <p:childTnLst>
+                              <p:par>
+                                <p:cTn id="29" presetID="1" presetClass="exit" presetSubtype="0" fill="hold" grpId="1" nodeType="clickEffect">
+                                  <p:stCondLst>
+                                    <p:cond delay="0"/>
+                                  </p:stCondLst>
+                                  <p:childTnLst>
+                                    <p:set>
+                                      <p:cBhvr>
+                                        <p:cTn id="30" dur="1" fill="hold">
+                                          <p:stCondLst>
+                                            <p:cond delay="0"/>
+                                          </p:stCondLst>
+                                        </p:cTn>
+                                        <p:tgtEl>
+                                          <p:spTgt spid="25"/>
+                                        </p:tgtEl>
+                                        <p:attrNameLst>
+                                          <p:attrName>style.visibility</p:attrName>
+                                        </p:attrNameLst>
+                                      </p:cBhvr>
+                                      <p:to>
+                                        <p:strVal val="hidden"/>
+                                      </p:to>
+                                    </p:set>
+                                  </p:childTnLst>
+                                </p:cTn>
+                              </p:par>
+                              <p:par>
+                                <p:cTn id="31" presetID="1" presetClass="exit" presetSubtype="0" fill="hold" grpId="1" nodeType="withEffect">
+                                  <p:stCondLst>
+                                    <p:cond delay="0"/>
+                                  </p:stCondLst>
+                                  <p:childTnLst>
+                                    <p:set>
+                                      <p:cBhvr>
+                                        <p:cTn id="32" dur="1" fill="hold">
+                                          <p:stCondLst>
+                                            <p:cond delay="0"/>
+                                          </p:stCondLst>
+                                        </p:cTn>
+                                        <p:tgtEl>
+                                          <p:spTgt spid="21"/>
+                                        </p:tgtEl>
+                                        <p:attrNameLst>
+                                          <p:attrName>style.visibility</p:attrName>
+                                        </p:attrNameLst>
+                                      </p:cBhvr>
+                                      <p:to>
+                                        <p:strVal val="hidden"/>
+                                      </p:to>
+                                    </p:set>
+                                  </p:childTnLst>
+                                </p:cTn>
+                              </p:par>
+                              <p:par>
+                                <p:cTn id="33" presetID="1" presetClass="exit" presetSubtype="0" fill="hold" grpId="1" nodeType="withEffect">
+                                  <p:stCondLst>
+                                    <p:cond delay="0"/>
+                                  </p:stCondLst>
+                                  <p:childTnLst>
+                                    <p:set>
+                                      <p:cBhvr>
+                                        <p:cTn id="34" dur="1" fill="hold">
+                                          <p:stCondLst>
+                                            <p:cond delay="0"/>
+                                          </p:stCondLst>
+                                        </p:cTn>
+                                        <p:tgtEl>
+                                          <p:spTgt spid="26"/>
+                                        </p:tgtEl>
+                                        <p:attrNameLst>
+                                          <p:attrName>style.visibility</p:attrName>
+                                        </p:attrNameLst>
+                                      </p:cBhvr>
+                                      <p:to>
+                                        <p:strVal val="hidden"/>
+                                      </p:to>
+                                    </p:set>
+                                  </p:childTnLst>
+                                </p:cTn>
+                              </p:par>
+                            </p:childTnLst>
+                          </p:cTn>
+                        </p:par>
+                      </p:childTnLst>
+                    </p:cTn>
+                  </p:par>
+                  <p:par>
+                    <p:cTn id="35" fill="hold">
+                      <p:stCondLst>
+                        <p:cond delay="indefinite"/>
+                      </p:stCondLst>
+                      <p:childTnLst>
+                        <p:par>
+                          <p:cTn id="36" fill="hold">
+                            <p:stCondLst>
+                              <p:cond delay="0"/>
+                            </p:stCondLst>
+                            <p:childTnLst>
+                              <p:par>
+                                <p:cTn id="37" presetID="1" presetClass="entr" presetSubtype="0" fill="hold" grpId="0" nodeType="clickEffect">
+                                  <p:stCondLst>
+                                    <p:cond delay="0"/>
+                                  </p:stCondLst>
+                                  <p:childTnLst>
+                                    <p:set>
+                                      <p:cBhvr>
+                                        <p:cTn id="38" dur="1" fill="hold">
+                                          <p:stCondLst>
+                                            <p:cond delay="0"/>
+                                          </p:stCondLst>
+                                        </p:cTn>
+                                        <p:tgtEl>
+                                          <p:spTgt spid="29"/>
+                                        </p:tgtEl>
+                                        <p:attrNameLst>
+                                          <p:attrName>style.visibility</p:attrName>
+                                        </p:attrNameLst>
+                                      </p:cBhvr>
+                                      <p:to>
+                                        <p:strVal val="visible"/>
+                                      </p:to>
+                                    </p:set>
+                                  </p:childTnLst>
+                                </p:cTn>
+                              </p:par>
+                              <p:par>
+                                <p:cTn id="39" presetID="1" presetClass="entr" presetSubtype="0" fill="hold" grpId="0" nodeType="withEffect">
+                                  <p:stCondLst>
+                                    <p:cond delay="0"/>
+                                  </p:stCondLst>
+                                  <p:childTnLst>
+                                    <p:set>
+                                      <p:cBhvr>
+                                        <p:cTn id="40" dur="1" fill="hold">
+                                          <p:stCondLst>
+                                            <p:cond delay="0"/>
+                                          </p:stCondLst>
+                                        </p:cTn>
+                                        <p:tgtEl>
+                                          <p:spTgt spid="22"/>
+                                        </p:tgtEl>
+                                        <p:attrNameLst>
+                                          <p:attrName>style.visibility</p:attrName>
+                                        </p:attrNameLst>
+                                      </p:cBhvr>
+                                      <p:to>
+                                        <p:strVal val="visible"/>
+                                      </p:to>
+                                    </p:set>
+                                  </p:childTnLst>
+                                </p:cTn>
+                              </p:par>
+                              <p:par>
+                                <p:cTn id="41" presetID="1" presetClass="entr" presetSubtype="0" fill="hold" grpId="0" nodeType="withEffect">
+                                  <p:stCondLst>
+                                    <p:cond delay="0"/>
+                                  </p:stCondLst>
+                                  <p:childTnLst>
+                                    <p:set>
+                                      <p:cBhvr>
+                                        <p:cTn id="42" dur="1" fill="hold">
+                                          <p:stCondLst>
+                                            <p:cond delay="0"/>
+                                          </p:stCondLst>
+                                        </p:cTn>
+                                        <p:tgtEl>
+                                          <p:spTgt spid="28"/>
+                                        </p:tgtEl>
+                                        <p:attrNameLst>
+                                          <p:attrName>style.visibility</p:attrName>
+                                        </p:attrNameLst>
+                                      </p:cBhvr>
+                                      <p:to>
+                                        <p:strVal val="visible"/>
+                                      </p:to>
+                                    </p:set>
+                                  </p:childTnLst>
+                                </p:cTn>
+                              </p:par>
+                            </p:childTnLst>
+                          </p:cTn>
+                        </p:par>
+                      </p:childTnLst>
+                    </p:cTn>
+                  </p:par>
+                </p:childTnLst>
+              </p:cTn>
+              <p:prevCondLst>
+                <p:cond evt="onPrev" delay="0">
+                  <p:tgtEl>
+                    <p:sldTgt/>
+                  </p:tgtEl>
+                </p:cond>
+              </p:prevCondLst>
+              <p:nextCondLst>
+                <p:cond evt="onNext" delay="0">
+                  <p:tgtEl>
+                    <p:sldTgt/>
+                  </p:tgtEl>
+                </p:cond>
+              </p:nextCondLst>
+            </p:seq>
+          </p:childTnLst>
+        </p:cTn>
+      </p:par>
+    </p:tnLst>
+    <p:bldLst>
+      <p:bldP spid="4" grpId="0" animBg="1"/>
+      <p:bldP spid="4" grpId="1" animBg="1"/>
+      <p:bldP spid="21" grpId="0" animBg="1"/>
+      <p:bldP spid="21" grpId="1" animBg="1"/>
+      <p:bldP spid="22" grpId="0" animBg="1"/>
+      <p:bldP spid="24" grpId="0" animBg="1"/>
+      <p:bldP spid="24" grpId="1" animBg="1"/>
+      <p:bldP spid="25" grpId="0" animBg="1"/>
+      <p:bldP spid="25" grpId="1" animBg="1"/>
+      <p:bldP spid="26" grpId="0" animBg="1"/>
+      <p:bldP spid="26" grpId="1" animBg="1"/>
+      <p:bldP spid="27" grpId="0" animBg="1"/>
+      <p:bldP spid="27" grpId="1" animBg="1"/>
+      <p:bldP spid="28" grpId="0" animBg="1"/>
+      <p:bldP spid="29" grpId="0" animBg="1"/>
+    </p:bldLst>
+  </p:timing>
+</p:sld>
+</file>
+
+<file path=ppt/slides/slide7.xml><?xml version="1.0" encoding="utf-8"?>
+<p:sld xmlns:a="http://schemas.openxmlformats.org/drawingml/2006/main" xmlns:r="http://schemas.openxmlformats.org/officeDocument/2006/relationships" xmlns:p="http://schemas.openxmlformats.org/presentationml/2006/main">
+  <p:cSld>
+    <p:spTree>
+      <p:nvGrpSpPr>
+        <p:cNvPr id="1" name=""/>
+        <p:cNvGrpSpPr/>
+        <p:nvPr/>
+      </p:nvGrpSpPr>
+      <p:grpSpPr>
+        <a:xfrm>
+          <a:off x="0" y="0"/>
+          <a:ext cx="0" cy="0"/>
+          <a:chOff x="0" y="0"/>
+          <a:chExt cx="0" cy="0"/>
+        </a:xfrm>
+      </p:grpSpPr>
+      <p:sp>
+        <p:nvSpPr>
+          <p:cNvPr id="2" name="Title 1">
+            <a:extLst>
+              <a:ext uri="{FF2B5EF4-FFF2-40B4-BE49-F238E27FC236}">
+                <a16:creationId xmlns:a16="http://schemas.microsoft.com/office/drawing/2014/main" id="{4BE0C0BD-001B-4DA6-8BDD-CFA472CE28E8}"/>
+              </a:ext>
+            </a:extLst>
+          </p:cNvPr>
+          <p:cNvSpPr>
+            <a:spLocks noGrp="1"/>
+          </p:cNvSpPr>
+          <p:nvPr>
+            <p:ph type="title"/>
+          </p:nvPr>
+        </p:nvSpPr>
+        <p:spPr>
+          <a:xfrm>
+            <a:off x="1484311" y="-57150"/>
+            <a:ext cx="10018713" cy="1752599"/>
+          </a:xfrm>
+        </p:spPr>
+        <p:txBody>
+          <a:bodyPr/>
+          <a:lstStyle/>
+          <a:p>
+            <a:pPr algn="l"/>
+            <a:r>
+              <a:rPr lang="en-US" dirty="0"/>
+              <a:t>Feature Importance</a:t>
+            </a:r>
+          </a:p>
+        </p:txBody>
+      </p:sp>
       <p:pic>
         <p:nvPicPr>
-          <p:cNvPr id="11266" name="Picture 2">
+          <p:cNvPr id="4" name="Picture 2">
             <a:extLst>
               <a:ext uri="{FF2B5EF4-FFF2-40B4-BE49-F238E27FC236}">
-                <a16:creationId xmlns:a16="http://schemas.microsoft.com/office/drawing/2014/main" id="{792B3540-45D3-4E62-B19B-65F26563D25A}"/>
+                <a16:creationId xmlns:a16="http://schemas.microsoft.com/office/drawing/2014/main" id="{3D0FE27D-FA9C-4817-8F74-83A1466AD550}"/>
               </a:ext>
             </a:extLst>
           </p:cNvPr>
@@ -17940,41 +15571,245 @@
           <p:nvPr/>
         </p:nvPicPr>
         <p:blipFill>
-          <a:blip r:embed="rId3">
+          <a:blip r:embed="rId2">
             <a:extLst>
               <a:ext uri="{28A0092B-C50C-407E-A947-70E740481C1C}">
                 <a14:useLocalDpi xmlns:a14="http://schemas.microsoft.com/office/drawing/2010/main" val="0"/>
               </a:ext>
             </a:extLst>
           </a:blip>
+          <a:srcRect/>
           <a:stretch>
             <a:fillRect/>
           </a:stretch>
         </p:blipFill>
         <p:spPr bwMode="auto">
           <a:xfrm>
-            <a:off x="977550" y="1432039"/>
-            <a:ext cx="6202778" cy="3706159"/>
+            <a:off x="535843" y="1695449"/>
+            <a:ext cx="6828275" cy="4080735"/>
           </a:xfrm>
           <a:prstGeom prst="rect">
             <a:avLst/>
           </a:prstGeom>
-          <a:noFill/>
-          <a:extLst>
-            <a:ext uri="{909E8E84-426E-40DD-AFC4-6F175D3DCCD1}">
-              <a14:hiddenFill xmlns:a14="http://schemas.microsoft.com/office/drawing/2010/main">
-                <a:solidFill>
-                  <a:srgbClr val="FFFFFF"/>
-                </a:solidFill>
-              </a14:hiddenFill>
-            </a:ext>
-          </a:extLst>
+          <a:solidFill>
+            <a:srgbClr val="FFFFFF">
+              <a:shade val="85000"/>
+            </a:srgbClr>
+          </a:solidFill>
+          <a:ln w="88900" cap="sq">
+            <a:solidFill>
+              <a:srgbClr val="FFFFFF"/>
+            </a:solidFill>
+            <a:miter lim="800000"/>
+          </a:ln>
+          <a:effectLst>
+            <a:outerShdw blurRad="55000" dist="18000" dir="5400000" algn="tl" rotWithShape="0">
+              <a:srgbClr val="000000">
+                <a:alpha val="40000"/>
+              </a:srgbClr>
+            </a:outerShdw>
+          </a:effectLst>
+          <a:scene3d>
+            <a:camera prst="orthographicFront"/>
+            <a:lightRig rig="twoPt" dir="t">
+              <a:rot lat="0" lon="0" rev="7200000"/>
+            </a:lightRig>
+          </a:scene3d>
+          <a:sp3d>
+            <a:bevelT w="25400" h="19050"/>
+            <a:contourClr>
+              <a:srgbClr val="FFFFFF"/>
+            </a:contourClr>
+          </a:sp3d>
         </p:spPr>
       </p:pic>
+      <p:grpSp>
+        <p:nvGrpSpPr>
+          <p:cNvPr id="9" name="Group 8">
+            <a:extLst>
+              <a:ext uri="{FF2B5EF4-FFF2-40B4-BE49-F238E27FC236}">
+                <a16:creationId xmlns:a16="http://schemas.microsoft.com/office/drawing/2014/main" id="{E48B1CE4-CB94-44B6-A108-AEE173A2B285}"/>
+              </a:ext>
+            </a:extLst>
+          </p:cNvPr>
+          <p:cNvGrpSpPr/>
+          <p:nvPr/>
+        </p:nvGrpSpPr>
+        <p:grpSpPr>
+          <a:xfrm>
+            <a:off x="7954153" y="693687"/>
+            <a:ext cx="3614159" cy="5470626"/>
+            <a:chOff x="7299045" y="1092520"/>
+            <a:chExt cx="3614159" cy="5470626"/>
+          </a:xfrm>
+        </p:grpSpPr>
+        <p:pic>
+          <p:nvPicPr>
+            <p:cNvPr id="5" name="Picture 2" descr="Image result for soccer pitch">
+              <a:extLst>
+                <a:ext uri="{FF2B5EF4-FFF2-40B4-BE49-F238E27FC236}">
+                  <a16:creationId xmlns:a16="http://schemas.microsoft.com/office/drawing/2014/main" id="{BE7EE1A2-48EC-4C12-BDBE-49CA0D90FE1D}"/>
+                </a:ext>
+              </a:extLst>
+            </p:cNvPr>
+            <p:cNvPicPr>
+              <a:picLocks noChangeAspect="1" noChangeArrowheads="1"/>
+            </p:cNvPicPr>
+            <p:nvPr/>
+          </p:nvPicPr>
+          <p:blipFill>
+            <a:blip r:embed="rId3">
+              <a:extLst>
+                <a:ext uri="{28A0092B-C50C-407E-A947-70E740481C1C}">
+                  <a14:useLocalDpi xmlns:a14="http://schemas.microsoft.com/office/drawing/2010/main" val="0"/>
+                </a:ext>
+              </a:extLst>
+            </a:blip>
+            <a:srcRect/>
+            <a:stretch>
+              <a:fillRect/>
+            </a:stretch>
+          </p:blipFill>
+          <p:spPr bwMode="auto">
+            <a:xfrm>
+              <a:off x="7299045" y="1092520"/>
+              <a:ext cx="3614159" cy="5470626"/>
+            </a:xfrm>
+            <a:prstGeom prst="roundRect">
+              <a:avLst>
+                <a:gd name="adj" fmla="val 8594"/>
+              </a:avLst>
+            </a:prstGeom>
+            <a:solidFill>
+              <a:srgbClr val="FFFFFF">
+                <a:shade val="85000"/>
+              </a:srgbClr>
+            </a:solidFill>
+            <a:ln>
+              <a:noFill/>
+            </a:ln>
+            <a:effectLst>
+              <a:reflection blurRad="12700" stA="38000" endPos="28000" dist="5000" dir="5400000" sy="-100000" algn="bl" rotWithShape="0"/>
+            </a:effectLst>
+          </p:spPr>
+        </p:pic>
+        <p:sp>
+          <p:nvSpPr>
+            <p:cNvPr id="7" name="Rectangle 6">
+              <a:extLst>
+                <a:ext uri="{FF2B5EF4-FFF2-40B4-BE49-F238E27FC236}">
+                  <a16:creationId xmlns:a16="http://schemas.microsoft.com/office/drawing/2014/main" id="{DC6994C3-8972-41D7-B99A-6A88EED36ED3}"/>
+                </a:ext>
+              </a:extLst>
+            </p:cNvPr>
+            <p:cNvSpPr/>
+            <p:nvPr/>
+          </p:nvSpPr>
+          <p:spPr>
+            <a:xfrm>
+              <a:off x="8129735" y="5590309"/>
+              <a:ext cx="1963443" cy="800966"/>
+            </a:xfrm>
+            <a:prstGeom prst="rect">
+              <a:avLst/>
+            </a:prstGeom>
+            <a:solidFill>
+              <a:srgbClr val="FF0000">
+                <a:alpha val="41000"/>
+              </a:srgbClr>
+            </a:solidFill>
+            <a:ln w="28575">
+              <a:solidFill>
+                <a:srgbClr val="FF0000"/>
+              </a:solidFill>
+            </a:ln>
+          </p:spPr>
+          <p:style>
+            <a:lnRef idx="2">
+              <a:schemeClr val="accent1">
+                <a:shade val="50000"/>
+              </a:schemeClr>
+            </a:lnRef>
+            <a:fillRef idx="1">
+              <a:schemeClr val="accent1"/>
+            </a:fillRef>
+            <a:effectRef idx="0">
+              <a:schemeClr val="accent1"/>
+            </a:effectRef>
+            <a:fontRef idx="minor">
+              <a:schemeClr val="lt1"/>
+            </a:fontRef>
+          </p:style>
+          <p:txBody>
+            <a:bodyPr rtlCol="0" anchor="ctr"/>
+            <a:lstStyle/>
+            <a:p>
+              <a:pPr algn="ctr"/>
+              <a:endParaRPr lang="en-US"/>
+            </a:p>
+          </p:txBody>
+        </p:sp>
+        <p:sp>
+          <p:nvSpPr>
+            <p:cNvPr id="8" name="Rectangle 7">
+              <a:extLst>
+                <a:ext uri="{FF2B5EF4-FFF2-40B4-BE49-F238E27FC236}">
+                  <a16:creationId xmlns:a16="http://schemas.microsoft.com/office/drawing/2014/main" id="{F61AB7DD-5F2A-4C29-A58A-CE23191CDF79}"/>
+                </a:ext>
+              </a:extLst>
+            </p:cNvPr>
+            <p:cNvSpPr/>
+            <p:nvPr/>
+          </p:nvSpPr>
+          <p:spPr>
+            <a:xfrm>
+              <a:off x="8129735" y="1281324"/>
+              <a:ext cx="1963443" cy="800966"/>
+            </a:xfrm>
+            <a:prstGeom prst="rect">
+              <a:avLst/>
+            </a:prstGeom>
+            <a:solidFill>
+              <a:srgbClr val="FF0000">
+                <a:alpha val="41000"/>
+              </a:srgbClr>
+            </a:solidFill>
+            <a:ln w="28575">
+              <a:solidFill>
+                <a:srgbClr val="FF0000"/>
+              </a:solidFill>
+            </a:ln>
+          </p:spPr>
+          <p:style>
+            <a:lnRef idx="2">
+              <a:schemeClr val="accent1">
+                <a:shade val="50000"/>
+              </a:schemeClr>
+            </a:lnRef>
+            <a:fillRef idx="1">
+              <a:schemeClr val="accent1"/>
+            </a:fillRef>
+            <a:effectRef idx="0">
+              <a:schemeClr val="accent1"/>
+            </a:effectRef>
+            <a:fontRef idx="minor">
+              <a:schemeClr val="lt1"/>
+            </a:fontRef>
+          </p:style>
+          <p:txBody>
+            <a:bodyPr rtlCol="0" anchor="ctr"/>
+            <a:lstStyle/>
+            <a:p>
+              <a:pPr algn="ctr"/>
+              <a:endParaRPr lang="en-US"/>
+            </a:p>
+          </p:txBody>
+        </p:sp>
+      </p:grpSp>
     </p:spTree>
     <p:extLst>
       <p:ext uri="{BB962C8B-B14F-4D97-AF65-F5344CB8AC3E}">
-        <p14:creationId xmlns:p14="http://schemas.microsoft.com/office/powerpoint/2010/main" val="980228207"/>
+        <p14:creationId xmlns:p14="http://schemas.microsoft.com/office/powerpoint/2010/main" val="2338454308"/>
       </p:ext>
     </p:extLst>
   </p:cSld>
@@ -17984,7 +15819,7 @@
 </p:sld>
 </file>
 
-<file path=ppt/slides/slide9.xml><?xml version="1.0" encoding="utf-8"?>
+<file path=ppt/slides/slide8.xml><?xml version="1.0" encoding="utf-8"?>
 <p:sld xmlns:a="http://schemas.openxmlformats.org/drawingml/2006/main" xmlns:r="http://schemas.openxmlformats.org/officeDocument/2006/relationships" xmlns:p="http://schemas.openxmlformats.org/presentationml/2006/main">
   <p:cSld>
     <p:bg>
@@ -18658,15 +16493,6 @@
           <a:effectLst>
             <a:reflection blurRad="12700" stA="38000" endPos="28000" dist="5000" dir="5400000" sy="-100000" algn="bl" rotWithShape="0"/>
           </a:effectLst>
-          <a:extLst>
-            <a:ext uri="{909E8E84-426E-40DD-AFC4-6F175D3DCCD1}">
-              <a14:hiddenFill xmlns:a14="http://schemas.microsoft.com/office/drawing/2010/main">
-                <a:solidFill>
-                  <a:srgbClr val="FFFFFF"/>
-                </a:solidFill>
-              </a14:hiddenFill>
-            </a:ext>
-          </a:extLst>
         </p:spPr>
       </p:pic>
       <p:sp>
@@ -18829,6 +16655,743 @@
     <p:extLst>
       <p:ext uri="{BB962C8B-B14F-4D97-AF65-F5344CB8AC3E}">
         <p14:creationId xmlns:p14="http://schemas.microsoft.com/office/powerpoint/2010/main" val="1841151346"/>
+      </p:ext>
+    </p:extLst>
+  </p:cSld>
+  <p:clrMapOvr>
+    <a:overrideClrMapping bg1="dk1" tx1="lt1" bg2="dk2" tx2="lt2" accent1="accent1" accent2="accent2" accent3="accent3" accent4="accent4" accent5="accent5" accent6="accent6" hlink="hlink" folHlink="folHlink"/>
+  </p:clrMapOvr>
+</p:sld>
+</file>
+
+<file path=ppt/slides/slide9.xml><?xml version="1.0" encoding="utf-8"?>
+<p:sld xmlns:a="http://schemas.openxmlformats.org/drawingml/2006/main" xmlns:r="http://schemas.openxmlformats.org/officeDocument/2006/relationships" xmlns:p="http://schemas.openxmlformats.org/presentationml/2006/main">
+  <p:cSld>
+    <p:bg>
+      <p:bgPr>
+        <a:solidFill>
+          <a:schemeClr val="bg2"/>
+        </a:solidFill>
+        <a:effectLst/>
+      </p:bgPr>
+    </p:bg>
+    <p:spTree>
+      <p:nvGrpSpPr>
+        <p:cNvPr id="1" name=""/>
+        <p:cNvGrpSpPr/>
+        <p:nvPr/>
+      </p:nvGrpSpPr>
+      <p:grpSpPr>
+        <a:xfrm>
+          <a:off x="0" y="0"/>
+          <a:ext cx="0" cy="0"/>
+          <a:chOff x="0" y="0"/>
+          <a:chExt cx="0" cy="0"/>
+        </a:xfrm>
+      </p:grpSpPr>
+      <p:sp>
+        <p:nvSpPr>
+          <p:cNvPr id="8" name="Rectangle 7">
+            <a:extLst>
+              <a:ext uri="{FF2B5EF4-FFF2-40B4-BE49-F238E27FC236}">
+                <a16:creationId xmlns:a16="http://schemas.microsoft.com/office/drawing/2014/main" id="{F659138C-74A1-445B-848C-3608AE871A9F}"/>
+              </a:ext>
+              <a:ext uri="{C183D7F6-B498-43B3-948B-1728B52AA6E4}">
+                <adec:decorative xmlns:adec="http://schemas.microsoft.com/office/drawing/2017/decorative" val="1"/>
+              </a:ext>
+            </a:extLst>
+          </p:cNvPr>
+          <p:cNvSpPr>
+            <a:spLocks noGrp="1" noRot="1" noChangeAspect="1" noMove="1" noResize="1" noEditPoints="1" noAdjustHandles="1" noChangeArrowheads="1" noChangeShapeType="1" noTextEdit="1"/>
+          </p:cNvSpPr>
+          <p:nvPr>
+            <p:extLst>
+              <p:ext uri="{386F3935-93C4-4BCD-93E2-E3B085C9AB24}">
+                <p16:designElem xmlns:p16="http://schemas.microsoft.com/office/powerpoint/2015/main" val="1"/>
+              </p:ext>
+            </p:extLst>
+          </p:nvPr>
+        </p:nvSpPr>
+        <p:spPr>
+          <a:xfrm>
+            <a:off x="0" y="0"/>
+            <a:ext cx="12192000" cy="6858000"/>
+          </a:xfrm>
+          <a:prstGeom prst="rect">
+            <a:avLst/>
+          </a:prstGeom>
+          <a:solidFill>
+            <a:schemeClr val="bg1">
+              <a:lumMod val="75000"/>
+              <a:lumOff val="25000"/>
+            </a:schemeClr>
+          </a:solidFill>
+          <a:ln>
+            <a:noFill/>
+          </a:ln>
+        </p:spPr>
+        <p:style>
+          <a:lnRef idx="2">
+            <a:schemeClr val="accent1">
+              <a:shade val="50000"/>
+            </a:schemeClr>
+          </a:lnRef>
+          <a:fillRef idx="1002">
+            <a:schemeClr val="dk2"/>
+          </a:fillRef>
+          <a:effectRef idx="0">
+            <a:schemeClr val="accent1"/>
+          </a:effectRef>
+          <a:fontRef idx="minor">
+            <a:schemeClr val="lt1"/>
+          </a:fontRef>
+        </p:style>
+        <p:txBody>
+          <a:bodyPr rtlCol="0" anchor="ctr"/>
+          <a:lstStyle/>
+          <a:p>
+            <a:pPr algn="ctr"/>
+            <a:endParaRPr lang="en-US"/>
+          </a:p>
+        </p:txBody>
+      </p:sp>
+      <p:grpSp>
+        <p:nvGrpSpPr>
+          <p:cNvPr id="10" name="Group 9">
+            <a:extLst>
+              <a:ext uri="{FF2B5EF4-FFF2-40B4-BE49-F238E27FC236}">
+                <a16:creationId xmlns:a16="http://schemas.microsoft.com/office/drawing/2014/main" id="{7DFD7409-66D7-4C9C-B528-E79EB64A4D31}"/>
+              </a:ext>
+              <a:ext uri="{C183D7F6-B498-43B3-948B-1728B52AA6E4}">
+                <adec:decorative xmlns:adec="http://schemas.microsoft.com/office/drawing/2017/decorative" val="1"/>
+              </a:ext>
+            </a:extLst>
+          </p:cNvPr>
+          <p:cNvGrpSpPr>
+            <a:grpSpLocks noGrp="1" noUngrp="1" noRot="1" noChangeAspect="1" noMove="1" noResize="1"/>
+          </p:cNvGrpSpPr>
+          <p:nvPr>
+            <p:extLst>
+              <p:ext uri="{386F3935-93C4-4BCD-93E2-E3B085C9AB24}">
+                <p16:designElem xmlns:p16="http://schemas.microsoft.com/office/powerpoint/2015/main" val="1"/>
+              </p:ext>
+            </p:extLst>
+          </p:nvPr>
+        </p:nvGrpSpPr>
+        <p:grpSpPr>
+          <a:xfrm>
+            <a:off x="1087455" y="0"/>
+            <a:ext cx="5014912" cy="6862763"/>
+            <a:chOff x="2928938" y="-4763"/>
+            <a:chExt cx="5014912" cy="6862763"/>
+          </a:xfrm>
+        </p:grpSpPr>
+        <p:sp>
+          <p:nvSpPr>
+            <p:cNvPr id="11" name="Freeform 6">
+              <a:extLst>
+                <a:ext uri="{FF2B5EF4-FFF2-40B4-BE49-F238E27FC236}">
+                  <a16:creationId xmlns:a16="http://schemas.microsoft.com/office/drawing/2014/main" id="{87990EF0-5F6F-4FE3-AA65-8968AF2DF8A8}"/>
+                </a:ext>
+                <a:ext uri="{C183D7F6-B498-43B3-948B-1728B52AA6E4}">
+                  <adec:decorative xmlns:adec="http://schemas.microsoft.com/office/drawing/2017/decorative" val="1"/>
+                </a:ext>
+              </a:extLst>
+            </p:cNvPr>
+            <p:cNvSpPr/>
+            <p:nvPr>
+              <p:extLst>
+                <p:ext uri="{386F3935-93C4-4BCD-93E2-E3B085C9AB24}">
+                  <p16:designElem xmlns:p16="http://schemas.microsoft.com/office/powerpoint/2015/main" val="1"/>
+                </p:ext>
+              </p:extLst>
+            </p:nvPr>
+          </p:nvSpPr>
+          <p:spPr bwMode="auto">
+            <a:xfrm>
+              <a:off x="3367088" y="-4763"/>
+              <a:ext cx="1063625" cy="2782888"/>
+            </a:xfrm>
+            <a:custGeom>
+              <a:avLst/>
+              <a:gdLst/>
+              <a:ahLst/>
+              <a:cxnLst/>
+              <a:rect l="0" t="0" r="r" b="b"/>
+              <a:pathLst>
+                <a:path w="670" h="1753">
+                  <a:moveTo>
+                    <a:pt x="0" y="1696"/>
+                  </a:moveTo>
+                  <a:lnTo>
+                    <a:pt x="225" y="1753"/>
+                  </a:lnTo>
+                  <a:lnTo>
+                    <a:pt x="670" y="0"/>
+                  </a:lnTo>
+                  <a:lnTo>
+                    <a:pt x="430" y="0"/>
+                  </a:lnTo>
+                  <a:lnTo>
+                    <a:pt x="0" y="1696"/>
+                  </a:lnTo>
+                  <a:close/>
+                </a:path>
+              </a:pathLst>
+            </a:custGeom>
+            <a:solidFill>
+              <a:schemeClr val="accent1">
+                <a:lumMod val="75000"/>
+              </a:schemeClr>
+            </a:solidFill>
+            <a:ln>
+              <a:noFill/>
+            </a:ln>
+          </p:spPr>
+        </p:sp>
+        <p:sp>
+          <p:nvSpPr>
+            <p:cNvPr id="12" name="Freeform 7">
+              <a:extLst>
+                <a:ext uri="{FF2B5EF4-FFF2-40B4-BE49-F238E27FC236}">
+                  <a16:creationId xmlns:a16="http://schemas.microsoft.com/office/drawing/2014/main" id="{D78F7598-94C7-46E9-8B2A-CB44A0F25268}"/>
+                </a:ext>
+                <a:ext uri="{C183D7F6-B498-43B3-948B-1728B52AA6E4}">
+                  <adec:decorative xmlns:adec="http://schemas.microsoft.com/office/drawing/2017/decorative" val="1"/>
+                </a:ext>
+              </a:extLst>
+            </p:cNvPr>
+            <p:cNvSpPr/>
+            <p:nvPr>
+              <p:extLst>
+                <p:ext uri="{386F3935-93C4-4BCD-93E2-E3B085C9AB24}">
+                  <p16:designElem xmlns:p16="http://schemas.microsoft.com/office/powerpoint/2015/main" val="1"/>
+                </p:ext>
+              </p:extLst>
+            </p:nvPr>
+          </p:nvSpPr>
+          <p:spPr bwMode="auto">
+            <a:xfrm>
+              <a:off x="2928938" y="-4763"/>
+              <a:ext cx="1035050" cy="2673350"/>
+            </a:xfrm>
+            <a:custGeom>
+              <a:avLst/>
+              <a:gdLst/>
+              <a:ahLst/>
+              <a:cxnLst/>
+              <a:rect l="0" t="0" r="r" b="b"/>
+              <a:pathLst>
+                <a:path w="652" h="1684">
+                  <a:moveTo>
+                    <a:pt x="225" y="1684"/>
+                  </a:moveTo>
+                  <a:lnTo>
+                    <a:pt x="652" y="0"/>
+                  </a:lnTo>
+                  <a:lnTo>
+                    <a:pt x="411" y="0"/>
+                  </a:lnTo>
+                  <a:lnTo>
+                    <a:pt x="0" y="1627"/>
+                  </a:lnTo>
+                  <a:lnTo>
+                    <a:pt x="219" y="1681"/>
+                  </a:lnTo>
+                  <a:lnTo>
+                    <a:pt x="225" y="1684"/>
+                  </a:lnTo>
+                  <a:close/>
+                </a:path>
+              </a:pathLst>
+            </a:custGeom>
+            <a:solidFill>
+              <a:srgbClr val="595959"/>
+            </a:solidFill>
+            <a:ln>
+              <a:noFill/>
+            </a:ln>
+          </p:spPr>
+        </p:sp>
+        <p:sp>
+          <p:nvSpPr>
+            <p:cNvPr id="13" name="Freeform 12">
+              <a:extLst>
+                <a:ext uri="{FF2B5EF4-FFF2-40B4-BE49-F238E27FC236}">
+                  <a16:creationId xmlns:a16="http://schemas.microsoft.com/office/drawing/2014/main" id="{99D2CBB1-072D-4875-B7D7-CADB0ABF30EC}"/>
+                </a:ext>
+                <a:ext uri="{C183D7F6-B498-43B3-948B-1728B52AA6E4}">
+                  <adec:decorative xmlns:adec="http://schemas.microsoft.com/office/drawing/2017/decorative" val="1"/>
+                </a:ext>
+              </a:extLst>
+            </p:cNvPr>
+            <p:cNvSpPr/>
+            <p:nvPr>
+              <p:extLst>
+                <p:ext uri="{386F3935-93C4-4BCD-93E2-E3B085C9AB24}">
+                  <p16:designElem xmlns:p16="http://schemas.microsoft.com/office/powerpoint/2015/main" val="1"/>
+                </p:ext>
+              </p:extLst>
+            </p:nvPr>
+          </p:nvSpPr>
+          <p:spPr bwMode="auto">
+            <a:xfrm>
+              <a:off x="2928938" y="2582862"/>
+              <a:ext cx="2693987" cy="4275138"/>
+            </a:xfrm>
+            <a:custGeom>
+              <a:avLst/>
+              <a:gdLst/>
+              <a:ahLst/>
+              <a:cxnLst/>
+              <a:rect l="0" t="0" r="r" b="b"/>
+              <a:pathLst>
+                <a:path w="1697" h="2693">
+                  <a:moveTo>
+                    <a:pt x="0" y="0"/>
+                  </a:moveTo>
+                  <a:lnTo>
+                    <a:pt x="1622" y="2693"/>
+                  </a:lnTo>
+                  <a:lnTo>
+                    <a:pt x="1697" y="2693"/>
+                  </a:lnTo>
+                  <a:lnTo>
+                    <a:pt x="0" y="0"/>
+                  </a:lnTo>
+                  <a:close/>
+                </a:path>
+              </a:pathLst>
+            </a:custGeom>
+            <a:solidFill>
+              <a:srgbClr val="262626"/>
+            </a:solidFill>
+            <a:ln>
+              <a:noFill/>
+            </a:ln>
+          </p:spPr>
+        </p:sp>
+        <p:sp>
+          <p:nvSpPr>
+            <p:cNvPr id="14" name="Freeform 13">
+              <a:extLst>
+                <a:ext uri="{FF2B5EF4-FFF2-40B4-BE49-F238E27FC236}">
+                  <a16:creationId xmlns:a16="http://schemas.microsoft.com/office/drawing/2014/main" id="{58F600B4-EE22-4BA5-A764-9D80C335C3A6}"/>
+                </a:ext>
+                <a:ext uri="{C183D7F6-B498-43B3-948B-1728B52AA6E4}">
+                  <adec:decorative xmlns:adec="http://schemas.microsoft.com/office/drawing/2017/decorative" val="1"/>
+                </a:ext>
+              </a:extLst>
+            </p:cNvPr>
+            <p:cNvSpPr/>
+            <p:nvPr>
+              <p:extLst>
+                <p:ext uri="{386F3935-93C4-4BCD-93E2-E3B085C9AB24}">
+                  <p16:designElem xmlns:p16="http://schemas.microsoft.com/office/powerpoint/2015/main" val="1"/>
+                </p:ext>
+              </p:extLst>
+            </p:nvPr>
+          </p:nvSpPr>
+          <p:spPr bwMode="auto">
+            <a:xfrm>
+              <a:off x="3371850" y="2692400"/>
+              <a:ext cx="3332162" cy="4165600"/>
+            </a:xfrm>
+            <a:custGeom>
+              <a:avLst/>
+              <a:gdLst/>
+              <a:ahLst/>
+              <a:cxnLst/>
+              <a:rect l="0" t="0" r="r" b="b"/>
+              <a:pathLst>
+                <a:path w="2099" h="2624">
+                  <a:moveTo>
+                    <a:pt x="2099" y="2624"/>
+                  </a:moveTo>
+                  <a:lnTo>
+                    <a:pt x="0" y="0"/>
+                  </a:lnTo>
+                  <a:lnTo>
+                    <a:pt x="2021" y="2624"/>
+                  </a:lnTo>
+                  <a:lnTo>
+                    <a:pt x="2099" y="2624"/>
+                  </a:lnTo>
+                  <a:close/>
+                </a:path>
+              </a:pathLst>
+            </a:custGeom>
+            <a:solidFill>
+              <a:schemeClr val="accent1">
+                <a:lumMod val="50000"/>
+              </a:schemeClr>
+            </a:solidFill>
+            <a:ln>
+              <a:noFill/>
+            </a:ln>
+          </p:spPr>
+        </p:sp>
+        <p:sp>
+          <p:nvSpPr>
+            <p:cNvPr id="15" name="Freeform 14">
+              <a:extLst>
+                <a:ext uri="{FF2B5EF4-FFF2-40B4-BE49-F238E27FC236}">
+                  <a16:creationId xmlns:a16="http://schemas.microsoft.com/office/drawing/2014/main" id="{1E8DAD02-2B30-48A9-ACE0-2E9193091875}"/>
+                </a:ext>
+                <a:ext uri="{C183D7F6-B498-43B3-948B-1728B52AA6E4}">
+                  <adec:decorative xmlns:adec="http://schemas.microsoft.com/office/drawing/2017/decorative" val="1"/>
+                </a:ext>
+              </a:extLst>
+            </p:cNvPr>
+            <p:cNvSpPr/>
+            <p:nvPr>
+              <p:extLst>
+                <p:ext uri="{386F3935-93C4-4BCD-93E2-E3B085C9AB24}">
+                  <p16:designElem xmlns:p16="http://schemas.microsoft.com/office/powerpoint/2015/main" val="1"/>
+                </p:ext>
+              </p:extLst>
+            </p:nvPr>
+          </p:nvSpPr>
+          <p:spPr bwMode="auto">
+            <a:xfrm>
+              <a:off x="3367088" y="2687637"/>
+              <a:ext cx="4576762" cy="4170363"/>
+            </a:xfrm>
+            <a:custGeom>
+              <a:avLst/>
+              <a:gdLst/>
+              <a:ahLst/>
+              <a:cxnLst/>
+              <a:rect l="0" t="0" r="r" b="b"/>
+              <a:pathLst>
+                <a:path w="2883" h="2627">
+                  <a:moveTo>
+                    <a:pt x="0" y="0"/>
+                  </a:moveTo>
+                  <a:lnTo>
+                    <a:pt x="3" y="3"/>
+                  </a:lnTo>
+                  <a:lnTo>
+                    <a:pt x="2102" y="2627"/>
+                  </a:lnTo>
+                  <a:lnTo>
+                    <a:pt x="2883" y="2627"/>
+                  </a:lnTo>
+                  <a:lnTo>
+                    <a:pt x="225" y="57"/>
+                  </a:lnTo>
+                  <a:lnTo>
+                    <a:pt x="0" y="0"/>
+                  </a:lnTo>
+                  <a:close/>
+                </a:path>
+              </a:pathLst>
+            </a:custGeom>
+            <a:solidFill>
+              <a:schemeClr val="accent1">
+                <a:lumMod val="75000"/>
+              </a:schemeClr>
+            </a:solidFill>
+            <a:ln>
+              <a:noFill/>
+            </a:ln>
+          </p:spPr>
+        </p:sp>
+        <p:sp>
+          <p:nvSpPr>
+            <p:cNvPr id="16" name="Freeform 15">
+              <a:extLst>
+                <a:ext uri="{FF2B5EF4-FFF2-40B4-BE49-F238E27FC236}">
+                  <a16:creationId xmlns:a16="http://schemas.microsoft.com/office/drawing/2014/main" id="{F8F76B12-142C-41AF-B239-F414ABCFA261}"/>
+                </a:ext>
+                <a:ext uri="{C183D7F6-B498-43B3-948B-1728B52AA6E4}">
+                  <adec:decorative xmlns:adec="http://schemas.microsoft.com/office/drawing/2017/decorative" val="1"/>
+                </a:ext>
+              </a:extLst>
+            </p:cNvPr>
+            <p:cNvSpPr/>
+            <p:nvPr>
+              <p:extLst>
+                <p:ext uri="{386F3935-93C4-4BCD-93E2-E3B085C9AB24}">
+                  <p16:designElem xmlns:p16="http://schemas.microsoft.com/office/powerpoint/2015/main" val="1"/>
+                </p:ext>
+              </p:extLst>
+            </p:nvPr>
+          </p:nvSpPr>
+          <p:spPr bwMode="auto">
+            <a:xfrm>
+              <a:off x="2928938" y="2578100"/>
+              <a:ext cx="3584575" cy="4279900"/>
+            </a:xfrm>
+            <a:custGeom>
+              <a:avLst/>
+              <a:gdLst/>
+              <a:ahLst/>
+              <a:cxnLst/>
+              <a:rect l="0" t="0" r="r" b="b"/>
+              <a:pathLst>
+                <a:path w="2258" h="2696">
+                  <a:moveTo>
+                    <a:pt x="2258" y="2696"/>
+                  </a:moveTo>
+                  <a:lnTo>
+                    <a:pt x="264" y="111"/>
+                  </a:lnTo>
+                  <a:lnTo>
+                    <a:pt x="228" y="60"/>
+                  </a:lnTo>
+                  <a:lnTo>
+                    <a:pt x="225" y="57"/>
+                  </a:lnTo>
+                  <a:lnTo>
+                    <a:pt x="0" y="0"/>
+                  </a:lnTo>
+                  <a:lnTo>
+                    <a:pt x="0" y="3"/>
+                  </a:lnTo>
+                  <a:lnTo>
+                    <a:pt x="1697" y="2696"/>
+                  </a:lnTo>
+                  <a:lnTo>
+                    <a:pt x="2258" y="2696"/>
+                  </a:lnTo>
+                  <a:close/>
+                </a:path>
+              </a:pathLst>
+            </a:custGeom>
+            <a:solidFill>
+              <a:srgbClr val="404040"/>
+            </a:solidFill>
+            <a:ln>
+              <a:noFill/>
+            </a:ln>
+          </p:spPr>
+        </p:sp>
+      </p:grpSp>
+      <p:sp useBgFill="1">
+        <p:nvSpPr>
+          <p:cNvPr id="18" name="Rectangle 17">
+            <a:extLst>
+              <a:ext uri="{FF2B5EF4-FFF2-40B4-BE49-F238E27FC236}">
+                <a16:creationId xmlns:a16="http://schemas.microsoft.com/office/drawing/2014/main" id="{225F4217-4021-45A0-812B-398F9A7A93F9}"/>
+              </a:ext>
+              <a:ext uri="{C183D7F6-B498-43B3-948B-1728B52AA6E4}">
+                <adec:decorative xmlns:adec="http://schemas.microsoft.com/office/drawing/2017/decorative" val="1"/>
+              </a:ext>
+            </a:extLst>
+          </p:cNvPr>
+          <p:cNvSpPr>
+            <a:spLocks noGrp="1" noRot="1" noChangeAspect="1" noMove="1" noResize="1" noEditPoints="1" noAdjustHandles="1" noChangeArrowheads="1" noChangeShapeType="1" noTextEdit="1"/>
+          </p:cNvSpPr>
+          <p:nvPr>
+            <p:extLst>
+              <p:ext uri="{386F3935-93C4-4BCD-93E2-E3B085C9AB24}">
+                <p16:designElem xmlns:p16="http://schemas.microsoft.com/office/powerpoint/2015/main" val="1"/>
+              </p:ext>
+            </p:extLst>
+          </p:nvPr>
+        </p:nvSpPr>
+        <p:spPr>
+          <a:xfrm>
+            <a:off x="648929" y="667808"/>
+            <a:ext cx="10894142" cy="5580592"/>
+          </a:xfrm>
+          <a:prstGeom prst="rect">
+            <a:avLst/>
+          </a:prstGeom>
+          <a:ln w="3175" cap="sq">
+            <a:solidFill>
+              <a:schemeClr val="bg1">
+                <a:lumMod val="65000"/>
+              </a:schemeClr>
+            </a:solidFill>
+            <a:miter lim="800000"/>
+          </a:ln>
+          <a:effectLst>
+            <a:outerShdw blurRad="63500" algn="ctr" rotWithShape="0">
+              <a:prstClr val="black">
+                <a:alpha val="40000"/>
+              </a:prstClr>
+            </a:outerShdw>
+          </a:effectLst>
+        </p:spPr>
+        <p:style>
+          <a:lnRef idx="2">
+            <a:schemeClr val="accent1">
+              <a:shade val="50000"/>
+            </a:schemeClr>
+          </a:lnRef>
+          <a:fillRef idx="1">
+            <a:schemeClr val="accent1"/>
+          </a:fillRef>
+          <a:effectRef idx="0">
+            <a:schemeClr val="accent1"/>
+          </a:effectRef>
+          <a:fontRef idx="minor">
+            <a:schemeClr val="lt1"/>
+          </a:fontRef>
+        </p:style>
+        <p:txBody>
+          <a:bodyPr rtlCol="0" anchor="ctr"/>
+          <a:lstStyle/>
+          <a:p>
+            <a:pPr algn="ctr"/>
+            <a:endParaRPr lang="en-US"/>
+          </a:p>
+        </p:txBody>
+      </p:sp>
+      <p:sp>
+        <p:nvSpPr>
+          <p:cNvPr id="2" name="Title 1">
+            <a:extLst>
+              <a:ext uri="{FF2B5EF4-FFF2-40B4-BE49-F238E27FC236}">
+                <a16:creationId xmlns:a16="http://schemas.microsoft.com/office/drawing/2014/main" id="{A9400F89-107C-4C72-BE49-ED051F5A37EE}"/>
+              </a:ext>
+            </a:extLst>
+          </p:cNvPr>
+          <p:cNvSpPr>
+            <a:spLocks noGrp="1"/>
+          </p:cNvSpPr>
+          <p:nvPr>
+            <p:ph type="title"/>
+          </p:nvPr>
+        </p:nvSpPr>
+        <p:spPr>
+          <a:xfrm>
+            <a:off x="1189702" y="1261872"/>
+            <a:ext cx="3145536" cy="4334256"/>
+          </a:xfrm>
+        </p:spPr>
+        <p:txBody>
+          <a:bodyPr>
+            <a:normAutofit/>
+          </a:bodyPr>
+          <a:lstStyle/>
+          <a:p>
+            <a:pPr algn="r"/>
+            <a:r>
+              <a:rPr lang="en-US" sz="3600" dirty="0"/>
+              <a:t>Future Work</a:t>
+            </a:r>
+          </a:p>
+        </p:txBody>
+      </p:sp>
+      <p:cxnSp>
+        <p:nvCxnSpPr>
+          <p:cNvPr id="20" name="Straight Connector 19">
+            <a:extLst>
+              <a:ext uri="{FF2B5EF4-FFF2-40B4-BE49-F238E27FC236}">
+                <a16:creationId xmlns:a16="http://schemas.microsoft.com/office/drawing/2014/main" id="{486F4EBC-E415-40E4-A8BA-BA66F0B632CB}"/>
+              </a:ext>
+              <a:ext uri="{C183D7F6-B498-43B3-948B-1728B52AA6E4}">
+                <adec:decorative xmlns:adec="http://schemas.microsoft.com/office/drawing/2017/decorative" val="1"/>
+              </a:ext>
+            </a:extLst>
+          </p:cNvPr>
+          <p:cNvCxnSpPr>
+            <a:cxnSpLocks noGrp="1" noRot="1" noChangeAspect="1" noMove="1" noResize="1" noEditPoints="1" noAdjustHandles="1" noChangeArrowheads="1" noChangeShapeType="1"/>
+          </p:cNvCxnSpPr>
+          <p:nvPr>
+            <p:extLst>
+              <p:ext uri="{386F3935-93C4-4BCD-93E2-E3B085C9AB24}">
+                <p16:designElem xmlns:p16="http://schemas.microsoft.com/office/powerpoint/2015/main" val="1"/>
+              </p:ext>
+            </p:extLst>
+          </p:nvPr>
+        </p:nvCxnSpPr>
+        <p:spPr>
+          <a:xfrm>
+            <a:off x="4654295" y="1920240"/>
+            <a:ext cx="0" cy="3017520"/>
+          </a:xfrm>
+          <a:prstGeom prst="line">
+            <a:avLst/>
+          </a:prstGeom>
+          <a:ln w="15875">
+            <a:solidFill>
+              <a:schemeClr val="tx1"/>
+            </a:solidFill>
+          </a:ln>
+        </p:spPr>
+        <p:style>
+          <a:lnRef idx="1">
+            <a:schemeClr val="accent1"/>
+          </a:lnRef>
+          <a:fillRef idx="0">
+            <a:schemeClr val="accent1"/>
+          </a:fillRef>
+          <a:effectRef idx="0">
+            <a:schemeClr val="accent1"/>
+          </a:effectRef>
+          <a:fontRef idx="minor">
+            <a:schemeClr val="tx1"/>
+          </a:fontRef>
+        </p:style>
+      </p:cxnSp>
+      <p:sp>
+        <p:nvSpPr>
+          <p:cNvPr id="3" name="Content Placeholder 2">
+            <a:extLst>
+              <a:ext uri="{FF2B5EF4-FFF2-40B4-BE49-F238E27FC236}">
+                <a16:creationId xmlns:a16="http://schemas.microsoft.com/office/drawing/2014/main" id="{2D321BB8-D312-4C25-9D6A-DE0BE76EDB5F}"/>
+              </a:ext>
+            </a:extLst>
+          </p:cNvPr>
+          <p:cNvSpPr>
+            <a:spLocks noGrp="1"/>
+          </p:cNvSpPr>
+          <p:nvPr>
+            <p:ph idx="1"/>
+          </p:nvPr>
+        </p:nvSpPr>
+        <p:spPr>
+          <a:xfrm>
+            <a:off x="5007932" y="1261873"/>
+            <a:ext cx="5951013" cy="4449422"/>
+          </a:xfrm>
+        </p:spPr>
+        <p:txBody>
+          <a:bodyPr>
+            <a:normAutofit/>
+          </a:bodyPr>
+          <a:lstStyle/>
+          <a:p>
+            <a:r>
+              <a:rPr lang="en-US" sz="2000" dirty="0"/>
+              <a:t>Test ML algorithms on larger datasets</a:t>
+            </a:r>
+          </a:p>
+          <a:p>
+            <a:pPr lvl="1"/>
+            <a:r>
+              <a:rPr lang="en-US" sz="1600" dirty="0"/>
+              <a:t>Additional leagues, longer time periods</a:t>
+            </a:r>
+          </a:p>
+          <a:p>
+            <a:pPr lvl="1"/>
+            <a:endParaRPr lang="en-US" sz="1600" dirty="0"/>
+          </a:p>
+          <a:p>
+            <a:r>
+              <a:rPr lang="en-US" sz="2000" dirty="0"/>
+              <a:t>Use neural networks to try to improve prediction accuracies</a:t>
+            </a:r>
+          </a:p>
+          <a:p>
+            <a:pPr lvl="1"/>
+            <a:endParaRPr lang="en-US" sz="1600" dirty="0"/>
+          </a:p>
+          <a:p>
+            <a:pPr lvl="1"/>
+            <a:endParaRPr lang="en-US" sz="1600" dirty="0"/>
+          </a:p>
+        </p:txBody>
+      </p:sp>
+    </p:spTree>
+    <p:extLst>
+      <p:ext uri="{BB962C8B-B14F-4D97-AF65-F5344CB8AC3E}">
+        <p14:creationId xmlns:p14="http://schemas.microsoft.com/office/powerpoint/2010/main" val="347037632"/>
       </p:ext>
     </p:extLst>
   </p:cSld>
